--- a/2-coverage/lec13-llvm-pass-v3.pptx
+++ b/2-coverage/lec13-llvm-pass-v3.pptx
@@ -6,7 +6,7 @@
     <p:sldMasterId id="2147483672" r:id="rId2"/>
   </p:sldMasterIdLst>
   <p:notesMasterIdLst>
-    <p:notesMasterId r:id="rId25"/>
+    <p:notesMasterId r:id="rId27"/>
   </p:notesMasterIdLst>
   <p:sldIdLst>
     <p:sldId id="256" r:id="rId3"/>
@@ -30,7 +30,9 @@
     <p:sldId id="313" r:id="rId21"/>
     <p:sldId id="314" r:id="rId22"/>
     <p:sldId id="311" r:id="rId23"/>
-    <p:sldId id="304" r:id="rId24"/>
+    <p:sldId id="315" r:id="rId24"/>
+    <p:sldId id="317" r:id="rId25"/>
+    <p:sldId id="304" r:id="rId26"/>
   </p:sldIdLst>
   <p:sldSz cx="9144000" cy="6858000" type="screen4x3"/>
   <p:notesSz cx="6807200" cy="9939338"/>
@@ -17916,6 +17918,5413 @@
       </p:grpSpPr>
       <p:sp>
         <p:nvSpPr>
+          <p:cNvPr id="10" name="TextBox 9">
+            <a:extLst>
+              <a:ext uri="{FF2B5EF4-FFF2-40B4-BE49-F238E27FC236}">
+                <a16:creationId xmlns:a16="http://schemas.microsoft.com/office/drawing/2014/main" id="{B4CC262E-14F9-C1AD-666E-80FED46826F3}"/>
+              </a:ext>
+            </a:extLst>
+          </p:cNvPr>
+          <p:cNvSpPr txBox="1"/>
+          <p:nvPr/>
+        </p:nvSpPr>
+        <p:spPr>
+          <a:xfrm>
+            <a:off x="179512" y="-27384"/>
+            <a:ext cx="8640960" cy="6906506"/>
+          </a:xfrm>
+          <a:prstGeom prst="rect">
+            <a:avLst/>
+          </a:prstGeom>
+          <a:noFill/>
+          <a:ln>
+            <a:solidFill>
+              <a:schemeClr val="accent1"/>
+            </a:solidFill>
+          </a:ln>
+        </p:spPr>
+        <p:txBody>
+          <a:bodyPr wrap="square">
+            <a:spAutoFit/>
+          </a:bodyPr>
+          <a:lstStyle/>
+          <a:p>
+            <a:pPr>
+              <a:lnSpc>
+                <a:spcPct val="90000"/>
+              </a:lnSpc>
+            </a:pPr>
+            <a:r>
+              <a:rPr lang="en-US" altLang="ko-KR" sz="1200" b="1">
+                <a:solidFill>
+                  <a:srgbClr val="586E75"/>
+                </a:solidFill>
+                <a:effectLst/>
+                <a:latin typeface="Consolas" panose="020B0609020204030204" pitchFamily="49" charset="0"/>
+              </a:rPr>
+              <a:t>virtual</a:t>
+            </a:r>
+            <a:r>
+              <a:rPr lang="en-US" altLang="ko-KR" sz="1200" b="0">
+                <a:solidFill>
+                  <a:srgbClr val="657B83"/>
+                </a:solidFill>
+                <a:effectLst/>
+                <a:latin typeface="Consolas" panose="020B0609020204030204" pitchFamily="49" charset="0"/>
+              </a:rPr>
+              <a:t> </a:t>
+            </a:r>
+            <a:r>
+              <a:rPr lang="en-US" altLang="ko-KR" sz="1200" b="1">
+                <a:solidFill>
+                  <a:srgbClr val="586E75"/>
+                </a:solidFill>
+                <a:effectLst/>
+                <a:latin typeface="Consolas" panose="020B0609020204030204" pitchFamily="49" charset="0"/>
+              </a:rPr>
+              <a:t>bool</a:t>
+            </a:r>
+            <a:r>
+              <a:rPr lang="en-US" altLang="ko-KR" sz="1200" b="0">
+                <a:solidFill>
+                  <a:srgbClr val="657B83"/>
+                </a:solidFill>
+                <a:effectLst/>
+                <a:latin typeface="Consolas" panose="020B0609020204030204" pitchFamily="49" charset="0"/>
+              </a:rPr>
+              <a:t> </a:t>
+            </a:r>
+            <a:r>
+              <a:rPr lang="en-US" altLang="ko-KR" sz="1200" b="0">
+                <a:solidFill>
+                  <a:srgbClr val="268BD2"/>
+                </a:solidFill>
+                <a:effectLst/>
+                <a:latin typeface="Consolas" panose="020B0609020204030204" pitchFamily="49" charset="0"/>
+              </a:rPr>
+              <a:t>doInitialization</a:t>
+            </a:r>
+            <a:r>
+              <a:rPr lang="en-US" altLang="ko-KR" sz="1200" b="0">
+                <a:solidFill>
+                  <a:srgbClr val="657B83"/>
+                </a:solidFill>
+                <a:effectLst/>
+                <a:latin typeface="Consolas" panose="020B0609020204030204" pitchFamily="49" charset="0"/>
+              </a:rPr>
+              <a:t>(</a:t>
+            </a:r>
+            <a:r>
+              <a:rPr lang="en-US" altLang="ko-KR" sz="1200" b="0">
+                <a:solidFill>
+                  <a:srgbClr val="CB4B16"/>
+                </a:solidFill>
+                <a:effectLst/>
+                <a:latin typeface="Consolas" panose="020B0609020204030204" pitchFamily="49" charset="0"/>
+              </a:rPr>
+              <a:t>Module</a:t>
+            </a:r>
+            <a:r>
+              <a:rPr lang="en-US" altLang="ko-KR" sz="1200" b="0">
+                <a:solidFill>
+                  <a:srgbClr val="657B83"/>
+                </a:solidFill>
+                <a:effectLst/>
+                <a:latin typeface="Consolas" panose="020B0609020204030204" pitchFamily="49" charset="0"/>
+              </a:rPr>
+              <a:t> </a:t>
+            </a:r>
+            <a:r>
+              <a:rPr lang="en-US" altLang="ko-KR" sz="1200" b="1">
+                <a:solidFill>
+                  <a:srgbClr val="586E75"/>
+                </a:solidFill>
+                <a:effectLst/>
+                <a:latin typeface="Consolas" panose="020B0609020204030204" pitchFamily="49" charset="0"/>
+              </a:rPr>
+              <a:t>&amp;</a:t>
+            </a:r>
+            <a:r>
+              <a:rPr lang="en-US" altLang="ko-KR" sz="1200" b="0">
+                <a:solidFill>
+                  <a:srgbClr val="657B83"/>
+                </a:solidFill>
+                <a:effectLst/>
+                <a:latin typeface="Consolas" panose="020B0609020204030204" pitchFamily="49" charset="0"/>
+              </a:rPr>
+              <a:t>M) {</a:t>
+            </a:r>
+          </a:p>
+          <a:p>
+            <a:pPr>
+              <a:lnSpc>
+                <a:spcPct val="90000"/>
+              </a:lnSpc>
+            </a:pPr>
+            <a:r>
+              <a:rPr lang="en-US" altLang="ko-KR" sz="1200" b="0" i="1">
+                <a:solidFill>
+                  <a:srgbClr val="93A1A1"/>
+                </a:solidFill>
+                <a:effectLst/>
+                <a:latin typeface="Consolas" panose="020B0609020204030204" pitchFamily="49" charset="0"/>
+              </a:rPr>
+              <a:t>            /* check if there is a function in a target program that conflicts</a:t>
+            </a:r>
+            <a:endParaRPr lang="en-US" altLang="ko-KR" sz="1200" b="0">
+              <a:solidFill>
+                <a:srgbClr val="657B83"/>
+              </a:solidFill>
+              <a:effectLst/>
+              <a:latin typeface="Consolas" panose="020B0609020204030204" pitchFamily="49" charset="0"/>
+            </a:endParaRPr>
+          </a:p>
+          <a:p>
+            <a:pPr>
+              <a:lnSpc>
+                <a:spcPct val="90000"/>
+              </a:lnSpc>
+            </a:pPr>
+            <a:r>
+              <a:rPr lang="en-US" altLang="ko-KR" sz="1200" b="0" i="1">
+                <a:solidFill>
+                  <a:srgbClr val="93A1A1"/>
+                </a:solidFill>
+                <a:effectLst/>
+                <a:latin typeface="Consolas" panose="020B0609020204030204" pitchFamily="49" charset="0"/>
+              </a:rPr>
+              <a:t>             * with the probe functions */</a:t>
+            </a:r>
+            <a:r>
+              <a:rPr lang="en-US" altLang="ko-KR" sz="1200" b="0">
+                <a:solidFill>
+                  <a:srgbClr val="657B83"/>
+                </a:solidFill>
+                <a:effectLst/>
+                <a:latin typeface="Consolas" panose="020B0609020204030204" pitchFamily="49" charset="0"/>
+              </a:rPr>
+              <a:t>          </a:t>
+            </a:r>
+          </a:p>
+          <a:p>
+            <a:pPr>
+              <a:lnSpc>
+                <a:spcPct val="90000"/>
+              </a:lnSpc>
+            </a:pPr>
+            <a:r>
+              <a:rPr lang="en-US" altLang="ko-KR" sz="1200" b="0">
+                <a:solidFill>
+                  <a:srgbClr val="657B83"/>
+                </a:solidFill>
+                <a:effectLst/>
+                <a:latin typeface="Consolas" panose="020B0609020204030204" pitchFamily="49" charset="0"/>
+              </a:rPr>
+              <a:t>            </a:t>
+            </a:r>
+            <a:r>
+              <a:rPr lang="en-US" altLang="ko-KR" sz="1200" b="0">
+                <a:solidFill>
+                  <a:srgbClr val="859900"/>
+                </a:solidFill>
+                <a:effectLst/>
+                <a:latin typeface="Consolas" panose="020B0609020204030204" pitchFamily="49" charset="0"/>
+              </a:rPr>
+              <a:t>if</a:t>
+            </a:r>
+            <a:r>
+              <a:rPr lang="en-US" altLang="ko-KR" sz="1200" b="0">
+                <a:solidFill>
+                  <a:srgbClr val="657B83"/>
+                </a:solidFill>
+                <a:effectLst/>
+                <a:latin typeface="Consolas" panose="020B0609020204030204" pitchFamily="49" charset="0"/>
+              </a:rPr>
+              <a:t> (</a:t>
+            </a:r>
+            <a:r>
+              <a:rPr lang="en-US" altLang="ko-KR" sz="1200" b="0">
+                <a:solidFill>
+                  <a:srgbClr val="268BD2"/>
+                </a:solidFill>
+                <a:effectLst/>
+                <a:latin typeface="Consolas" panose="020B0609020204030204" pitchFamily="49" charset="0"/>
+              </a:rPr>
+              <a:t>M</a:t>
+            </a:r>
+            <a:r>
+              <a:rPr lang="en-US" altLang="ko-KR" sz="1200" b="0">
+                <a:solidFill>
+                  <a:srgbClr val="657B83"/>
+                </a:solidFill>
+                <a:effectLst/>
+                <a:latin typeface="Consolas" panose="020B0609020204030204" pitchFamily="49" charset="0"/>
+              </a:rPr>
+              <a:t>.</a:t>
+            </a:r>
+            <a:r>
+              <a:rPr lang="en-US" altLang="ko-KR" sz="1200" b="0">
+                <a:solidFill>
+                  <a:srgbClr val="268BD2"/>
+                </a:solidFill>
+                <a:effectLst/>
+                <a:latin typeface="Consolas" panose="020B0609020204030204" pitchFamily="49" charset="0"/>
+              </a:rPr>
+              <a:t>getFunction</a:t>
+            </a:r>
+            <a:r>
+              <a:rPr lang="en-US" altLang="ko-KR" sz="1200" b="0">
+                <a:solidFill>
+                  <a:srgbClr val="657B83"/>
+                </a:solidFill>
+                <a:effectLst/>
+                <a:latin typeface="Consolas" panose="020B0609020204030204" pitchFamily="49" charset="0"/>
+              </a:rPr>
+              <a:t>(</a:t>
+            </a:r>
+            <a:r>
+              <a:rPr lang="en-US" altLang="ko-KR" sz="1200" b="0">
+                <a:solidFill>
+                  <a:srgbClr val="268BD2"/>
+                </a:solidFill>
+                <a:effectLst/>
+                <a:latin typeface="Consolas" panose="020B0609020204030204" pitchFamily="49" charset="0"/>
+              </a:rPr>
+              <a:t>StringRef</a:t>
+            </a:r>
+            <a:r>
+              <a:rPr lang="en-US" altLang="ko-KR" sz="1200" b="0">
+                <a:solidFill>
+                  <a:srgbClr val="657B83"/>
+                </a:solidFill>
+                <a:effectLst/>
+                <a:latin typeface="Consolas" panose="020B0609020204030204" pitchFamily="49" charset="0"/>
+              </a:rPr>
+              <a:t>(</a:t>
+            </a:r>
+            <a:r>
+              <a:rPr lang="en-US" altLang="ko-KR" sz="1200" b="0">
+                <a:solidFill>
+                  <a:srgbClr val="2AA198"/>
+                </a:solidFill>
+                <a:effectLst/>
+                <a:latin typeface="Consolas" panose="020B0609020204030204" pitchFamily="49" charset="0"/>
+              </a:rPr>
+              <a:t>"_init_"</a:t>
+            </a:r>
+            <a:r>
+              <a:rPr lang="en-US" altLang="ko-KR" sz="1200" b="0">
+                <a:solidFill>
+                  <a:srgbClr val="657B83"/>
+                </a:solidFill>
+                <a:effectLst/>
+                <a:latin typeface="Consolas" panose="020B0609020204030204" pitchFamily="49" charset="0"/>
+              </a:rPr>
+              <a:t>)) </a:t>
+            </a:r>
+            <a:r>
+              <a:rPr lang="en-US" altLang="ko-KR" sz="1200" b="0">
+                <a:solidFill>
+                  <a:srgbClr val="859900"/>
+                </a:solidFill>
+                <a:effectLst/>
+                <a:latin typeface="Consolas" panose="020B0609020204030204" pitchFamily="49" charset="0"/>
+              </a:rPr>
+              <a:t>!=</a:t>
+            </a:r>
+            <a:r>
+              <a:rPr lang="en-US" altLang="ko-KR" sz="1200" b="0">
+                <a:solidFill>
+                  <a:srgbClr val="657B83"/>
+                </a:solidFill>
+                <a:effectLst/>
+                <a:latin typeface="Consolas" panose="020B0609020204030204" pitchFamily="49" charset="0"/>
+              </a:rPr>
+              <a:t> </a:t>
+            </a:r>
+            <a:r>
+              <a:rPr lang="en-US" altLang="ko-KR" sz="1200" b="0">
+                <a:solidFill>
+                  <a:srgbClr val="B58900"/>
+                </a:solidFill>
+                <a:effectLst/>
+                <a:latin typeface="Consolas" panose="020B0609020204030204" pitchFamily="49" charset="0"/>
+              </a:rPr>
+              <a:t>NULL</a:t>
+            </a:r>
+            <a:r>
+              <a:rPr lang="en-US" altLang="ko-KR" sz="1200" b="0">
+                <a:solidFill>
+                  <a:srgbClr val="657B83"/>
+                </a:solidFill>
+                <a:effectLst/>
+                <a:latin typeface="Consolas" panose="020B0609020204030204" pitchFamily="49" charset="0"/>
+              </a:rPr>
+              <a:t>) {</a:t>
+            </a:r>
+          </a:p>
+          <a:p>
+            <a:pPr>
+              <a:lnSpc>
+                <a:spcPct val="90000"/>
+              </a:lnSpc>
+            </a:pPr>
+            <a:r>
+              <a:rPr lang="en-US" altLang="ko-KR" sz="1200" b="0">
+                <a:solidFill>
+                  <a:srgbClr val="657B83"/>
+                </a:solidFill>
+                <a:effectLst/>
+                <a:latin typeface="Consolas" panose="020B0609020204030204" pitchFamily="49" charset="0"/>
+              </a:rPr>
+              <a:t>                </a:t>
+            </a:r>
+            <a:r>
+              <a:rPr lang="en-US" altLang="ko-KR" sz="1200" b="0">
+                <a:solidFill>
+                  <a:srgbClr val="268BD2"/>
+                </a:solidFill>
+                <a:effectLst/>
+                <a:latin typeface="Consolas" panose="020B0609020204030204" pitchFamily="49" charset="0"/>
+              </a:rPr>
+              <a:t>errs</a:t>
+            </a:r>
+            <a:r>
+              <a:rPr lang="en-US" altLang="ko-KR" sz="1200" b="0">
+                <a:solidFill>
+                  <a:srgbClr val="657B83"/>
+                </a:solidFill>
+                <a:effectLst/>
+                <a:latin typeface="Consolas" panose="020B0609020204030204" pitchFamily="49" charset="0"/>
+              </a:rPr>
+              <a:t>() </a:t>
+            </a:r>
+            <a:r>
+              <a:rPr lang="en-US" altLang="ko-KR" sz="1200" b="0">
+                <a:solidFill>
+                  <a:srgbClr val="859900"/>
+                </a:solidFill>
+                <a:effectLst/>
+                <a:latin typeface="Consolas" panose="020B0609020204030204" pitchFamily="49" charset="0"/>
+              </a:rPr>
+              <a:t>&lt;&lt;</a:t>
+            </a:r>
+            <a:r>
+              <a:rPr lang="en-US" altLang="ko-KR" sz="1200" b="0">
+                <a:solidFill>
+                  <a:srgbClr val="657B83"/>
+                </a:solidFill>
+                <a:effectLst/>
+                <a:latin typeface="Consolas" panose="020B0609020204030204" pitchFamily="49" charset="0"/>
+              </a:rPr>
+              <a:t> </a:t>
+            </a:r>
+            <a:r>
+              <a:rPr lang="en-US" altLang="ko-KR" sz="1200" b="0">
+                <a:solidFill>
+                  <a:srgbClr val="2AA198"/>
+                </a:solidFill>
+                <a:effectLst/>
+                <a:latin typeface="Consolas" panose="020B0609020204030204" pitchFamily="49" charset="0"/>
+              </a:rPr>
+              <a:t>"Error: function _init_() already exists.</a:t>
+            </a:r>
+            <a:r>
+              <a:rPr lang="en-US" altLang="ko-KR" sz="1200" b="0">
+                <a:solidFill>
+                  <a:srgbClr val="CB4B16"/>
+                </a:solidFill>
+                <a:effectLst/>
+                <a:latin typeface="Consolas" panose="020B0609020204030204" pitchFamily="49" charset="0"/>
+              </a:rPr>
+              <a:t>\n</a:t>
+            </a:r>
+            <a:r>
+              <a:rPr lang="en-US" altLang="ko-KR" sz="1200" b="0">
+                <a:solidFill>
+                  <a:srgbClr val="2AA198"/>
+                </a:solidFill>
+                <a:effectLst/>
+                <a:latin typeface="Consolas" panose="020B0609020204030204" pitchFamily="49" charset="0"/>
+              </a:rPr>
+              <a:t>"</a:t>
+            </a:r>
+            <a:r>
+              <a:rPr lang="en-US" altLang="ko-KR" sz="1200" b="0">
+                <a:solidFill>
+                  <a:srgbClr val="657B83"/>
+                </a:solidFill>
+                <a:effectLst/>
+                <a:latin typeface="Consolas" panose="020B0609020204030204" pitchFamily="49" charset="0"/>
+              </a:rPr>
+              <a:t>; </a:t>
+            </a:r>
+            <a:r>
+              <a:rPr lang="en-US" altLang="ko-KR" sz="1200" b="0">
+                <a:solidFill>
+                  <a:srgbClr val="268BD2"/>
+                </a:solidFill>
+                <a:effectLst/>
+                <a:latin typeface="Consolas" panose="020B0609020204030204" pitchFamily="49" charset="0"/>
+              </a:rPr>
+              <a:t>exit</a:t>
+            </a:r>
+            <a:r>
+              <a:rPr lang="en-US" altLang="ko-KR" sz="1200" b="0">
+                <a:solidFill>
+                  <a:srgbClr val="657B83"/>
+                </a:solidFill>
+                <a:effectLst/>
+                <a:latin typeface="Consolas" panose="020B0609020204030204" pitchFamily="49" charset="0"/>
+              </a:rPr>
+              <a:t>(</a:t>
+            </a:r>
+            <a:r>
+              <a:rPr lang="en-US" altLang="ko-KR" sz="1200" b="0">
+                <a:solidFill>
+                  <a:srgbClr val="D33682"/>
+                </a:solidFill>
+                <a:effectLst/>
+                <a:latin typeface="Consolas" panose="020B0609020204030204" pitchFamily="49" charset="0"/>
+              </a:rPr>
+              <a:t>1</a:t>
+            </a:r>
+            <a:r>
+              <a:rPr lang="en-US" altLang="ko-KR" sz="1200" b="0">
+                <a:solidFill>
+                  <a:srgbClr val="657B83"/>
+                </a:solidFill>
+                <a:effectLst/>
+                <a:latin typeface="Consolas" panose="020B0609020204030204" pitchFamily="49" charset="0"/>
+              </a:rPr>
+              <a:t>) ;}</a:t>
+            </a:r>
+          </a:p>
+          <a:p>
+            <a:pPr>
+              <a:lnSpc>
+                <a:spcPct val="90000"/>
+              </a:lnSpc>
+            </a:pPr>
+            <a:r>
+              <a:rPr lang="en-US" altLang="ko-KR" sz="1200" b="0">
+                <a:solidFill>
+                  <a:srgbClr val="657B83"/>
+                </a:solidFill>
+                <a:effectLst/>
+                <a:latin typeface="Consolas" panose="020B0609020204030204" pitchFamily="49" charset="0"/>
+              </a:rPr>
+              <a:t>            </a:t>
+            </a:r>
+            <a:r>
+              <a:rPr lang="en-US" altLang="ko-KR" sz="1200" b="0">
+                <a:solidFill>
+                  <a:srgbClr val="859900"/>
+                </a:solidFill>
+                <a:effectLst/>
+                <a:latin typeface="Consolas" panose="020B0609020204030204" pitchFamily="49" charset="0"/>
+              </a:rPr>
+              <a:t>if</a:t>
+            </a:r>
+            <a:r>
+              <a:rPr lang="en-US" altLang="ko-KR" sz="1200" b="0">
+                <a:solidFill>
+                  <a:srgbClr val="657B83"/>
+                </a:solidFill>
+                <a:effectLst/>
+                <a:latin typeface="Consolas" panose="020B0609020204030204" pitchFamily="49" charset="0"/>
+              </a:rPr>
+              <a:t> (</a:t>
+            </a:r>
+            <a:r>
+              <a:rPr lang="en-US" altLang="ko-KR" sz="1200" b="0">
+                <a:solidFill>
+                  <a:srgbClr val="268BD2"/>
+                </a:solidFill>
+                <a:effectLst/>
+                <a:latin typeface="Consolas" panose="020B0609020204030204" pitchFamily="49" charset="0"/>
+              </a:rPr>
+              <a:t>M</a:t>
+            </a:r>
+            <a:r>
+              <a:rPr lang="en-US" altLang="ko-KR" sz="1200" b="0">
+                <a:solidFill>
+                  <a:srgbClr val="657B83"/>
+                </a:solidFill>
+                <a:effectLst/>
+                <a:latin typeface="Consolas" panose="020B0609020204030204" pitchFamily="49" charset="0"/>
+              </a:rPr>
+              <a:t>.</a:t>
+            </a:r>
+            <a:r>
+              <a:rPr lang="en-US" altLang="ko-KR" sz="1200" b="0">
+                <a:solidFill>
+                  <a:srgbClr val="268BD2"/>
+                </a:solidFill>
+                <a:effectLst/>
+                <a:latin typeface="Consolas" panose="020B0609020204030204" pitchFamily="49" charset="0"/>
+              </a:rPr>
+              <a:t>getFunction</a:t>
+            </a:r>
+            <a:r>
+              <a:rPr lang="en-US" altLang="ko-KR" sz="1200" b="0">
+                <a:solidFill>
+                  <a:srgbClr val="657B83"/>
+                </a:solidFill>
+                <a:effectLst/>
+                <a:latin typeface="Consolas" panose="020B0609020204030204" pitchFamily="49" charset="0"/>
+              </a:rPr>
+              <a:t>(</a:t>
+            </a:r>
+            <a:r>
+              <a:rPr lang="en-US" altLang="ko-KR" sz="1200" b="0">
+                <a:solidFill>
+                  <a:srgbClr val="268BD2"/>
+                </a:solidFill>
+                <a:effectLst/>
+                <a:latin typeface="Consolas" panose="020B0609020204030204" pitchFamily="49" charset="0"/>
+              </a:rPr>
+              <a:t>StringRef</a:t>
+            </a:r>
+            <a:r>
+              <a:rPr lang="en-US" altLang="ko-KR" sz="1200" b="0">
+                <a:solidFill>
+                  <a:srgbClr val="657B83"/>
+                </a:solidFill>
+                <a:effectLst/>
+                <a:latin typeface="Consolas" panose="020B0609020204030204" pitchFamily="49" charset="0"/>
+              </a:rPr>
+              <a:t>(</a:t>
+            </a:r>
+            <a:r>
+              <a:rPr lang="en-US" altLang="ko-KR" sz="1200" b="0">
+                <a:solidFill>
+                  <a:srgbClr val="2AA198"/>
+                </a:solidFill>
+                <a:effectLst/>
+                <a:latin typeface="Consolas" panose="020B0609020204030204" pitchFamily="49" charset="0"/>
+              </a:rPr>
+              <a:t>"_probe_"</a:t>
+            </a:r>
+            <a:r>
+              <a:rPr lang="en-US" altLang="ko-KR" sz="1200" b="0">
+                <a:solidFill>
+                  <a:srgbClr val="657B83"/>
+                </a:solidFill>
+                <a:effectLst/>
+                <a:latin typeface="Consolas" panose="020B0609020204030204" pitchFamily="49" charset="0"/>
+              </a:rPr>
+              <a:t>)) </a:t>
+            </a:r>
+            <a:r>
+              <a:rPr lang="en-US" altLang="ko-KR" sz="1200" b="0">
+                <a:solidFill>
+                  <a:srgbClr val="859900"/>
+                </a:solidFill>
+                <a:effectLst/>
+                <a:latin typeface="Consolas" panose="020B0609020204030204" pitchFamily="49" charset="0"/>
+              </a:rPr>
+              <a:t>!=</a:t>
+            </a:r>
+            <a:r>
+              <a:rPr lang="en-US" altLang="ko-KR" sz="1200" b="0">
+                <a:solidFill>
+                  <a:srgbClr val="657B83"/>
+                </a:solidFill>
+                <a:effectLst/>
+                <a:latin typeface="Consolas" panose="020B0609020204030204" pitchFamily="49" charset="0"/>
+              </a:rPr>
+              <a:t> </a:t>
+            </a:r>
+            <a:r>
+              <a:rPr lang="en-US" altLang="ko-KR" sz="1200" b="0">
+                <a:solidFill>
+                  <a:srgbClr val="B58900"/>
+                </a:solidFill>
+                <a:effectLst/>
+                <a:latin typeface="Consolas" panose="020B0609020204030204" pitchFamily="49" charset="0"/>
+              </a:rPr>
+              <a:t>NULL</a:t>
+            </a:r>
+            <a:r>
+              <a:rPr lang="en-US" altLang="ko-KR" sz="1200" b="0">
+                <a:solidFill>
+                  <a:srgbClr val="657B83"/>
+                </a:solidFill>
+                <a:effectLst/>
+                <a:latin typeface="Consolas" panose="020B0609020204030204" pitchFamily="49" charset="0"/>
+              </a:rPr>
+              <a:t>) {</a:t>
+            </a:r>
+          </a:p>
+          <a:p>
+            <a:pPr>
+              <a:lnSpc>
+                <a:spcPct val="90000"/>
+              </a:lnSpc>
+            </a:pPr>
+            <a:r>
+              <a:rPr lang="en-US" altLang="ko-KR" sz="1200" b="0">
+                <a:solidFill>
+                  <a:srgbClr val="657B83"/>
+                </a:solidFill>
+                <a:effectLst/>
+                <a:latin typeface="Consolas" panose="020B0609020204030204" pitchFamily="49" charset="0"/>
+              </a:rPr>
+              <a:t>                </a:t>
+            </a:r>
+            <a:r>
+              <a:rPr lang="en-US" altLang="ko-KR" sz="1200" b="0">
+                <a:solidFill>
+                  <a:srgbClr val="268BD2"/>
+                </a:solidFill>
+                <a:effectLst/>
+                <a:latin typeface="Consolas" panose="020B0609020204030204" pitchFamily="49" charset="0"/>
+              </a:rPr>
+              <a:t>errs</a:t>
+            </a:r>
+            <a:r>
+              <a:rPr lang="en-US" altLang="ko-KR" sz="1200" b="0">
+                <a:solidFill>
+                  <a:srgbClr val="657B83"/>
+                </a:solidFill>
+                <a:effectLst/>
+                <a:latin typeface="Consolas" panose="020B0609020204030204" pitchFamily="49" charset="0"/>
+              </a:rPr>
+              <a:t>() </a:t>
+            </a:r>
+            <a:r>
+              <a:rPr lang="en-US" altLang="ko-KR" sz="1200" b="0">
+                <a:solidFill>
+                  <a:srgbClr val="859900"/>
+                </a:solidFill>
+                <a:effectLst/>
+                <a:latin typeface="Consolas" panose="020B0609020204030204" pitchFamily="49" charset="0"/>
+              </a:rPr>
+              <a:t>&lt;&lt;</a:t>
+            </a:r>
+            <a:r>
+              <a:rPr lang="en-US" altLang="ko-KR" sz="1200" b="0">
+                <a:solidFill>
+                  <a:srgbClr val="657B83"/>
+                </a:solidFill>
+                <a:effectLst/>
+                <a:latin typeface="Consolas" panose="020B0609020204030204" pitchFamily="49" charset="0"/>
+              </a:rPr>
+              <a:t> </a:t>
+            </a:r>
+            <a:r>
+              <a:rPr lang="en-US" altLang="ko-KR" sz="1200" b="0">
+                <a:solidFill>
+                  <a:srgbClr val="2AA198"/>
+                </a:solidFill>
+                <a:effectLst/>
+                <a:latin typeface="Consolas" panose="020B0609020204030204" pitchFamily="49" charset="0"/>
+              </a:rPr>
+              <a:t>"Error: function _probe_() already exists.</a:t>
+            </a:r>
+            <a:r>
+              <a:rPr lang="en-US" altLang="ko-KR" sz="1200" b="0">
+                <a:solidFill>
+                  <a:srgbClr val="CB4B16"/>
+                </a:solidFill>
+                <a:effectLst/>
+                <a:latin typeface="Consolas" panose="020B0609020204030204" pitchFamily="49" charset="0"/>
+              </a:rPr>
+              <a:t>\n</a:t>
+            </a:r>
+            <a:r>
+              <a:rPr lang="en-US" altLang="ko-KR" sz="1200" b="0">
+                <a:solidFill>
+                  <a:srgbClr val="2AA198"/>
+                </a:solidFill>
+                <a:effectLst/>
+                <a:latin typeface="Consolas" panose="020B0609020204030204" pitchFamily="49" charset="0"/>
+              </a:rPr>
+              <a:t>"</a:t>
+            </a:r>
+            <a:r>
+              <a:rPr lang="en-US" altLang="ko-KR" sz="1200" b="0">
+                <a:solidFill>
+                  <a:srgbClr val="657B83"/>
+                </a:solidFill>
+                <a:effectLst/>
+                <a:latin typeface="Consolas" panose="020B0609020204030204" pitchFamily="49" charset="0"/>
+              </a:rPr>
+              <a:t>; </a:t>
+            </a:r>
+            <a:r>
+              <a:rPr lang="en-US" altLang="ko-KR" sz="1200" b="0">
+                <a:solidFill>
+                  <a:srgbClr val="268BD2"/>
+                </a:solidFill>
+                <a:effectLst/>
+                <a:latin typeface="Consolas" panose="020B0609020204030204" pitchFamily="49" charset="0"/>
+              </a:rPr>
+              <a:t>exit</a:t>
+            </a:r>
+            <a:r>
+              <a:rPr lang="en-US" altLang="ko-KR" sz="1200" b="0">
+                <a:solidFill>
+                  <a:srgbClr val="657B83"/>
+                </a:solidFill>
+                <a:effectLst/>
+                <a:latin typeface="Consolas" panose="020B0609020204030204" pitchFamily="49" charset="0"/>
+              </a:rPr>
+              <a:t>(</a:t>
+            </a:r>
+            <a:r>
+              <a:rPr lang="en-US" altLang="ko-KR" sz="1200" b="0">
+                <a:solidFill>
+                  <a:srgbClr val="D33682"/>
+                </a:solidFill>
+                <a:effectLst/>
+                <a:latin typeface="Consolas" panose="020B0609020204030204" pitchFamily="49" charset="0"/>
+              </a:rPr>
+              <a:t>1</a:t>
+            </a:r>
+            <a:r>
+              <a:rPr lang="en-US" altLang="ko-KR" sz="1200" b="0">
+                <a:solidFill>
+                  <a:srgbClr val="657B83"/>
+                </a:solidFill>
+                <a:effectLst/>
+                <a:latin typeface="Consolas" panose="020B0609020204030204" pitchFamily="49" charset="0"/>
+              </a:rPr>
+              <a:t>) ;}</a:t>
+            </a:r>
+          </a:p>
+          <a:p>
+            <a:pPr>
+              <a:lnSpc>
+                <a:spcPct val="90000"/>
+              </a:lnSpc>
+            </a:pPr>
+            <a:br>
+              <a:rPr lang="en-US" altLang="ko-KR" sz="1200" b="0">
+                <a:solidFill>
+                  <a:srgbClr val="657B83"/>
+                </a:solidFill>
+                <a:effectLst/>
+                <a:latin typeface="Consolas" panose="020B0609020204030204" pitchFamily="49" charset="0"/>
+              </a:rPr>
+            </a:br>
+            <a:r>
+              <a:rPr lang="en-US" altLang="ko-KR" sz="1200" b="0">
+                <a:solidFill>
+                  <a:srgbClr val="657B83"/>
+                </a:solidFill>
+                <a:effectLst/>
+                <a:latin typeface="Consolas" panose="020B0609020204030204" pitchFamily="49" charset="0"/>
+              </a:rPr>
+              <a:t>            </a:t>
+            </a:r>
+            <a:r>
+              <a:rPr lang="en-US" altLang="ko-KR" sz="1200" b="0">
+                <a:solidFill>
+                  <a:srgbClr val="268BD2"/>
+                </a:solidFill>
+                <a:effectLst/>
+                <a:latin typeface="Consolas" panose="020B0609020204030204" pitchFamily="49" charset="0"/>
+              </a:rPr>
+              <a:t>errs</a:t>
+            </a:r>
+            <a:r>
+              <a:rPr lang="en-US" altLang="ko-KR" sz="1200" b="0">
+                <a:solidFill>
+                  <a:srgbClr val="657B83"/>
+                </a:solidFill>
+                <a:effectLst/>
+                <a:latin typeface="Consolas" panose="020B0609020204030204" pitchFamily="49" charset="0"/>
+              </a:rPr>
+              <a:t>() </a:t>
+            </a:r>
+            <a:r>
+              <a:rPr lang="en-US" altLang="ko-KR" sz="1200" b="0">
+                <a:solidFill>
+                  <a:srgbClr val="859900"/>
+                </a:solidFill>
+                <a:effectLst/>
+                <a:latin typeface="Consolas" panose="020B0609020204030204" pitchFamily="49" charset="0"/>
+              </a:rPr>
+              <a:t>&lt;&lt;</a:t>
+            </a:r>
+            <a:r>
+              <a:rPr lang="en-US" altLang="ko-KR" sz="1200" b="0">
+                <a:solidFill>
+                  <a:srgbClr val="657B83"/>
+                </a:solidFill>
+                <a:effectLst/>
+                <a:latin typeface="Consolas" panose="020B0609020204030204" pitchFamily="49" charset="0"/>
+              </a:rPr>
+              <a:t> </a:t>
+            </a:r>
+            <a:r>
+              <a:rPr lang="en-US" altLang="ko-KR" sz="1200" b="0">
+                <a:solidFill>
+                  <a:srgbClr val="2AA198"/>
+                </a:solidFill>
+                <a:effectLst/>
+                <a:latin typeface="Consolas" panose="020B0609020204030204" pitchFamily="49" charset="0"/>
+              </a:rPr>
+              <a:t>"Running intwrite pass</a:t>
+            </a:r>
+            <a:r>
+              <a:rPr lang="en-US" altLang="ko-KR" sz="1200" b="0">
+                <a:solidFill>
+                  <a:srgbClr val="CB4B16"/>
+                </a:solidFill>
+                <a:effectLst/>
+                <a:latin typeface="Consolas" panose="020B0609020204030204" pitchFamily="49" charset="0"/>
+              </a:rPr>
+              <a:t>\n</a:t>
+            </a:r>
+            <a:r>
+              <a:rPr lang="en-US" altLang="ko-KR" sz="1200" b="0">
+                <a:solidFill>
+                  <a:srgbClr val="2AA198"/>
+                </a:solidFill>
+                <a:effectLst/>
+                <a:latin typeface="Consolas" panose="020B0609020204030204" pitchFamily="49" charset="0"/>
+              </a:rPr>
+              <a:t>"</a:t>
+            </a:r>
+            <a:r>
+              <a:rPr lang="en-US" altLang="ko-KR" sz="1200" b="0">
+                <a:solidFill>
+                  <a:srgbClr val="657B83"/>
+                </a:solidFill>
+                <a:effectLst/>
+                <a:latin typeface="Consolas" panose="020B0609020204030204" pitchFamily="49" charset="0"/>
+              </a:rPr>
+              <a:t>;</a:t>
+            </a:r>
+          </a:p>
+          <a:p>
+            <a:pPr>
+              <a:lnSpc>
+                <a:spcPct val="90000"/>
+              </a:lnSpc>
+            </a:pPr>
+            <a:br>
+              <a:rPr lang="en-US" altLang="ko-KR" sz="1200" b="0">
+                <a:solidFill>
+                  <a:srgbClr val="657B83"/>
+                </a:solidFill>
+                <a:effectLst/>
+                <a:latin typeface="Consolas" panose="020B0609020204030204" pitchFamily="49" charset="0"/>
+              </a:rPr>
+            </a:br>
+            <a:r>
+              <a:rPr lang="en-US" altLang="ko-KR" sz="1200" b="0" i="1">
+                <a:solidFill>
+                  <a:srgbClr val="93A1A1"/>
+                </a:solidFill>
+                <a:effectLst/>
+                <a:latin typeface="Consolas" panose="020B0609020204030204" pitchFamily="49" charset="0"/>
+              </a:rPr>
+              <a:t>            /* store the type instances for primitive types */</a:t>
+            </a:r>
+            <a:endParaRPr lang="en-US" altLang="ko-KR" sz="1200" b="0">
+              <a:solidFill>
+                <a:srgbClr val="657B83"/>
+              </a:solidFill>
+              <a:effectLst/>
+              <a:latin typeface="Consolas" panose="020B0609020204030204" pitchFamily="49" charset="0"/>
+            </a:endParaRPr>
+          </a:p>
+          <a:p>
+            <a:pPr>
+              <a:lnSpc>
+                <a:spcPct val="90000"/>
+              </a:lnSpc>
+            </a:pPr>
+            <a:r>
+              <a:rPr lang="en-US" altLang="ko-KR" sz="1200" b="0">
+                <a:solidFill>
+                  <a:srgbClr val="657B83"/>
+                </a:solidFill>
+                <a:effectLst/>
+                <a:latin typeface="Consolas" panose="020B0609020204030204" pitchFamily="49" charset="0"/>
+              </a:rPr>
+              <a:t>            intTy </a:t>
+            </a:r>
+            <a:r>
+              <a:rPr lang="en-US" altLang="ko-KR" sz="1200" b="0">
+                <a:solidFill>
+                  <a:srgbClr val="859900"/>
+                </a:solidFill>
+                <a:effectLst/>
+                <a:latin typeface="Consolas" panose="020B0609020204030204" pitchFamily="49" charset="0"/>
+              </a:rPr>
+              <a:t>=</a:t>
+            </a:r>
+            <a:r>
+              <a:rPr lang="en-US" altLang="ko-KR" sz="1200" b="0">
+                <a:solidFill>
+                  <a:srgbClr val="657B83"/>
+                </a:solidFill>
+                <a:effectLst/>
+                <a:latin typeface="Consolas" panose="020B0609020204030204" pitchFamily="49" charset="0"/>
+              </a:rPr>
+              <a:t> </a:t>
+            </a:r>
+            <a:r>
+              <a:rPr lang="en-US" altLang="ko-KR" sz="1200" b="0">
+                <a:solidFill>
+                  <a:srgbClr val="CB4B16"/>
+                </a:solidFill>
+                <a:effectLst/>
+                <a:latin typeface="Consolas" panose="020B0609020204030204" pitchFamily="49" charset="0"/>
+              </a:rPr>
+              <a:t>Type</a:t>
+            </a:r>
+            <a:r>
+              <a:rPr lang="en-US" altLang="ko-KR" sz="1200" b="0">
+                <a:solidFill>
+                  <a:srgbClr val="657B83"/>
+                </a:solidFill>
+                <a:effectLst/>
+                <a:latin typeface="Consolas" panose="020B0609020204030204" pitchFamily="49" charset="0"/>
+              </a:rPr>
+              <a:t>::</a:t>
+            </a:r>
+            <a:r>
+              <a:rPr lang="en-US" altLang="ko-KR" sz="1200" b="0">
+                <a:solidFill>
+                  <a:srgbClr val="268BD2"/>
+                </a:solidFill>
+                <a:effectLst/>
+                <a:latin typeface="Consolas" panose="020B0609020204030204" pitchFamily="49" charset="0"/>
+              </a:rPr>
+              <a:t>getInt32Ty</a:t>
+            </a:r>
+            <a:r>
+              <a:rPr lang="en-US" altLang="ko-KR" sz="1200" b="0">
+                <a:solidFill>
+                  <a:srgbClr val="657B83"/>
+                </a:solidFill>
+                <a:effectLst/>
+                <a:latin typeface="Consolas" panose="020B0609020204030204" pitchFamily="49" charset="0"/>
+              </a:rPr>
+              <a:t>(</a:t>
+            </a:r>
+            <a:r>
+              <a:rPr lang="en-US" altLang="ko-KR" sz="1200" b="0">
+                <a:solidFill>
+                  <a:srgbClr val="268BD2"/>
+                </a:solidFill>
+                <a:effectLst/>
+                <a:latin typeface="Consolas" panose="020B0609020204030204" pitchFamily="49" charset="0"/>
+              </a:rPr>
+              <a:t>M</a:t>
+            </a:r>
+            <a:r>
+              <a:rPr lang="en-US" altLang="ko-KR" sz="1200" b="0">
+                <a:solidFill>
+                  <a:srgbClr val="657B83"/>
+                </a:solidFill>
+                <a:effectLst/>
+                <a:latin typeface="Consolas" panose="020B0609020204030204" pitchFamily="49" charset="0"/>
+              </a:rPr>
+              <a:t>.</a:t>
+            </a:r>
+            <a:r>
+              <a:rPr lang="en-US" altLang="ko-KR" sz="1200" b="0">
+                <a:solidFill>
+                  <a:srgbClr val="268BD2"/>
+                </a:solidFill>
+                <a:effectLst/>
+                <a:latin typeface="Consolas" panose="020B0609020204030204" pitchFamily="49" charset="0"/>
+              </a:rPr>
+              <a:t>getContext</a:t>
+            </a:r>
+            <a:r>
+              <a:rPr lang="en-US" altLang="ko-KR" sz="1200" b="0">
+                <a:solidFill>
+                  <a:srgbClr val="657B83"/>
+                </a:solidFill>
+                <a:effectLst/>
+                <a:latin typeface="Consolas" panose="020B0609020204030204" pitchFamily="49" charset="0"/>
+              </a:rPr>
+              <a:t>()) ;</a:t>
+            </a:r>
+          </a:p>
+          <a:p>
+            <a:pPr>
+              <a:lnSpc>
+                <a:spcPct val="90000"/>
+              </a:lnSpc>
+            </a:pPr>
+            <a:r>
+              <a:rPr lang="en-US" altLang="ko-KR" sz="1200" b="0">
+                <a:solidFill>
+                  <a:srgbClr val="657B83"/>
+                </a:solidFill>
+                <a:effectLst/>
+                <a:latin typeface="Consolas" panose="020B0609020204030204" pitchFamily="49" charset="0"/>
+              </a:rPr>
+              <a:t>            ptrTy </a:t>
+            </a:r>
+            <a:r>
+              <a:rPr lang="en-US" altLang="ko-KR" sz="1200" b="0">
+                <a:solidFill>
+                  <a:srgbClr val="859900"/>
+                </a:solidFill>
+                <a:effectLst/>
+                <a:latin typeface="Consolas" panose="020B0609020204030204" pitchFamily="49" charset="0"/>
+              </a:rPr>
+              <a:t>=</a:t>
+            </a:r>
+            <a:r>
+              <a:rPr lang="en-US" altLang="ko-KR" sz="1200" b="0">
+                <a:solidFill>
+                  <a:srgbClr val="657B83"/>
+                </a:solidFill>
+                <a:effectLst/>
+                <a:latin typeface="Consolas" panose="020B0609020204030204" pitchFamily="49" charset="0"/>
+              </a:rPr>
+              <a:t> </a:t>
+            </a:r>
+            <a:r>
+              <a:rPr lang="en-US" altLang="ko-KR" sz="1200" b="0">
+                <a:solidFill>
+                  <a:srgbClr val="CB4B16"/>
+                </a:solidFill>
+                <a:effectLst/>
+                <a:latin typeface="Consolas" panose="020B0609020204030204" pitchFamily="49" charset="0"/>
+              </a:rPr>
+              <a:t>Type</a:t>
+            </a:r>
+            <a:r>
+              <a:rPr lang="en-US" altLang="ko-KR" sz="1200" b="0">
+                <a:solidFill>
+                  <a:srgbClr val="657B83"/>
+                </a:solidFill>
+                <a:effectLst/>
+                <a:latin typeface="Consolas" panose="020B0609020204030204" pitchFamily="49" charset="0"/>
+              </a:rPr>
+              <a:t>::</a:t>
+            </a:r>
+            <a:r>
+              <a:rPr lang="en-US" altLang="ko-KR" sz="1200" b="0">
+                <a:solidFill>
+                  <a:srgbClr val="268BD2"/>
+                </a:solidFill>
+                <a:effectLst/>
+                <a:latin typeface="Consolas" panose="020B0609020204030204" pitchFamily="49" charset="0"/>
+              </a:rPr>
+              <a:t>getInt8PtrTy</a:t>
+            </a:r>
+            <a:r>
+              <a:rPr lang="en-US" altLang="ko-KR" sz="1200" b="0">
+                <a:solidFill>
+                  <a:srgbClr val="657B83"/>
+                </a:solidFill>
+                <a:effectLst/>
+                <a:latin typeface="Consolas" panose="020B0609020204030204" pitchFamily="49" charset="0"/>
+              </a:rPr>
+              <a:t>(</a:t>
+            </a:r>
+            <a:r>
+              <a:rPr lang="en-US" altLang="ko-KR" sz="1200" b="0">
+                <a:solidFill>
+                  <a:srgbClr val="268BD2"/>
+                </a:solidFill>
+                <a:effectLst/>
+                <a:latin typeface="Consolas" panose="020B0609020204030204" pitchFamily="49" charset="0"/>
+              </a:rPr>
+              <a:t>M</a:t>
+            </a:r>
+            <a:r>
+              <a:rPr lang="en-US" altLang="ko-KR" sz="1200" b="0">
+                <a:solidFill>
+                  <a:srgbClr val="657B83"/>
+                </a:solidFill>
+                <a:effectLst/>
+                <a:latin typeface="Consolas" panose="020B0609020204030204" pitchFamily="49" charset="0"/>
+              </a:rPr>
+              <a:t>.</a:t>
+            </a:r>
+            <a:r>
+              <a:rPr lang="en-US" altLang="ko-KR" sz="1200" b="0">
+                <a:solidFill>
+                  <a:srgbClr val="268BD2"/>
+                </a:solidFill>
+                <a:effectLst/>
+                <a:latin typeface="Consolas" panose="020B0609020204030204" pitchFamily="49" charset="0"/>
+              </a:rPr>
+              <a:t>getContext</a:t>
+            </a:r>
+            <a:r>
+              <a:rPr lang="en-US" altLang="ko-KR" sz="1200" b="0">
+                <a:solidFill>
+                  <a:srgbClr val="657B83"/>
+                </a:solidFill>
+                <a:effectLst/>
+                <a:latin typeface="Consolas" panose="020B0609020204030204" pitchFamily="49" charset="0"/>
+              </a:rPr>
+              <a:t>()) ;</a:t>
+            </a:r>
+          </a:p>
+          <a:p>
+            <a:pPr>
+              <a:lnSpc>
+                <a:spcPct val="90000"/>
+              </a:lnSpc>
+            </a:pPr>
+            <a:r>
+              <a:rPr lang="en-US" altLang="ko-KR" sz="1200" b="0">
+                <a:solidFill>
+                  <a:srgbClr val="657B83"/>
+                </a:solidFill>
+                <a:effectLst/>
+                <a:latin typeface="Consolas" panose="020B0609020204030204" pitchFamily="49" charset="0"/>
+              </a:rPr>
+              <a:t>            voidTy </a:t>
+            </a:r>
+            <a:r>
+              <a:rPr lang="en-US" altLang="ko-KR" sz="1200" b="0">
+                <a:solidFill>
+                  <a:srgbClr val="859900"/>
+                </a:solidFill>
+                <a:effectLst/>
+                <a:latin typeface="Consolas" panose="020B0609020204030204" pitchFamily="49" charset="0"/>
+              </a:rPr>
+              <a:t>=</a:t>
+            </a:r>
+            <a:r>
+              <a:rPr lang="en-US" altLang="ko-KR" sz="1200" b="0">
+                <a:solidFill>
+                  <a:srgbClr val="657B83"/>
+                </a:solidFill>
+                <a:effectLst/>
+                <a:latin typeface="Consolas" panose="020B0609020204030204" pitchFamily="49" charset="0"/>
+              </a:rPr>
+              <a:t> </a:t>
+            </a:r>
+            <a:r>
+              <a:rPr lang="en-US" altLang="ko-KR" sz="1200" b="0">
+                <a:solidFill>
+                  <a:srgbClr val="CB4B16"/>
+                </a:solidFill>
+                <a:effectLst/>
+                <a:latin typeface="Consolas" panose="020B0609020204030204" pitchFamily="49" charset="0"/>
+              </a:rPr>
+              <a:t>Type</a:t>
+            </a:r>
+            <a:r>
+              <a:rPr lang="en-US" altLang="ko-KR" sz="1200" b="0">
+                <a:solidFill>
+                  <a:srgbClr val="657B83"/>
+                </a:solidFill>
+                <a:effectLst/>
+                <a:latin typeface="Consolas" panose="020B0609020204030204" pitchFamily="49" charset="0"/>
+              </a:rPr>
+              <a:t>::</a:t>
+            </a:r>
+            <a:r>
+              <a:rPr lang="en-US" altLang="ko-KR" sz="1200" b="0">
+                <a:solidFill>
+                  <a:srgbClr val="268BD2"/>
+                </a:solidFill>
+                <a:effectLst/>
+                <a:latin typeface="Consolas" panose="020B0609020204030204" pitchFamily="49" charset="0"/>
+              </a:rPr>
+              <a:t>getVoidTy</a:t>
+            </a:r>
+            <a:r>
+              <a:rPr lang="en-US" altLang="ko-KR" sz="1200" b="0">
+                <a:solidFill>
+                  <a:srgbClr val="657B83"/>
+                </a:solidFill>
+                <a:effectLst/>
+                <a:latin typeface="Consolas" panose="020B0609020204030204" pitchFamily="49" charset="0"/>
+              </a:rPr>
+              <a:t>(</a:t>
+            </a:r>
+            <a:r>
+              <a:rPr lang="en-US" altLang="ko-KR" sz="1200" b="0">
+                <a:solidFill>
+                  <a:srgbClr val="268BD2"/>
+                </a:solidFill>
+                <a:effectLst/>
+                <a:latin typeface="Consolas" panose="020B0609020204030204" pitchFamily="49" charset="0"/>
+              </a:rPr>
+              <a:t>M</a:t>
+            </a:r>
+            <a:r>
+              <a:rPr lang="en-US" altLang="ko-KR" sz="1200" b="0">
+                <a:solidFill>
+                  <a:srgbClr val="657B83"/>
+                </a:solidFill>
+                <a:effectLst/>
+                <a:latin typeface="Consolas" panose="020B0609020204030204" pitchFamily="49" charset="0"/>
+              </a:rPr>
+              <a:t>.</a:t>
+            </a:r>
+            <a:r>
+              <a:rPr lang="en-US" altLang="ko-KR" sz="1200" b="0">
+                <a:solidFill>
+                  <a:srgbClr val="268BD2"/>
+                </a:solidFill>
+                <a:effectLst/>
+                <a:latin typeface="Consolas" panose="020B0609020204030204" pitchFamily="49" charset="0"/>
+              </a:rPr>
+              <a:t>getContext</a:t>
+            </a:r>
+            <a:r>
+              <a:rPr lang="en-US" altLang="ko-KR" sz="1200" b="0">
+                <a:solidFill>
+                  <a:srgbClr val="657B83"/>
+                </a:solidFill>
+                <a:effectLst/>
+                <a:latin typeface="Consolas" panose="020B0609020204030204" pitchFamily="49" charset="0"/>
+              </a:rPr>
+              <a:t>()) ;</a:t>
+            </a:r>
+          </a:p>
+          <a:p>
+            <a:pPr>
+              <a:lnSpc>
+                <a:spcPct val="90000"/>
+              </a:lnSpc>
+            </a:pPr>
+            <a:r>
+              <a:rPr lang="en-US" altLang="ko-KR" sz="1200" b="0">
+                <a:solidFill>
+                  <a:srgbClr val="657B83"/>
+                </a:solidFill>
+                <a:effectLst/>
+                <a:latin typeface="Consolas" panose="020B0609020204030204" pitchFamily="49" charset="0"/>
+              </a:rPr>
+              <a:t>            ... </a:t>
+            </a:r>
+          </a:p>
+          <a:p>
+            <a:pPr>
+              <a:lnSpc>
+                <a:spcPct val="90000"/>
+              </a:lnSpc>
+            </a:pPr>
+            <a:br>
+              <a:rPr lang="en-US" altLang="ko-KR" sz="1200" b="0">
+                <a:solidFill>
+                  <a:srgbClr val="657B83"/>
+                </a:solidFill>
+                <a:effectLst/>
+                <a:latin typeface="Consolas" panose="020B0609020204030204" pitchFamily="49" charset="0"/>
+              </a:rPr>
+            </a:br>
+            <a:r>
+              <a:rPr lang="en-US" altLang="ko-KR" sz="1200" b="0" i="1">
+                <a:solidFill>
+                  <a:srgbClr val="93A1A1"/>
+                </a:solidFill>
+                <a:effectLst/>
+                <a:latin typeface="Consolas" panose="020B0609020204030204" pitchFamily="49" charset="0"/>
+              </a:rPr>
+              <a:t>            /* add a new declaration of function _init_ which has no argument */</a:t>
+            </a:r>
+            <a:endParaRPr lang="en-US" altLang="ko-KR" sz="1200" b="0">
+              <a:solidFill>
+                <a:srgbClr val="657B83"/>
+              </a:solidFill>
+              <a:effectLst/>
+              <a:latin typeface="Consolas" panose="020B0609020204030204" pitchFamily="49" charset="0"/>
+            </a:endParaRPr>
+          </a:p>
+          <a:p>
+            <a:pPr>
+              <a:lnSpc>
+                <a:spcPct val="90000"/>
+              </a:lnSpc>
+            </a:pPr>
+            <a:r>
+              <a:rPr lang="en-US" altLang="ko-KR" sz="1200" b="0">
+                <a:solidFill>
+                  <a:srgbClr val="657B83"/>
+                </a:solidFill>
+                <a:effectLst/>
+                <a:latin typeface="Consolas" panose="020B0609020204030204" pitchFamily="49" charset="0"/>
+              </a:rPr>
+              <a:t>            FunctionType </a:t>
+            </a:r>
+            <a:r>
+              <a:rPr lang="en-US" altLang="ko-KR" sz="1200" b="0">
+                <a:solidFill>
+                  <a:srgbClr val="859900"/>
+                </a:solidFill>
+                <a:effectLst/>
+                <a:latin typeface="Consolas" panose="020B0609020204030204" pitchFamily="49" charset="0"/>
+              </a:rPr>
+              <a:t>*</a:t>
+            </a:r>
+            <a:r>
+              <a:rPr lang="en-US" altLang="ko-KR" sz="1200" b="0">
+                <a:solidFill>
+                  <a:srgbClr val="657B83"/>
+                </a:solidFill>
+                <a:effectLst/>
+                <a:latin typeface="Consolas" panose="020B0609020204030204" pitchFamily="49" charset="0"/>
+              </a:rPr>
+              <a:t> fty </a:t>
+            </a:r>
+            <a:r>
+              <a:rPr lang="en-US" altLang="ko-KR" sz="1200" b="0">
+                <a:solidFill>
+                  <a:srgbClr val="859900"/>
+                </a:solidFill>
+                <a:effectLst/>
+                <a:latin typeface="Consolas" panose="020B0609020204030204" pitchFamily="49" charset="0"/>
+              </a:rPr>
+              <a:t>=</a:t>
+            </a:r>
+            <a:r>
+              <a:rPr lang="en-US" altLang="ko-KR" sz="1200" b="0">
+                <a:solidFill>
+                  <a:srgbClr val="657B83"/>
+                </a:solidFill>
+                <a:effectLst/>
+                <a:latin typeface="Consolas" panose="020B0609020204030204" pitchFamily="49" charset="0"/>
+              </a:rPr>
+              <a:t> </a:t>
+            </a:r>
+            <a:r>
+              <a:rPr lang="en-US" altLang="ko-KR" sz="1200" b="0">
+                <a:solidFill>
+                  <a:srgbClr val="CB4B16"/>
+                </a:solidFill>
+                <a:effectLst/>
+                <a:latin typeface="Consolas" panose="020B0609020204030204" pitchFamily="49" charset="0"/>
+              </a:rPr>
+              <a:t>FunctionType</a:t>
+            </a:r>
+            <a:r>
+              <a:rPr lang="en-US" altLang="ko-KR" sz="1200" b="0">
+                <a:solidFill>
+                  <a:srgbClr val="657B83"/>
+                </a:solidFill>
+                <a:effectLst/>
+                <a:latin typeface="Consolas" panose="020B0609020204030204" pitchFamily="49" charset="0"/>
+              </a:rPr>
+              <a:t>::</a:t>
+            </a:r>
+            <a:r>
+              <a:rPr lang="en-US" altLang="ko-KR" sz="1200" b="0">
+                <a:solidFill>
+                  <a:srgbClr val="268BD2"/>
+                </a:solidFill>
+                <a:effectLst/>
+                <a:latin typeface="Consolas" panose="020B0609020204030204" pitchFamily="49" charset="0"/>
+              </a:rPr>
+              <a:t>get</a:t>
+            </a:r>
+            <a:r>
+              <a:rPr lang="en-US" altLang="ko-KR" sz="1200" b="0">
+                <a:solidFill>
+                  <a:srgbClr val="657B83"/>
+                </a:solidFill>
+                <a:effectLst/>
+                <a:latin typeface="Consolas" panose="020B0609020204030204" pitchFamily="49" charset="0"/>
+              </a:rPr>
+              <a:t>(voidTy, </a:t>
+            </a:r>
+            <a:r>
+              <a:rPr lang="en-US" altLang="ko-KR" sz="1200" b="0">
+                <a:solidFill>
+                  <a:srgbClr val="B58900"/>
+                </a:solidFill>
+                <a:effectLst/>
+                <a:latin typeface="Consolas" panose="020B0609020204030204" pitchFamily="49" charset="0"/>
+              </a:rPr>
+              <a:t>false</a:t>
+            </a:r>
+            <a:r>
+              <a:rPr lang="en-US" altLang="ko-KR" sz="1200" b="0">
+                <a:solidFill>
+                  <a:srgbClr val="657B83"/>
+                </a:solidFill>
+                <a:effectLst/>
+                <a:latin typeface="Consolas" panose="020B0609020204030204" pitchFamily="49" charset="0"/>
+              </a:rPr>
+              <a:t>) ;</a:t>
+            </a:r>
+          </a:p>
+          <a:p>
+            <a:pPr>
+              <a:lnSpc>
+                <a:spcPct val="90000"/>
+              </a:lnSpc>
+            </a:pPr>
+            <a:r>
+              <a:rPr lang="en-US" altLang="ko-KR" sz="1200" b="0">
+                <a:solidFill>
+                  <a:srgbClr val="657B83"/>
+                </a:solidFill>
+                <a:effectLst/>
+                <a:latin typeface="Consolas" panose="020B0609020204030204" pitchFamily="49" charset="0"/>
+              </a:rPr>
+              <a:t>            p_init </a:t>
+            </a:r>
+            <a:r>
+              <a:rPr lang="en-US" altLang="ko-KR" sz="1200" b="0">
+                <a:solidFill>
+                  <a:srgbClr val="859900"/>
+                </a:solidFill>
+                <a:effectLst/>
+                <a:latin typeface="Consolas" panose="020B0609020204030204" pitchFamily="49" charset="0"/>
+              </a:rPr>
+              <a:t>=</a:t>
+            </a:r>
+            <a:r>
+              <a:rPr lang="en-US" altLang="ko-KR" sz="1200" b="0">
+                <a:solidFill>
+                  <a:srgbClr val="657B83"/>
+                </a:solidFill>
+                <a:effectLst/>
+                <a:latin typeface="Consolas" panose="020B0609020204030204" pitchFamily="49" charset="0"/>
+              </a:rPr>
+              <a:t> </a:t>
+            </a:r>
+            <a:r>
+              <a:rPr lang="en-US" altLang="ko-KR" sz="1200" b="0">
+                <a:solidFill>
+                  <a:srgbClr val="268BD2"/>
+                </a:solidFill>
+                <a:effectLst/>
+                <a:latin typeface="Consolas" panose="020B0609020204030204" pitchFamily="49" charset="0"/>
+              </a:rPr>
+              <a:t>M</a:t>
+            </a:r>
+            <a:r>
+              <a:rPr lang="en-US" altLang="ko-KR" sz="1200" b="0">
+                <a:solidFill>
+                  <a:srgbClr val="657B83"/>
+                </a:solidFill>
+                <a:effectLst/>
+                <a:latin typeface="Consolas" panose="020B0609020204030204" pitchFamily="49" charset="0"/>
+              </a:rPr>
+              <a:t>.</a:t>
+            </a:r>
+            <a:r>
+              <a:rPr lang="en-US" altLang="ko-KR" sz="1200" b="0">
+                <a:solidFill>
+                  <a:srgbClr val="268BD2"/>
+                </a:solidFill>
+                <a:effectLst/>
+                <a:latin typeface="Consolas" panose="020B0609020204030204" pitchFamily="49" charset="0"/>
+              </a:rPr>
+              <a:t>getOrInsertFunction</a:t>
+            </a:r>
+            <a:r>
+              <a:rPr lang="en-US" altLang="ko-KR" sz="1200" b="0">
+                <a:solidFill>
+                  <a:srgbClr val="657B83"/>
+                </a:solidFill>
+                <a:effectLst/>
+                <a:latin typeface="Consolas" panose="020B0609020204030204" pitchFamily="49" charset="0"/>
+              </a:rPr>
+              <a:t>(</a:t>
+            </a:r>
+            <a:r>
+              <a:rPr lang="en-US" altLang="ko-KR" sz="1200" b="0">
+                <a:solidFill>
+                  <a:srgbClr val="2AA198"/>
+                </a:solidFill>
+                <a:effectLst/>
+                <a:latin typeface="Consolas" panose="020B0609020204030204" pitchFamily="49" charset="0"/>
+              </a:rPr>
+              <a:t>"_init_"</a:t>
+            </a:r>
+            <a:r>
+              <a:rPr lang="en-US" altLang="ko-KR" sz="1200" b="0">
+                <a:solidFill>
+                  <a:srgbClr val="657B83"/>
+                </a:solidFill>
+                <a:effectLst/>
+                <a:latin typeface="Consolas" panose="020B0609020204030204" pitchFamily="49" charset="0"/>
+              </a:rPr>
+              <a:t>, fty) ;</a:t>
+            </a:r>
+          </a:p>
+          <a:p>
+            <a:pPr>
+              <a:lnSpc>
+                <a:spcPct val="90000"/>
+              </a:lnSpc>
+            </a:pPr>
+            <a:br>
+              <a:rPr lang="en-US" altLang="ko-KR" sz="1200" b="0">
+                <a:solidFill>
+                  <a:srgbClr val="657B83"/>
+                </a:solidFill>
+                <a:effectLst/>
+                <a:latin typeface="Consolas" panose="020B0609020204030204" pitchFamily="49" charset="0"/>
+              </a:rPr>
+            </a:br>
+            <a:r>
+              <a:rPr lang="en-US" altLang="ko-KR" sz="1200" b="0" i="1">
+                <a:solidFill>
+                  <a:srgbClr val="93A1A1"/>
+                </a:solidFill>
+                <a:effectLst/>
+                <a:latin typeface="Consolas" panose="020B0609020204030204" pitchFamily="49" charset="0"/>
+              </a:rPr>
+              <a:t>            /* add a new declaration of function _probe_ which accept three</a:t>
+            </a:r>
+            <a:endParaRPr lang="en-US" altLang="ko-KR" sz="1200" b="0">
+              <a:solidFill>
+                <a:srgbClr val="657B83"/>
+              </a:solidFill>
+              <a:effectLst/>
+              <a:latin typeface="Consolas" panose="020B0609020204030204" pitchFamily="49" charset="0"/>
+            </a:endParaRPr>
+          </a:p>
+          <a:p>
+            <a:pPr>
+              <a:lnSpc>
+                <a:spcPct val="90000"/>
+              </a:lnSpc>
+            </a:pPr>
+            <a:r>
+              <a:rPr lang="en-US" altLang="ko-KR" sz="1200" b="0" i="1">
+                <a:solidFill>
+                  <a:srgbClr val="93A1A1"/>
+                </a:solidFill>
+                <a:effectLst/>
+                <a:latin typeface="Consolas" panose="020B0609020204030204" pitchFamily="49" charset="0"/>
+              </a:rPr>
+              <a:t>             * arguments (i.e., int, char *, and int) */</a:t>
+            </a:r>
+            <a:endParaRPr lang="en-US" altLang="ko-KR" sz="1200" b="0">
+              <a:solidFill>
+                <a:srgbClr val="657B83"/>
+              </a:solidFill>
+              <a:effectLst/>
+              <a:latin typeface="Consolas" panose="020B0609020204030204" pitchFamily="49" charset="0"/>
+            </a:endParaRPr>
+          </a:p>
+          <a:p>
+            <a:pPr>
+              <a:lnSpc>
+                <a:spcPct val="90000"/>
+              </a:lnSpc>
+            </a:pPr>
+            <a:r>
+              <a:rPr lang="en-US" altLang="ko-KR" sz="1200" b="0">
+                <a:solidFill>
+                  <a:srgbClr val="657B83"/>
+                </a:solidFill>
+                <a:effectLst/>
+                <a:latin typeface="Consolas" panose="020B0609020204030204" pitchFamily="49" charset="0"/>
+              </a:rPr>
+              <a:t>            Type </a:t>
+            </a:r>
+            <a:r>
+              <a:rPr lang="en-US" altLang="ko-KR" sz="1200" b="0">
+                <a:solidFill>
+                  <a:srgbClr val="859900"/>
+                </a:solidFill>
+                <a:effectLst/>
+                <a:latin typeface="Consolas" panose="020B0609020204030204" pitchFamily="49" charset="0"/>
+              </a:rPr>
+              <a:t>*</a:t>
+            </a:r>
+            <a:r>
+              <a:rPr lang="en-US" altLang="ko-KR" sz="1200" b="0">
+                <a:solidFill>
+                  <a:srgbClr val="657B83"/>
+                </a:solidFill>
+                <a:effectLst/>
+                <a:latin typeface="Consolas" panose="020B0609020204030204" pitchFamily="49" charset="0"/>
+              </a:rPr>
+              <a:t> </a:t>
+            </a:r>
+            <a:r>
+              <a:rPr lang="en-US" altLang="ko-KR" sz="1200" b="0">
+                <a:solidFill>
+                  <a:srgbClr val="268BD2"/>
+                </a:solidFill>
+                <a:effectLst/>
+                <a:latin typeface="Consolas" panose="020B0609020204030204" pitchFamily="49" charset="0"/>
+              </a:rPr>
+              <a:t>args_types</a:t>
+            </a:r>
+            <a:r>
+              <a:rPr lang="en-US" altLang="ko-KR" sz="1200" b="0">
+                <a:solidFill>
+                  <a:srgbClr val="657B83"/>
+                </a:solidFill>
+                <a:effectLst/>
+                <a:latin typeface="Consolas" panose="020B0609020204030204" pitchFamily="49" charset="0"/>
+              </a:rPr>
+              <a:t>[</a:t>
+            </a:r>
+            <a:r>
+              <a:rPr lang="en-US" altLang="ko-KR" sz="1200" b="0">
+                <a:solidFill>
+                  <a:srgbClr val="D33682"/>
+                </a:solidFill>
+                <a:effectLst/>
+                <a:latin typeface="Consolas" panose="020B0609020204030204" pitchFamily="49" charset="0"/>
+              </a:rPr>
+              <a:t>3</a:t>
+            </a:r>
+            <a:r>
+              <a:rPr lang="en-US" altLang="ko-KR" sz="1200" b="0">
+                <a:solidFill>
+                  <a:srgbClr val="657B83"/>
+                </a:solidFill>
+                <a:effectLst/>
+                <a:latin typeface="Consolas" panose="020B0609020204030204" pitchFamily="49" charset="0"/>
+              </a:rPr>
+              <a:t>] ;</a:t>
+            </a:r>
+          </a:p>
+          <a:p>
+            <a:pPr>
+              <a:lnSpc>
+                <a:spcPct val="90000"/>
+              </a:lnSpc>
+            </a:pPr>
+            <a:r>
+              <a:rPr lang="en-US" altLang="ko-KR" sz="1200" b="0">
+                <a:solidFill>
+                  <a:srgbClr val="657B83"/>
+                </a:solidFill>
+                <a:effectLst/>
+                <a:latin typeface="Consolas" panose="020B0609020204030204" pitchFamily="49" charset="0"/>
+              </a:rPr>
+              <a:t>            </a:t>
+            </a:r>
+            <a:r>
+              <a:rPr lang="en-US" altLang="ko-KR" sz="1200" b="0">
+                <a:solidFill>
+                  <a:srgbClr val="268BD2"/>
+                </a:solidFill>
+                <a:effectLst/>
+                <a:latin typeface="Consolas" panose="020B0609020204030204" pitchFamily="49" charset="0"/>
+              </a:rPr>
+              <a:t>args_types</a:t>
+            </a:r>
+            <a:r>
+              <a:rPr lang="en-US" altLang="ko-KR" sz="1200" b="0">
+                <a:solidFill>
+                  <a:srgbClr val="657B83"/>
+                </a:solidFill>
+                <a:effectLst/>
+                <a:latin typeface="Consolas" panose="020B0609020204030204" pitchFamily="49" charset="0"/>
+              </a:rPr>
+              <a:t>[</a:t>
+            </a:r>
+            <a:r>
+              <a:rPr lang="en-US" altLang="ko-KR" sz="1200" b="0">
+                <a:solidFill>
+                  <a:srgbClr val="D33682"/>
+                </a:solidFill>
+                <a:effectLst/>
+                <a:latin typeface="Consolas" panose="020B0609020204030204" pitchFamily="49" charset="0"/>
+              </a:rPr>
+              <a:t>0</a:t>
+            </a:r>
+            <a:r>
+              <a:rPr lang="en-US" altLang="ko-KR" sz="1200" b="0">
+                <a:solidFill>
+                  <a:srgbClr val="657B83"/>
+                </a:solidFill>
+                <a:effectLst/>
+                <a:latin typeface="Consolas" panose="020B0609020204030204" pitchFamily="49" charset="0"/>
+              </a:rPr>
+              <a:t>] </a:t>
+            </a:r>
+            <a:r>
+              <a:rPr lang="en-US" altLang="ko-KR" sz="1200" b="0">
+                <a:solidFill>
+                  <a:srgbClr val="859900"/>
+                </a:solidFill>
+                <a:effectLst/>
+                <a:latin typeface="Consolas" panose="020B0609020204030204" pitchFamily="49" charset="0"/>
+              </a:rPr>
+              <a:t>=</a:t>
+            </a:r>
+            <a:r>
+              <a:rPr lang="en-US" altLang="ko-KR" sz="1200" b="0">
+                <a:solidFill>
+                  <a:srgbClr val="657B83"/>
+                </a:solidFill>
+                <a:effectLst/>
+                <a:latin typeface="Consolas" panose="020B0609020204030204" pitchFamily="49" charset="0"/>
+              </a:rPr>
+              <a:t> intTy ;</a:t>
+            </a:r>
+            <a:r>
+              <a:rPr lang="en-US" altLang="ko-KR" sz="1200" b="0" i="1">
+                <a:solidFill>
+                  <a:srgbClr val="93A1A1"/>
+                </a:solidFill>
+                <a:effectLst/>
+                <a:latin typeface="Consolas" panose="020B0609020204030204" pitchFamily="49" charset="0"/>
+              </a:rPr>
+              <a:t> //Type::getInt32Ty(*ctx) ;</a:t>
+            </a:r>
+            <a:endParaRPr lang="en-US" altLang="ko-KR" sz="1200" b="0">
+              <a:solidFill>
+                <a:srgbClr val="657B83"/>
+              </a:solidFill>
+              <a:effectLst/>
+              <a:latin typeface="Consolas" panose="020B0609020204030204" pitchFamily="49" charset="0"/>
+            </a:endParaRPr>
+          </a:p>
+          <a:p>
+            <a:pPr>
+              <a:lnSpc>
+                <a:spcPct val="90000"/>
+              </a:lnSpc>
+            </a:pPr>
+            <a:r>
+              <a:rPr lang="en-US" altLang="ko-KR" sz="1200" b="0">
+                <a:solidFill>
+                  <a:srgbClr val="657B83"/>
+                </a:solidFill>
+                <a:effectLst/>
+                <a:latin typeface="Consolas" panose="020B0609020204030204" pitchFamily="49" charset="0"/>
+              </a:rPr>
+              <a:t>            </a:t>
+            </a:r>
+            <a:r>
+              <a:rPr lang="en-US" altLang="ko-KR" sz="1200" b="0">
+                <a:solidFill>
+                  <a:srgbClr val="268BD2"/>
+                </a:solidFill>
+                <a:effectLst/>
+                <a:latin typeface="Consolas" panose="020B0609020204030204" pitchFamily="49" charset="0"/>
+              </a:rPr>
+              <a:t>args_types</a:t>
+            </a:r>
+            <a:r>
+              <a:rPr lang="en-US" altLang="ko-KR" sz="1200" b="0">
+                <a:solidFill>
+                  <a:srgbClr val="657B83"/>
+                </a:solidFill>
+                <a:effectLst/>
+                <a:latin typeface="Consolas" panose="020B0609020204030204" pitchFamily="49" charset="0"/>
+              </a:rPr>
+              <a:t>[</a:t>
+            </a:r>
+            <a:r>
+              <a:rPr lang="en-US" altLang="ko-KR" sz="1200" b="0">
+                <a:solidFill>
+                  <a:srgbClr val="D33682"/>
+                </a:solidFill>
+                <a:effectLst/>
+                <a:latin typeface="Consolas" panose="020B0609020204030204" pitchFamily="49" charset="0"/>
+              </a:rPr>
+              <a:t>1</a:t>
+            </a:r>
+            <a:r>
+              <a:rPr lang="en-US" altLang="ko-KR" sz="1200" b="0">
+                <a:solidFill>
+                  <a:srgbClr val="657B83"/>
+                </a:solidFill>
+                <a:effectLst/>
+                <a:latin typeface="Consolas" panose="020B0609020204030204" pitchFamily="49" charset="0"/>
+              </a:rPr>
+              <a:t>] </a:t>
+            </a:r>
+            <a:r>
+              <a:rPr lang="en-US" altLang="ko-KR" sz="1200" b="0">
+                <a:solidFill>
+                  <a:srgbClr val="859900"/>
+                </a:solidFill>
+                <a:effectLst/>
+                <a:latin typeface="Consolas" panose="020B0609020204030204" pitchFamily="49" charset="0"/>
+              </a:rPr>
+              <a:t>=</a:t>
+            </a:r>
+            <a:r>
+              <a:rPr lang="en-US" altLang="ko-KR" sz="1200" b="0">
+                <a:solidFill>
+                  <a:srgbClr val="657B83"/>
+                </a:solidFill>
+                <a:effectLst/>
+                <a:latin typeface="Consolas" panose="020B0609020204030204" pitchFamily="49" charset="0"/>
+              </a:rPr>
+              <a:t> ptrTy ;</a:t>
+            </a:r>
+            <a:r>
+              <a:rPr lang="en-US" altLang="ko-KR" sz="1200" b="0" i="1">
+                <a:solidFill>
+                  <a:srgbClr val="93A1A1"/>
+                </a:solidFill>
+                <a:effectLst/>
+                <a:latin typeface="Consolas" panose="020B0609020204030204" pitchFamily="49" charset="0"/>
+              </a:rPr>
+              <a:t> //Type::getInt8PtrTy(*ctx) ;    </a:t>
+            </a:r>
+            <a:endParaRPr lang="en-US" altLang="ko-KR" sz="1200" b="0">
+              <a:solidFill>
+                <a:srgbClr val="657B83"/>
+              </a:solidFill>
+              <a:effectLst/>
+              <a:latin typeface="Consolas" panose="020B0609020204030204" pitchFamily="49" charset="0"/>
+            </a:endParaRPr>
+          </a:p>
+          <a:p>
+            <a:pPr>
+              <a:lnSpc>
+                <a:spcPct val="90000"/>
+              </a:lnSpc>
+            </a:pPr>
+            <a:r>
+              <a:rPr lang="en-US" altLang="ko-KR" sz="1200" b="0">
+                <a:solidFill>
+                  <a:srgbClr val="657B83"/>
+                </a:solidFill>
+                <a:effectLst/>
+                <a:latin typeface="Consolas" panose="020B0609020204030204" pitchFamily="49" charset="0"/>
+              </a:rPr>
+              <a:t>            </a:t>
+            </a:r>
+            <a:r>
+              <a:rPr lang="en-US" altLang="ko-KR" sz="1200" b="0">
+                <a:solidFill>
+                  <a:srgbClr val="268BD2"/>
+                </a:solidFill>
+                <a:effectLst/>
+                <a:latin typeface="Consolas" panose="020B0609020204030204" pitchFamily="49" charset="0"/>
+              </a:rPr>
+              <a:t>args_types</a:t>
+            </a:r>
+            <a:r>
+              <a:rPr lang="en-US" altLang="ko-KR" sz="1200" b="0">
+                <a:solidFill>
+                  <a:srgbClr val="657B83"/>
+                </a:solidFill>
+                <a:effectLst/>
+                <a:latin typeface="Consolas" panose="020B0609020204030204" pitchFamily="49" charset="0"/>
+              </a:rPr>
+              <a:t>[</a:t>
+            </a:r>
+            <a:r>
+              <a:rPr lang="en-US" altLang="ko-KR" sz="1200" b="0">
+                <a:solidFill>
+                  <a:srgbClr val="D33682"/>
+                </a:solidFill>
+                <a:effectLst/>
+                <a:latin typeface="Consolas" panose="020B0609020204030204" pitchFamily="49" charset="0"/>
+              </a:rPr>
+              <a:t>2</a:t>
+            </a:r>
+            <a:r>
+              <a:rPr lang="en-US" altLang="ko-KR" sz="1200" b="0">
+                <a:solidFill>
+                  <a:srgbClr val="657B83"/>
+                </a:solidFill>
+                <a:effectLst/>
+                <a:latin typeface="Consolas" panose="020B0609020204030204" pitchFamily="49" charset="0"/>
+              </a:rPr>
+              <a:t>] </a:t>
+            </a:r>
+            <a:r>
+              <a:rPr lang="en-US" altLang="ko-KR" sz="1200" b="0">
+                <a:solidFill>
+                  <a:srgbClr val="859900"/>
+                </a:solidFill>
+                <a:effectLst/>
+                <a:latin typeface="Consolas" panose="020B0609020204030204" pitchFamily="49" charset="0"/>
+              </a:rPr>
+              <a:t>=</a:t>
+            </a:r>
+            <a:r>
+              <a:rPr lang="en-US" altLang="ko-KR" sz="1200" b="0">
+                <a:solidFill>
+                  <a:srgbClr val="657B83"/>
+                </a:solidFill>
+                <a:effectLst/>
+                <a:latin typeface="Consolas" panose="020B0609020204030204" pitchFamily="49" charset="0"/>
+              </a:rPr>
+              <a:t> intTy ;</a:t>
+            </a:r>
+            <a:r>
+              <a:rPr lang="en-US" altLang="ko-KR" sz="1200" b="0" i="1">
+                <a:solidFill>
+                  <a:srgbClr val="93A1A1"/>
+                </a:solidFill>
+                <a:effectLst/>
+                <a:latin typeface="Consolas" panose="020B0609020204030204" pitchFamily="49" charset="0"/>
+              </a:rPr>
+              <a:t> //Type::getInt32Ty(*ctx) ;  </a:t>
+            </a:r>
+            <a:endParaRPr lang="en-US" altLang="ko-KR" sz="1200" b="0">
+              <a:solidFill>
+                <a:srgbClr val="657B83"/>
+              </a:solidFill>
+              <a:effectLst/>
+              <a:latin typeface="Consolas" panose="020B0609020204030204" pitchFamily="49" charset="0"/>
+            </a:endParaRPr>
+          </a:p>
+          <a:p>
+            <a:pPr>
+              <a:lnSpc>
+                <a:spcPct val="90000"/>
+              </a:lnSpc>
+            </a:pPr>
+            <a:r>
+              <a:rPr lang="en-US" altLang="ko-KR" sz="1200" b="0">
+                <a:solidFill>
+                  <a:srgbClr val="657B83"/>
+                </a:solidFill>
+                <a:effectLst/>
+                <a:latin typeface="Consolas" panose="020B0609020204030204" pitchFamily="49" charset="0"/>
+              </a:rPr>
+              <a:t>            p_probe </a:t>
+            </a:r>
+            <a:r>
+              <a:rPr lang="en-US" altLang="ko-KR" sz="1200" b="0">
+                <a:solidFill>
+                  <a:srgbClr val="859900"/>
+                </a:solidFill>
+                <a:effectLst/>
+                <a:latin typeface="Consolas" panose="020B0609020204030204" pitchFamily="49" charset="0"/>
+              </a:rPr>
+              <a:t>=</a:t>
+            </a:r>
+            <a:r>
+              <a:rPr lang="en-US" altLang="ko-KR" sz="1200" b="0">
+                <a:solidFill>
+                  <a:srgbClr val="657B83"/>
+                </a:solidFill>
+                <a:effectLst/>
+                <a:latin typeface="Consolas" panose="020B0609020204030204" pitchFamily="49" charset="0"/>
+              </a:rPr>
+              <a:t> </a:t>
+            </a:r>
+            <a:r>
+              <a:rPr lang="en-US" altLang="ko-KR" sz="1200" b="0">
+                <a:solidFill>
+                  <a:srgbClr val="268BD2"/>
+                </a:solidFill>
+                <a:effectLst/>
+                <a:latin typeface="Consolas" panose="020B0609020204030204" pitchFamily="49" charset="0"/>
+              </a:rPr>
+              <a:t>M</a:t>
+            </a:r>
+            <a:r>
+              <a:rPr lang="en-US" altLang="ko-KR" sz="1200" b="0">
+                <a:solidFill>
+                  <a:srgbClr val="657B83"/>
+                </a:solidFill>
+                <a:effectLst/>
+                <a:latin typeface="Consolas" panose="020B0609020204030204" pitchFamily="49" charset="0"/>
+              </a:rPr>
+              <a:t>.</a:t>
+            </a:r>
+            <a:r>
+              <a:rPr lang="en-US" altLang="ko-KR" sz="1200" b="0">
+                <a:solidFill>
+                  <a:srgbClr val="268BD2"/>
+                </a:solidFill>
+                <a:effectLst/>
+                <a:latin typeface="Consolas" panose="020B0609020204030204" pitchFamily="49" charset="0"/>
+              </a:rPr>
+              <a:t>getOrInsertFunction</a:t>
+            </a:r>
+            <a:r>
+              <a:rPr lang="en-US" altLang="ko-KR" sz="1200" b="0">
+                <a:solidFill>
+                  <a:srgbClr val="657B83"/>
+                </a:solidFill>
+                <a:effectLst/>
+                <a:latin typeface="Consolas" panose="020B0609020204030204" pitchFamily="49" charset="0"/>
+              </a:rPr>
+              <a:t>(</a:t>
+            </a:r>
+            <a:r>
+              <a:rPr lang="en-US" altLang="ko-KR" sz="1200" b="0">
+                <a:solidFill>
+                  <a:srgbClr val="2AA198"/>
+                </a:solidFill>
+                <a:effectLst/>
+                <a:latin typeface="Consolas" panose="020B0609020204030204" pitchFamily="49" charset="0"/>
+              </a:rPr>
+              <a:t>"_probe_"</a:t>
+            </a:r>
+            <a:r>
+              <a:rPr lang="en-US" altLang="ko-KR" sz="1200" b="0">
+                <a:solidFill>
+                  <a:srgbClr val="657B83"/>
+                </a:solidFill>
+                <a:effectLst/>
+                <a:latin typeface="Consolas" panose="020B0609020204030204" pitchFamily="49" charset="0"/>
+              </a:rPr>
+              <a:t>, </a:t>
+            </a:r>
+          </a:p>
+          <a:p>
+            <a:pPr>
+              <a:lnSpc>
+                <a:spcPct val="90000"/>
+              </a:lnSpc>
+            </a:pPr>
+            <a:r>
+              <a:rPr lang="en-US" altLang="ko-KR" sz="1200" b="0">
+                <a:solidFill>
+                  <a:srgbClr val="657B83"/>
+                </a:solidFill>
+                <a:effectLst/>
+                <a:latin typeface="Consolas" panose="020B0609020204030204" pitchFamily="49" charset="0"/>
+              </a:rPr>
+              <a:t>                    </a:t>
+            </a:r>
+            <a:r>
+              <a:rPr lang="en-US" altLang="ko-KR" sz="1200" b="0">
+                <a:solidFill>
+                  <a:srgbClr val="CB4B16"/>
+                </a:solidFill>
+                <a:effectLst/>
+                <a:latin typeface="Consolas" panose="020B0609020204030204" pitchFamily="49" charset="0"/>
+              </a:rPr>
+              <a:t>FunctionType</a:t>
+            </a:r>
+            <a:r>
+              <a:rPr lang="en-US" altLang="ko-KR" sz="1200" b="0">
+                <a:solidFill>
+                  <a:srgbClr val="657B83"/>
+                </a:solidFill>
+                <a:effectLst/>
+                <a:latin typeface="Consolas" panose="020B0609020204030204" pitchFamily="49" charset="0"/>
+              </a:rPr>
+              <a:t>::</a:t>
+            </a:r>
+            <a:r>
+              <a:rPr lang="en-US" altLang="ko-KR" sz="1200" b="0">
+                <a:solidFill>
+                  <a:srgbClr val="268BD2"/>
+                </a:solidFill>
+                <a:effectLst/>
+                <a:latin typeface="Consolas" panose="020B0609020204030204" pitchFamily="49" charset="0"/>
+              </a:rPr>
+              <a:t>get</a:t>
+            </a:r>
+            <a:r>
+              <a:rPr lang="en-US" altLang="ko-KR" sz="1200" b="0">
+                <a:solidFill>
+                  <a:srgbClr val="657B83"/>
+                </a:solidFill>
+                <a:effectLst/>
+                <a:latin typeface="Consolas" panose="020B0609020204030204" pitchFamily="49" charset="0"/>
+              </a:rPr>
+              <a:t>(voidTy, </a:t>
+            </a:r>
+            <a:r>
+              <a:rPr lang="en-US" altLang="ko-KR" sz="1200" b="0">
+                <a:solidFill>
+                  <a:srgbClr val="268BD2"/>
+                </a:solidFill>
+                <a:effectLst/>
+                <a:latin typeface="Consolas" panose="020B0609020204030204" pitchFamily="49" charset="0"/>
+              </a:rPr>
+              <a:t>ArrayRef</a:t>
+            </a:r>
+            <a:r>
+              <a:rPr lang="en-US" altLang="ko-KR" sz="1200" b="0">
+                <a:solidFill>
+                  <a:srgbClr val="657B83"/>
+                </a:solidFill>
+                <a:effectLst/>
+                <a:latin typeface="Consolas" panose="020B0609020204030204" pitchFamily="49" charset="0"/>
+              </a:rPr>
+              <a:t>&lt;</a:t>
+            </a:r>
+            <a:r>
+              <a:rPr lang="en-US" altLang="ko-KR" sz="1200" b="0">
+                <a:solidFill>
+                  <a:srgbClr val="CB4B16"/>
+                </a:solidFill>
+                <a:effectLst/>
+                <a:latin typeface="Consolas" panose="020B0609020204030204" pitchFamily="49" charset="0"/>
+              </a:rPr>
+              <a:t>Type</a:t>
+            </a:r>
+            <a:r>
+              <a:rPr lang="en-US" altLang="ko-KR" sz="1200" b="0">
+                <a:solidFill>
+                  <a:srgbClr val="657B83"/>
+                </a:solidFill>
+                <a:effectLst/>
+                <a:latin typeface="Consolas" panose="020B0609020204030204" pitchFamily="49" charset="0"/>
+              </a:rPr>
+              <a:t> </a:t>
+            </a:r>
+            <a:r>
+              <a:rPr lang="en-US" altLang="ko-KR" sz="1200" b="0">
+                <a:solidFill>
+                  <a:srgbClr val="859900"/>
+                </a:solidFill>
+                <a:effectLst/>
+                <a:latin typeface="Consolas" panose="020B0609020204030204" pitchFamily="49" charset="0"/>
+              </a:rPr>
+              <a:t>*</a:t>
+            </a:r>
+            <a:r>
+              <a:rPr lang="en-US" altLang="ko-KR" sz="1200" b="0">
+                <a:solidFill>
+                  <a:srgbClr val="657B83"/>
+                </a:solidFill>
+                <a:effectLst/>
+                <a:latin typeface="Consolas" panose="020B0609020204030204" pitchFamily="49" charset="0"/>
+              </a:rPr>
+              <a:t>&gt;(args_types), </a:t>
+            </a:r>
+            <a:r>
+              <a:rPr lang="en-US" altLang="ko-KR" sz="1200" b="0">
+                <a:solidFill>
+                  <a:srgbClr val="B58900"/>
+                </a:solidFill>
+                <a:effectLst/>
+                <a:latin typeface="Consolas" panose="020B0609020204030204" pitchFamily="49" charset="0"/>
+              </a:rPr>
+              <a:t>false</a:t>
+            </a:r>
+            <a:r>
+              <a:rPr lang="en-US" altLang="ko-KR" sz="1200" b="0">
+                <a:solidFill>
+                  <a:srgbClr val="657B83"/>
+                </a:solidFill>
+                <a:effectLst/>
+                <a:latin typeface="Consolas" panose="020B0609020204030204" pitchFamily="49" charset="0"/>
+              </a:rPr>
+              <a:t>)) ;</a:t>
+            </a:r>
+          </a:p>
+          <a:p>
+            <a:pPr>
+              <a:lnSpc>
+                <a:spcPct val="90000"/>
+              </a:lnSpc>
+            </a:pPr>
+            <a:br>
+              <a:rPr lang="en-US" altLang="ko-KR" sz="1200" b="0">
+                <a:solidFill>
+                  <a:srgbClr val="657B83"/>
+                </a:solidFill>
+                <a:effectLst/>
+                <a:latin typeface="Consolas" panose="020B0609020204030204" pitchFamily="49" charset="0"/>
+              </a:rPr>
+            </a:br>
+            <a:r>
+              <a:rPr lang="en-US" altLang="ko-KR" sz="1200" b="0" i="1">
+                <a:solidFill>
+                  <a:srgbClr val="93A1A1"/>
+                </a:solidFill>
+                <a:effectLst/>
+                <a:latin typeface="Consolas" panose="020B0609020204030204" pitchFamily="49" charset="0"/>
+              </a:rPr>
+              <a:t>            /* add a function call to _init_ at the beginning of </a:t>
+            </a:r>
+            <a:endParaRPr lang="en-US" altLang="ko-KR" sz="1200" b="0">
+              <a:solidFill>
+                <a:srgbClr val="657B83"/>
+              </a:solidFill>
+              <a:effectLst/>
+              <a:latin typeface="Consolas" panose="020B0609020204030204" pitchFamily="49" charset="0"/>
+            </a:endParaRPr>
+          </a:p>
+          <a:p>
+            <a:pPr>
+              <a:lnSpc>
+                <a:spcPct val="90000"/>
+              </a:lnSpc>
+            </a:pPr>
+            <a:r>
+              <a:rPr lang="en-US" altLang="ko-KR" sz="1200" b="0" i="1">
+                <a:solidFill>
+                  <a:srgbClr val="93A1A1"/>
+                </a:solidFill>
+                <a:effectLst/>
+                <a:latin typeface="Consolas" panose="020B0609020204030204" pitchFamily="49" charset="0"/>
+              </a:rPr>
+              <a:t>             * the main function*/</a:t>
+            </a:r>
+            <a:endParaRPr lang="en-US" altLang="ko-KR" sz="1200" b="0">
+              <a:solidFill>
+                <a:srgbClr val="657B83"/>
+              </a:solidFill>
+              <a:effectLst/>
+              <a:latin typeface="Consolas" panose="020B0609020204030204" pitchFamily="49" charset="0"/>
+            </a:endParaRPr>
+          </a:p>
+          <a:p>
+            <a:pPr>
+              <a:lnSpc>
+                <a:spcPct val="90000"/>
+              </a:lnSpc>
+            </a:pPr>
+            <a:r>
+              <a:rPr lang="en-US" altLang="ko-KR" sz="1200" b="0">
+                <a:solidFill>
+                  <a:srgbClr val="657B83"/>
+                </a:solidFill>
+                <a:effectLst/>
+                <a:latin typeface="Consolas" panose="020B0609020204030204" pitchFamily="49" charset="0"/>
+              </a:rPr>
+              <a:t>            Function </a:t>
+            </a:r>
+            <a:r>
+              <a:rPr lang="en-US" altLang="ko-KR" sz="1200" b="0">
+                <a:solidFill>
+                  <a:srgbClr val="859900"/>
+                </a:solidFill>
+                <a:effectLst/>
+                <a:latin typeface="Consolas" panose="020B0609020204030204" pitchFamily="49" charset="0"/>
+              </a:rPr>
+              <a:t>*</a:t>
+            </a:r>
+            <a:r>
+              <a:rPr lang="en-US" altLang="ko-KR" sz="1200" b="0">
+                <a:solidFill>
+                  <a:srgbClr val="657B83"/>
+                </a:solidFill>
+                <a:effectLst/>
+                <a:latin typeface="Consolas" panose="020B0609020204030204" pitchFamily="49" charset="0"/>
+              </a:rPr>
+              <a:t> mainFunc </a:t>
+            </a:r>
+            <a:r>
+              <a:rPr lang="en-US" altLang="ko-KR" sz="1200" b="0">
+                <a:solidFill>
+                  <a:srgbClr val="859900"/>
+                </a:solidFill>
+                <a:effectLst/>
+                <a:latin typeface="Consolas" panose="020B0609020204030204" pitchFamily="49" charset="0"/>
+              </a:rPr>
+              <a:t>=</a:t>
+            </a:r>
+            <a:r>
+              <a:rPr lang="en-US" altLang="ko-KR" sz="1200" b="0">
+                <a:solidFill>
+                  <a:srgbClr val="657B83"/>
+                </a:solidFill>
+                <a:effectLst/>
+                <a:latin typeface="Consolas" panose="020B0609020204030204" pitchFamily="49" charset="0"/>
+              </a:rPr>
+              <a:t> </a:t>
+            </a:r>
+            <a:r>
+              <a:rPr lang="en-US" altLang="ko-KR" sz="1200" b="0">
+                <a:solidFill>
+                  <a:srgbClr val="268BD2"/>
+                </a:solidFill>
+                <a:effectLst/>
+                <a:latin typeface="Consolas" panose="020B0609020204030204" pitchFamily="49" charset="0"/>
+              </a:rPr>
+              <a:t>M</a:t>
+            </a:r>
+            <a:r>
+              <a:rPr lang="en-US" altLang="ko-KR" sz="1200" b="0">
+                <a:solidFill>
+                  <a:srgbClr val="657B83"/>
+                </a:solidFill>
+                <a:effectLst/>
+                <a:latin typeface="Consolas" panose="020B0609020204030204" pitchFamily="49" charset="0"/>
+              </a:rPr>
+              <a:t>.</a:t>
+            </a:r>
+            <a:r>
+              <a:rPr lang="en-US" altLang="ko-KR" sz="1200" b="0">
+                <a:solidFill>
+                  <a:srgbClr val="268BD2"/>
+                </a:solidFill>
+                <a:effectLst/>
+                <a:latin typeface="Consolas" panose="020B0609020204030204" pitchFamily="49" charset="0"/>
+              </a:rPr>
+              <a:t>getFunction</a:t>
+            </a:r>
+            <a:r>
+              <a:rPr lang="en-US" altLang="ko-KR" sz="1200" b="0">
+                <a:solidFill>
+                  <a:srgbClr val="657B83"/>
+                </a:solidFill>
+                <a:effectLst/>
+                <a:latin typeface="Consolas" panose="020B0609020204030204" pitchFamily="49" charset="0"/>
+              </a:rPr>
+              <a:t>(</a:t>
+            </a:r>
+            <a:r>
+              <a:rPr lang="en-US" altLang="ko-KR" sz="1200" b="0">
+                <a:solidFill>
+                  <a:srgbClr val="268BD2"/>
+                </a:solidFill>
+                <a:effectLst/>
+                <a:latin typeface="Consolas" panose="020B0609020204030204" pitchFamily="49" charset="0"/>
+              </a:rPr>
+              <a:t>StringRef</a:t>
+            </a:r>
+            <a:r>
+              <a:rPr lang="en-US" altLang="ko-KR" sz="1200" b="0">
+                <a:solidFill>
+                  <a:srgbClr val="657B83"/>
+                </a:solidFill>
+                <a:effectLst/>
+                <a:latin typeface="Consolas" panose="020B0609020204030204" pitchFamily="49" charset="0"/>
+              </a:rPr>
+              <a:t>(</a:t>
+            </a:r>
+            <a:r>
+              <a:rPr lang="en-US" altLang="ko-KR" sz="1200" b="0">
+                <a:solidFill>
+                  <a:srgbClr val="2AA198"/>
+                </a:solidFill>
+                <a:effectLst/>
+                <a:latin typeface="Consolas" panose="020B0609020204030204" pitchFamily="49" charset="0"/>
+              </a:rPr>
+              <a:t>"main"</a:t>
+            </a:r>
+            <a:r>
+              <a:rPr lang="en-US" altLang="ko-KR" sz="1200" b="0">
+                <a:solidFill>
+                  <a:srgbClr val="657B83"/>
+                </a:solidFill>
+                <a:effectLst/>
+                <a:latin typeface="Consolas" panose="020B0609020204030204" pitchFamily="49" charset="0"/>
+              </a:rPr>
+              <a:t>));</a:t>
+            </a:r>
+          </a:p>
+          <a:p>
+            <a:pPr>
+              <a:lnSpc>
+                <a:spcPct val="90000"/>
+              </a:lnSpc>
+            </a:pPr>
+            <a:r>
+              <a:rPr lang="en-US" altLang="ko-KR" sz="1200" b="0">
+                <a:solidFill>
+                  <a:srgbClr val="657B83"/>
+                </a:solidFill>
+                <a:effectLst/>
+                <a:latin typeface="Consolas" panose="020B0609020204030204" pitchFamily="49" charset="0"/>
+              </a:rPr>
+              <a:t>            IRB </a:t>
+            </a:r>
+            <a:r>
+              <a:rPr lang="en-US" altLang="ko-KR" sz="1200" b="0">
+                <a:solidFill>
+                  <a:srgbClr val="859900"/>
+                </a:solidFill>
+                <a:effectLst/>
+                <a:latin typeface="Consolas" panose="020B0609020204030204" pitchFamily="49" charset="0"/>
+              </a:rPr>
+              <a:t>=</a:t>
+            </a:r>
+            <a:r>
+              <a:rPr lang="en-US" altLang="ko-KR" sz="1200" b="0">
+                <a:solidFill>
+                  <a:srgbClr val="657B83"/>
+                </a:solidFill>
+                <a:effectLst/>
+                <a:latin typeface="Consolas" panose="020B0609020204030204" pitchFamily="49" charset="0"/>
+              </a:rPr>
+              <a:t> </a:t>
+            </a:r>
+            <a:r>
+              <a:rPr lang="en-US" altLang="ko-KR" sz="1200" b="0">
+                <a:solidFill>
+                  <a:srgbClr val="859900"/>
+                </a:solidFill>
+                <a:effectLst/>
+                <a:latin typeface="Consolas" panose="020B0609020204030204" pitchFamily="49" charset="0"/>
+              </a:rPr>
+              <a:t>new</a:t>
+            </a:r>
+            <a:r>
+              <a:rPr lang="en-US" altLang="ko-KR" sz="1200" b="0">
+                <a:solidFill>
+                  <a:srgbClr val="657B83"/>
+                </a:solidFill>
+                <a:effectLst/>
+                <a:latin typeface="Consolas" panose="020B0609020204030204" pitchFamily="49" charset="0"/>
+              </a:rPr>
+              <a:t> </a:t>
+            </a:r>
+            <a:r>
+              <a:rPr lang="en-US" altLang="ko-KR" sz="1200" b="0">
+                <a:solidFill>
+                  <a:srgbClr val="268BD2"/>
+                </a:solidFill>
+                <a:effectLst/>
+                <a:latin typeface="Consolas" panose="020B0609020204030204" pitchFamily="49" charset="0"/>
+              </a:rPr>
+              <a:t>IRBuilder</a:t>
+            </a:r>
+            <a:r>
+              <a:rPr lang="en-US" altLang="ko-KR" sz="1200" b="0">
+                <a:solidFill>
+                  <a:srgbClr val="657B83"/>
+                </a:solidFill>
+                <a:effectLst/>
+                <a:latin typeface="Consolas" panose="020B0609020204030204" pitchFamily="49" charset="0"/>
+              </a:rPr>
+              <a:t>&lt;&gt;(</a:t>
+            </a:r>
+            <a:r>
+              <a:rPr lang="en-US" altLang="ko-KR" sz="1200" b="0">
+                <a:solidFill>
+                  <a:srgbClr val="268BD2"/>
+                </a:solidFill>
+                <a:effectLst/>
+                <a:latin typeface="Consolas" panose="020B0609020204030204" pitchFamily="49" charset="0"/>
+              </a:rPr>
+              <a:t>M</a:t>
+            </a:r>
+            <a:r>
+              <a:rPr lang="en-US" altLang="ko-KR" sz="1200" b="0">
+                <a:solidFill>
+                  <a:srgbClr val="657B83"/>
+                </a:solidFill>
+                <a:effectLst/>
+                <a:latin typeface="Consolas" panose="020B0609020204030204" pitchFamily="49" charset="0"/>
+              </a:rPr>
+              <a:t>.</a:t>
+            </a:r>
+            <a:r>
+              <a:rPr lang="en-US" altLang="ko-KR" sz="1200" b="0">
+                <a:solidFill>
+                  <a:srgbClr val="268BD2"/>
+                </a:solidFill>
+                <a:effectLst/>
+                <a:latin typeface="Consolas" panose="020B0609020204030204" pitchFamily="49" charset="0"/>
+              </a:rPr>
+              <a:t>getContext</a:t>
+            </a:r>
+            <a:r>
+              <a:rPr lang="en-US" altLang="ko-KR" sz="1200" b="0">
+                <a:solidFill>
+                  <a:srgbClr val="657B83"/>
+                </a:solidFill>
+                <a:effectLst/>
+                <a:latin typeface="Consolas" panose="020B0609020204030204" pitchFamily="49" charset="0"/>
+              </a:rPr>
+              <a:t>());</a:t>
+            </a:r>
+          </a:p>
+          <a:p>
+            <a:pPr>
+              <a:lnSpc>
+                <a:spcPct val="90000"/>
+              </a:lnSpc>
+            </a:pPr>
+            <a:r>
+              <a:rPr lang="en-US" altLang="ko-KR" sz="1200" b="0">
+                <a:solidFill>
+                  <a:srgbClr val="657B83"/>
+                </a:solidFill>
+                <a:effectLst/>
+                <a:latin typeface="Consolas" panose="020B0609020204030204" pitchFamily="49" charset="0"/>
+              </a:rPr>
+              <a:t>            </a:t>
+            </a:r>
+            <a:r>
+              <a:rPr lang="en-US" altLang="ko-KR" sz="1200" b="0">
+                <a:solidFill>
+                  <a:srgbClr val="859900"/>
+                </a:solidFill>
+                <a:effectLst/>
+                <a:latin typeface="Consolas" panose="020B0609020204030204" pitchFamily="49" charset="0"/>
+              </a:rPr>
+              <a:t>if</a:t>
+            </a:r>
+            <a:r>
+              <a:rPr lang="en-US" altLang="ko-KR" sz="1200" b="0">
+                <a:solidFill>
+                  <a:srgbClr val="657B83"/>
+                </a:solidFill>
+                <a:effectLst/>
+                <a:latin typeface="Consolas" panose="020B0609020204030204" pitchFamily="49" charset="0"/>
+              </a:rPr>
+              <a:t> (mainFunc </a:t>
+            </a:r>
+            <a:r>
+              <a:rPr lang="en-US" altLang="ko-KR" sz="1200" b="0">
+                <a:solidFill>
+                  <a:srgbClr val="859900"/>
+                </a:solidFill>
+                <a:effectLst/>
+                <a:latin typeface="Consolas" panose="020B0609020204030204" pitchFamily="49" charset="0"/>
+              </a:rPr>
+              <a:t>!=</a:t>
+            </a:r>
+            <a:r>
+              <a:rPr lang="en-US" altLang="ko-KR" sz="1200" b="0">
+                <a:solidFill>
+                  <a:srgbClr val="657B83"/>
+                </a:solidFill>
+                <a:effectLst/>
+                <a:latin typeface="Consolas" panose="020B0609020204030204" pitchFamily="49" charset="0"/>
+              </a:rPr>
+              <a:t> </a:t>
+            </a:r>
+            <a:r>
+              <a:rPr lang="en-US" altLang="ko-KR" sz="1200" b="0">
+                <a:solidFill>
+                  <a:srgbClr val="B58900"/>
+                </a:solidFill>
+                <a:effectLst/>
+                <a:latin typeface="Consolas" panose="020B0609020204030204" pitchFamily="49" charset="0"/>
+              </a:rPr>
+              <a:t>NULL</a:t>
+            </a:r>
+            <a:r>
+              <a:rPr lang="en-US" altLang="ko-KR" sz="1200" b="0">
+                <a:solidFill>
+                  <a:srgbClr val="657B83"/>
+                </a:solidFill>
+                <a:effectLst/>
+                <a:latin typeface="Consolas" panose="020B0609020204030204" pitchFamily="49" charset="0"/>
+              </a:rPr>
+              <a:t>) {</a:t>
+            </a:r>
+          </a:p>
+          <a:p>
+            <a:pPr>
+              <a:lnSpc>
+                <a:spcPct val="90000"/>
+              </a:lnSpc>
+            </a:pPr>
+            <a:r>
+              <a:rPr lang="en-US" altLang="ko-KR" sz="1200" b="0">
+                <a:solidFill>
+                  <a:srgbClr val="657B83"/>
+                </a:solidFill>
+                <a:effectLst/>
+                <a:latin typeface="Consolas" panose="020B0609020204030204" pitchFamily="49" charset="0"/>
+              </a:rPr>
+              <a:t>                </a:t>
+            </a:r>
+            <a:r>
+              <a:rPr lang="en-US" altLang="ko-KR" sz="1200" b="0">
+                <a:solidFill>
+                  <a:srgbClr val="268BD2"/>
+                </a:solidFill>
+                <a:effectLst/>
+                <a:latin typeface="Consolas" panose="020B0609020204030204" pitchFamily="49" charset="0"/>
+              </a:rPr>
+              <a:t>IRB</a:t>
+            </a:r>
+            <a:r>
+              <a:rPr lang="en-US" altLang="ko-KR" sz="1200" b="0">
+                <a:solidFill>
+                  <a:srgbClr val="657B83"/>
+                </a:solidFill>
+                <a:effectLst/>
+                <a:latin typeface="Consolas" panose="020B0609020204030204" pitchFamily="49" charset="0"/>
+              </a:rPr>
+              <a:t>-&gt;</a:t>
+            </a:r>
+            <a:r>
+              <a:rPr lang="en-US" altLang="ko-KR" sz="1200" b="0">
+                <a:solidFill>
+                  <a:srgbClr val="268BD2"/>
+                </a:solidFill>
+                <a:effectLst/>
+                <a:latin typeface="Consolas" panose="020B0609020204030204" pitchFamily="49" charset="0"/>
+              </a:rPr>
+              <a:t>SetInsertPoint</a:t>
+            </a:r>
+            <a:r>
+              <a:rPr lang="en-US" altLang="ko-KR" sz="1200" b="0">
+                <a:solidFill>
+                  <a:srgbClr val="657B83"/>
+                </a:solidFill>
+                <a:effectLst/>
+                <a:latin typeface="Consolas" panose="020B0609020204030204" pitchFamily="49" charset="0"/>
+              </a:rPr>
+              <a:t>(</a:t>
+            </a:r>
+            <a:r>
+              <a:rPr lang="en-US" altLang="ko-KR" sz="1200" b="0">
+                <a:solidFill>
+                  <a:srgbClr val="268BD2"/>
+                </a:solidFill>
+                <a:effectLst/>
+                <a:latin typeface="Consolas" panose="020B0609020204030204" pitchFamily="49" charset="0"/>
+              </a:rPr>
+              <a:t>mainFunc</a:t>
+            </a:r>
+            <a:r>
+              <a:rPr lang="en-US" altLang="ko-KR" sz="1200" b="0">
+                <a:solidFill>
+                  <a:srgbClr val="657B83"/>
+                </a:solidFill>
+                <a:effectLst/>
+                <a:latin typeface="Consolas" panose="020B0609020204030204" pitchFamily="49" charset="0"/>
+              </a:rPr>
+              <a:t>-&gt;</a:t>
+            </a:r>
+            <a:r>
+              <a:rPr lang="en-US" altLang="ko-KR" sz="1200" b="0">
+                <a:solidFill>
+                  <a:srgbClr val="268BD2"/>
+                </a:solidFill>
+                <a:effectLst/>
+                <a:latin typeface="Consolas" panose="020B0609020204030204" pitchFamily="49" charset="0"/>
+              </a:rPr>
+              <a:t>getEntryBlock</a:t>
+            </a:r>
+            <a:r>
+              <a:rPr lang="en-US" altLang="ko-KR" sz="1200" b="0">
+                <a:solidFill>
+                  <a:srgbClr val="657B83"/>
+                </a:solidFill>
+                <a:effectLst/>
+                <a:latin typeface="Consolas" panose="020B0609020204030204" pitchFamily="49" charset="0"/>
+              </a:rPr>
+              <a:t>().</a:t>
+            </a:r>
+            <a:r>
+              <a:rPr lang="en-US" altLang="ko-KR" sz="1200" b="0">
+                <a:solidFill>
+                  <a:srgbClr val="268BD2"/>
+                </a:solidFill>
+                <a:effectLst/>
+                <a:latin typeface="Consolas" panose="020B0609020204030204" pitchFamily="49" charset="0"/>
+              </a:rPr>
+              <a:t>getFirstNonPHIOrDbgOrLifetime</a:t>
+            </a:r>
+            <a:r>
+              <a:rPr lang="en-US" altLang="ko-KR" sz="1200" b="0">
+                <a:solidFill>
+                  <a:srgbClr val="657B83"/>
+                </a:solidFill>
+                <a:effectLst/>
+                <a:latin typeface="Consolas" panose="020B0609020204030204" pitchFamily="49" charset="0"/>
+              </a:rPr>
+              <a:t>());</a:t>
+            </a:r>
+          </a:p>
+          <a:p>
+            <a:pPr>
+              <a:lnSpc>
+                <a:spcPct val="90000"/>
+              </a:lnSpc>
+            </a:pPr>
+            <a:r>
+              <a:rPr lang="en-US" altLang="ko-KR" sz="1200" b="0">
+                <a:solidFill>
+                  <a:srgbClr val="657B83"/>
+                </a:solidFill>
+                <a:effectLst/>
+                <a:latin typeface="Consolas" panose="020B0609020204030204" pitchFamily="49" charset="0"/>
+              </a:rPr>
+              <a:t>                </a:t>
+            </a:r>
+            <a:r>
+              <a:rPr lang="en-US" altLang="ko-KR" sz="1200" b="0">
+                <a:solidFill>
+                  <a:srgbClr val="268BD2"/>
+                </a:solidFill>
+                <a:effectLst/>
+                <a:latin typeface="Consolas" panose="020B0609020204030204" pitchFamily="49" charset="0"/>
+              </a:rPr>
+              <a:t>IRB</a:t>
+            </a:r>
+            <a:r>
+              <a:rPr lang="en-US" altLang="ko-KR" sz="1200" b="0">
+                <a:solidFill>
+                  <a:srgbClr val="657B83"/>
+                </a:solidFill>
+                <a:effectLst/>
+                <a:latin typeface="Consolas" panose="020B0609020204030204" pitchFamily="49" charset="0"/>
+              </a:rPr>
+              <a:t>-&gt;</a:t>
+            </a:r>
+            <a:r>
+              <a:rPr lang="en-US" altLang="ko-KR" sz="1200" b="0">
+                <a:solidFill>
+                  <a:srgbClr val="268BD2"/>
+                </a:solidFill>
+                <a:effectLst/>
+                <a:latin typeface="Consolas" panose="020B0609020204030204" pitchFamily="49" charset="0"/>
+              </a:rPr>
+              <a:t>CreateCall</a:t>
+            </a:r>
+            <a:r>
+              <a:rPr lang="en-US" altLang="ko-KR" sz="1200" b="0">
+                <a:solidFill>
+                  <a:srgbClr val="657B83"/>
+                </a:solidFill>
+                <a:effectLst/>
+                <a:latin typeface="Consolas" panose="020B0609020204030204" pitchFamily="49" charset="0"/>
+              </a:rPr>
+              <a:t>(p_init, {}) ;</a:t>
+            </a:r>
+          </a:p>
+          <a:p>
+            <a:pPr>
+              <a:lnSpc>
+                <a:spcPct val="90000"/>
+              </a:lnSpc>
+            </a:pPr>
+            <a:r>
+              <a:rPr lang="en-US" altLang="ko-KR" sz="1200" b="0">
+                <a:solidFill>
+                  <a:srgbClr val="657B83"/>
+                </a:solidFill>
+                <a:effectLst/>
+                <a:latin typeface="Consolas" panose="020B0609020204030204" pitchFamily="49" charset="0"/>
+              </a:rPr>
+              <a:t>            }</a:t>
+            </a:r>
+          </a:p>
+          <a:p>
+            <a:pPr>
+              <a:lnSpc>
+                <a:spcPct val="90000"/>
+              </a:lnSpc>
+            </a:pPr>
+            <a:br>
+              <a:rPr lang="en-US" altLang="ko-KR" sz="1200" b="0">
+                <a:solidFill>
+                  <a:srgbClr val="657B83"/>
+                </a:solidFill>
+                <a:effectLst/>
+                <a:latin typeface="Consolas" panose="020B0609020204030204" pitchFamily="49" charset="0"/>
+              </a:rPr>
+            </a:br>
+            <a:r>
+              <a:rPr lang="en-US" altLang="ko-KR" sz="1200" b="0">
+                <a:solidFill>
+                  <a:srgbClr val="657B83"/>
+                </a:solidFill>
+                <a:effectLst/>
+                <a:latin typeface="Consolas" panose="020B0609020204030204" pitchFamily="49" charset="0"/>
+              </a:rPr>
+              <a:t>            </a:t>
+            </a:r>
+            <a:r>
+              <a:rPr lang="en-US" altLang="ko-KR" sz="1200" b="0">
+                <a:solidFill>
+                  <a:srgbClr val="859900"/>
+                </a:solidFill>
+                <a:effectLst/>
+                <a:latin typeface="Consolas" panose="020B0609020204030204" pitchFamily="49" charset="0"/>
+              </a:rPr>
+              <a:t>return</a:t>
+            </a:r>
+            <a:r>
+              <a:rPr lang="en-US" altLang="ko-KR" sz="1200" b="0">
+                <a:solidFill>
+                  <a:srgbClr val="657B83"/>
+                </a:solidFill>
+                <a:effectLst/>
+                <a:latin typeface="Consolas" panose="020B0609020204030204" pitchFamily="49" charset="0"/>
+              </a:rPr>
+              <a:t> </a:t>
+            </a:r>
+            <a:r>
+              <a:rPr lang="en-US" altLang="ko-KR" sz="1200" b="0">
+                <a:solidFill>
+                  <a:srgbClr val="B58900"/>
+                </a:solidFill>
+                <a:effectLst/>
+                <a:latin typeface="Consolas" panose="020B0609020204030204" pitchFamily="49" charset="0"/>
+              </a:rPr>
+              <a:t>true</a:t>
+            </a:r>
+            <a:r>
+              <a:rPr lang="en-US" altLang="ko-KR" sz="1200" b="0">
+                <a:solidFill>
+                  <a:srgbClr val="657B83"/>
+                </a:solidFill>
+                <a:effectLst/>
+                <a:latin typeface="Consolas" panose="020B0609020204030204" pitchFamily="49" charset="0"/>
+              </a:rPr>
+              <a:t> ;</a:t>
+            </a:r>
+          </a:p>
+          <a:p>
+            <a:pPr>
+              <a:lnSpc>
+                <a:spcPct val="90000"/>
+              </a:lnSpc>
+            </a:pPr>
+            <a:r>
+              <a:rPr lang="en-US" altLang="ko-KR" sz="1200" b="0">
+                <a:solidFill>
+                  <a:srgbClr val="657B83"/>
+                </a:solidFill>
+                <a:effectLst/>
+                <a:latin typeface="Consolas" panose="020B0609020204030204" pitchFamily="49" charset="0"/>
+              </a:rPr>
+              <a:t>        }</a:t>
+            </a:r>
+            <a:r>
+              <a:rPr lang="en-US" altLang="ko-KR" sz="1200" b="0" i="1">
+                <a:solidFill>
+                  <a:srgbClr val="93A1A1"/>
+                </a:solidFill>
+                <a:effectLst/>
+                <a:latin typeface="Consolas" panose="020B0609020204030204" pitchFamily="49" charset="0"/>
+              </a:rPr>
+              <a:t> // doInitialization.</a:t>
+            </a:r>
+            <a:endParaRPr lang="en-US" altLang="ko-KR" sz="1200" b="0">
+              <a:solidFill>
+                <a:srgbClr val="657B83"/>
+              </a:solidFill>
+              <a:effectLst/>
+              <a:latin typeface="Consolas" panose="020B0609020204030204" pitchFamily="49" charset="0"/>
+            </a:endParaRPr>
+          </a:p>
+        </p:txBody>
+      </p:sp>
+    </p:spTree>
+    <p:extLst>
+      <p:ext uri="{BB962C8B-B14F-4D97-AF65-F5344CB8AC3E}">
+        <p14:creationId xmlns:p14="http://schemas.microsoft.com/office/powerpoint/2010/main" val="1087559061"/>
+      </p:ext>
+    </p:extLst>
+  </p:cSld>
+  <p:clrMapOvr>
+    <a:masterClrMapping/>
+  </p:clrMapOvr>
+</p:sld>
+</file>
+
+<file path=ppt/slides/slide23.xml><?xml version="1.0" encoding="utf-8"?>
+<p:sld xmlns:a="http://schemas.openxmlformats.org/drawingml/2006/main" xmlns:r="http://schemas.openxmlformats.org/officeDocument/2006/relationships" xmlns:p="http://schemas.openxmlformats.org/presentationml/2006/main">
+  <p:cSld>
+    <p:spTree>
+      <p:nvGrpSpPr>
+        <p:cNvPr id="1" name=""/>
+        <p:cNvGrpSpPr/>
+        <p:nvPr/>
+      </p:nvGrpSpPr>
+      <p:grpSpPr>
+        <a:xfrm>
+          <a:off x="0" y="0"/>
+          <a:ext cx="0" cy="0"/>
+          <a:chOff x="0" y="0"/>
+          <a:chExt cx="0" cy="0"/>
+        </a:xfrm>
+      </p:grpSpPr>
+      <p:sp>
+        <p:nvSpPr>
+          <p:cNvPr id="10" name="TextBox 9">
+            <a:extLst>
+              <a:ext uri="{FF2B5EF4-FFF2-40B4-BE49-F238E27FC236}">
+                <a16:creationId xmlns:a16="http://schemas.microsoft.com/office/drawing/2014/main" id="{B4CC262E-14F9-C1AD-666E-80FED46826F3}"/>
+              </a:ext>
+            </a:extLst>
+          </p:cNvPr>
+          <p:cNvSpPr txBox="1"/>
+          <p:nvPr/>
+        </p:nvSpPr>
+        <p:spPr>
+          <a:xfrm>
+            <a:off x="179512" y="44624"/>
+            <a:ext cx="8640960" cy="6740307"/>
+          </a:xfrm>
+          <a:prstGeom prst="rect">
+            <a:avLst/>
+          </a:prstGeom>
+          <a:noFill/>
+          <a:ln>
+            <a:solidFill>
+              <a:schemeClr val="accent1"/>
+            </a:solidFill>
+          </a:ln>
+        </p:spPr>
+        <p:txBody>
+          <a:bodyPr wrap="square">
+            <a:spAutoFit/>
+          </a:bodyPr>
+          <a:lstStyle/>
+          <a:p>
+            <a:pPr>
+              <a:lnSpc>
+                <a:spcPct val="90000"/>
+              </a:lnSpc>
+            </a:pPr>
+            <a:r>
+              <a:rPr lang="en-US" altLang="ko-KR" sz="1200" b="1">
+                <a:solidFill>
+                  <a:srgbClr val="586E75"/>
+                </a:solidFill>
+                <a:effectLst/>
+                <a:latin typeface="Consolas" panose="020B0609020204030204" pitchFamily="49" charset="0"/>
+              </a:rPr>
+              <a:t>bool</a:t>
+            </a:r>
+            <a:r>
+              <a:rPr lang="en-US" altLang="ko-KR" sz="1200" b="0">
+                <a:solidFill>
+                  <a:srgbClr val="657B83"/>
+                </a:solidFill>
+                <a:effectLst/>
+                <a:latin typeface="Consolas" panose="020B0609020204030204" pitchFamily="49" charset="0"/>
+              </a:rPr>
+              <a:t> </a:t>
+            </a:r>
+            <a:r>
+              <a:rPr lang="en-US" altLang="ko-KR" sz="1200" b="0">
+                <a:solidFill>
+                  <a:srgbClr val="268BD2"/>
+                </a:solidFill>
+                <a:effectLst/>
+                <a:latin typeface="Consolas" panose="020B0609020204030204" pitchFamily="49" charset="0"/>
+              </a:rPr>
+              <a:t>runOnBasicBlock</a:t>
+            </a:r>
+            <a:r>
+              <a:rPr lang="en-US" altLang="ko-KR" sz="1200" b="0">
+                <a:solidFill>
+                  <a:srgbClr val="657B83"/>
+                </a:solidFill>
+                <a:effectLst/>
+                <a:latin typeface="Consolas" panose="020B0609020204030204" pitchFamily="49" charset="0"/>
+              </a:rPr>
+              <a:t> (</a:t>
+            </a:r>
+            <a:r>
+              <a:rPr lang="en-US" altLang="ko-KR" sz="1200" b="0">
+                <a:solidFill>
+                  <a:srgbClr val="CB4B16"/>
+                </a:solidFill>
+                <a:effectLst/>
+                <a:latin typeface="Consolas" panose="020B0609020204030204" pitchFamily="49" charset="0"/>
+              </a:rPr>
+              <a:t>BasicBlock</a:t>
+            </a:r>
+            <a:r>
+              <a:rPr lang="en-US" altLang="ko-KR" sz="1200" b="0">
+                <a:solidFill>
+                  <a:srgbClr val="657B83"/>
+                </a:solidFill>
+                <a:effectLst/>
+                <a:latin typeface="Consolas" panose="020B0609020204030204" pitchFamily="49" charset="0"/>
+              </a:rPr>
+              <a:t> </a:t>
+            </a:r>
+            <a:r>
+              <a:rPr lang="en-US" altLang="ko-KR" sz="1200" b="1">
+                <a:solidFill>
+                  <a:srgbClr val="586E75"/>
+                </a:solidFill>
+                <a:effectLst/>
+                <a:latin typeface="Consolas" panose="020B0609020204030204" pitchFamily="49" charset="0"/>
+              </a:rPr>
+              <a:t>&amp;</a:t>
+            </a:r>
+            <a:r>
+              <a:rPr lang="en-US" altLang="ko-KR" sz="1200" b="0">
+                <a:solidFill>
+                  <a:srgbClr val="657B83"/>
+                </a:solidFill>
+                <a:effectLst/>
+                <a:latin typeface="Consolas" panose="020B0609020204030204" pitchFamily="49" charset="0"/>
+              </a:rPr>
+              <a:t>B) {</a:t>
+            </a:r>
+          </a:p>
+          <a:p>
+            <a:pPr>
+              <a:lnSpc>
+                <a:spcPct val="90000"/>
+              </a:lnSpc>
+            </a:pPr>
+            <a:r>
+              <a:rPr lang="en-US" altLang="ko-KR" sz="1200" b="0" i="1">
+                <a:solidFill>
+                  <a:srgbClr val="93A1A1"/>
+                </a:solidFill>
+                <a:effectLst/>
+                <a:latin typeface="Consolas" panose="020B0609020204030204" pitchFamily="49" charset="0"/>
+              </a:rPr>
+              <a:t>    /* This function is invoked by runOnFunction() for each basic block</a:t>
+            </a:r>
+            <a:endParaRPr lang="en-US" altLang="ko-KR" sz="1200" b="0">
+              <a:solidFill>
+                <a:srgbClr val="657B83"/>
+              </a:solidFill>
+              <a:effectLst/>
+              <a:latin typeface="Consolas" panose="020B0609020204030204" pitchFamily="49" charset="0"/>
+            </a:endParaRPr>
+          </a:p>
+          <a:p>
+            <a:pPr>
+              <a:lnSpc>
+                <a:spcPct val="90000"/>
+              </a:lnSpc>
+            </a:pPr>
+            <a:r>
+              <a:rPr lang="en-US" altLang="ko-KR" sz="1200" b="0" i="1">
+                <a:solidFill>
+                  <a:srgbClr val="93A1A1"/>
+                </a:solidFill>
+                <a:effectLst/>
+                <a:latin typeface="Consolas" panose="020B0609020204030204" pitchFamily="49" charset="0"/>
+              </a:rPr>
+              <a:t>     * in the function. Note that this is not invoked by LLVM and different</a:t>
+            </a:r>
+            <a:endParaRPr lang="en-US" altLang="ko-KR" sz="1200" b="0">
+              <a:solidFill>
+                <a:srgbClr val="657B83"/>
+              </a:solidFill>
+              <a:effectLst/>
+              <a:latin typeface="Consolas" panose="020B0609020204030204" pitchFamily="49" charset="0"/>
+            </a:endParaRPr>
+          </a:p>
+          <a:p>
+            <a:pPr>
+              <a:lnSpc>
+                <a:spcPct val="90000"/>
+              </a:lnSpc>
+            </a:pPr>
+            <a:r>
+              <a:rPr lang="en-US" altLang="ko-KR" sz="1200" b="0" i="1">
+                <a:solidFill>
+                  <a:srgbClr val="93A1A1"/>
+                </a:solidFill>
+                <a:effectLst/>
+                <a:latin typeface="Consolas" panose="020B0609020204030204" pitchFamily="49" charset="0"/>
+              </a:rPr>
+              <a:t>     * from runOnBasicBlock() of BasicBlockPass.*/</a:t>
+            </a:r>
+            <a:endParaRPr lang="en-US" altLang="ko-KR" sz="1200" b="0">
+              <a:solidFill>
+                <a:srgbClr val="657B83"/>
+              </a:solidFill>
+              <a:effectLst/>
+              <a:latin typeface="Consolas" panose="020B0609020204030204" pitchFamily="49" charset="0"/>
+            </a:endParaRPr>
+          </a:p>
+          <a:p>
+            <a:pPr>
+              <a:lnSpc>
+                <a:spcPct val="90000"/>
+              </a:lnSpc>
+            </a:pPr>
+            <a:br>
+              <a:rPr lang="en-US" altLang="ko-KR" sz="1200" b="0">
+                <a:solidFill>
+                  <a:srgbClr val="657B83"/>
+                </a:solidFill>
+                <a:effectLst/>
+                <a:latin typeface="Consolas" panose="020B0609020204030204" pitchFamily="49" charset="0"/>
+              </a:rPr>
+            </a:br>
+            <a:r>
+              <a:rPr lang="en-US" altLang="ko-KR" sz="1200" b="0">
+                <a:solidFill>
+                  <a:srgbClr val="657B83"/>
+                </a:solidFill>
+                <a:effectLst/>
+                <a:latin typeface="Consolas" panose="020B0609020204030204" pitchFamily="49" charset="0"/>
+              </a:rPr>
+              <a:t>    StringRef funcname </a:t>
+            </a:r>
+            <a:r>
+              <a:rPr lang="en-US" altLang="ko-KR" sz="1200" b="0">
+                <a:solidFill>
+                  <a:srgbClr val="859900"/>
+                </a:solidFill>
+                <a:effectLst/>
+                <a:latin typeface="Consolas" panose="020B0609020204030204" pitchFamily="49" charset="0"/>
+              </a:rPr>
+              <a:t>=</a:t>
+            </a:r>
+            <a:r>
+              <a:rPr lang="en-US" altLang="ko-KR" sz="1200" b="0">
+                <a:solidFill>
+                  <a:srgbClr val="657B83"/>
+                </a:solidFill>
+                <a:effectLst/>
+                <a:latin typeface="Consolas" panose="020B0609020204030204" pitchFamily="49" charset="0"/>
+              </a:rPr>
+              <a:t> </a:t>
+            </a:r>
+            <a:r>
+              <a:rPr lang="en-US" altLang="ko-KR" sz="1200" b="0">
+                <a:solidFill>
+                  <a:srgbClr val="2AA198"/>
+                </a:solidFill>
+                <a:effectLst/>
+                <a:latin typeface="Consolas" panose="020B0609020204030204" pitchFamily="49" charset="0"/>
+              </a:rPr>
+              <a:t>"unknown"</a:t>
+            </a:r>
+            <a:r>
+              <a:rPr lang="en-US" altLang="ko-KR" sz="1200" b="0">
+                <a:solidFill>
+                  <a:srgbClr val="657B83"/>
+                </a:solidFill>
+                <a:effectLst/>
+                <a:latin typeface="Consolas" panose="020B0609020204030204" pitchFamily="49" charset="0"/>
+              </a:rPr>
+              <a:t>;</a:t>
+            </a:r>
+          </a:p>
+          <a:p>
+            <a:pPr>
+              <a:lnSpc>
+                <a:spcPct val="90000"/>
+              </a:lnSpc>
+            </a:pPr>
+            <a:r>
+              <a:rPr lang="en-US" altLang="ko-KR" sz="1200" b="0">
+                <a:solidFill>
+                  <a:srgbClr val="657B83"/>
+                </a:solidFill>
+                <a:effectLst/>
+                <a:latin typeface="Consolas" panose="020B0609020204030204" pitchFamily="49" charset="0"/>
+              </a:rPr>
+              <a:t>    DISubprogram </a:t>
+            </a:r>
+            <a:r>
+              <a:rPr lang="en-US" altLang="ko-KR" sz="1200" b="0">
+                <a:solidFill>
+                  <a:srgbClr val="859900"/>
+                </a:solidFill>
+                <a:effectLst/>
+                <a:latin typeface="Consolas" panose="020B0609020204030204" pitchFamily="49" charset="0"/>
+              </a:rPr>
+              <a:t>*</a:t>
+            </a:r>
+            <a:r>
+              <a:rPr lang="en-US" altLang="ko-KR" sz="1200" b="0">
+                <a:solidFill>
+                  <a:srgbClr val="657B83"/>
+                </a:solidFill>
+                <a:effectLst/>
+                <a:latin typeface="Consolas" panose="020B0609020204030204" pitchFamily="49" charset="0"/>
+              </a:rPr>
+              <a:t> disubp </a:t>
+            </a:r>
+            <a:r>
+              <a:rPr lang="en-US" altLang="ko-KR" sz="1200" b="0">
+                <a:solidFill>
+                  <a:srgbClr val="859900"/>
+                </a:solidFill>
+                <a:effectLst/>
+                <a:latin typeface="Consolas" panose="020B0609020204030204" pitchFamily="49" charset="0"/>
+              </a:rPr>
+              <a:t>=</a:t>
+            </a:r>
+            <a:r>
+              <a:rPr lang="en-US" altLang="ko-KR" sz="1200" b="0">
+                <a:solidFill>
+                  <a:srgbClr val="657B83"/>
+                </a:solidFill>
+                <a:effectLst/>
+                <a:latin typeface="Consolas" panose="020B0609020204030204" pitchFamily="49" charset="0"/>
+              </a:rPr>
+              <a:t> </a:t>
+            </a:r>
+            <a:r>
+              <a:rPr lang="en-US" altLang="ko-KR" sz="1200" b="0">
+                <a:solidFill>
+                  <a:srgbClr val="268BD2"/>
+                </a:solidFill>
+                <a:effectLst/>
+                <a:latin typeface="Consolas" panose="020B0609020204030204" pitchFamily="49" charset="0"/>
+              </a:rPr>
+              <a:t>B</a:t>
+            </a:r>
+            <a:r>
+              <a:rPr lang="en-US" altLang="ko-KR" sz="1200" b="0">
+                <a:solidFill>
+                  <a:srgbClr val="657B83"/>
+                </a:solidFill>
+                <a:effectLst/>
+                <a:latin typeface="Consolas" panose="020B0609020204030204" pitchFamily="49" charset="0"/>
+              </a:rPr>
+              <a:t>.</a:t>
+            </a:r>
+            <a:r>
+              <a:rPr lang="en-US" altLang="ko-KR" sz="1200" b="0">
+                <a:solidFill>
+                  <a:srgbClr val="268BD2"/>
+                </a:solidFill>
+                <a:effectLst/>
+                <a:latin typeface="Consolas" panose="020B0609020204030204" pitchFamily="49" charset="0"/>
+              </a:rPr>
+              <a:t>getParent</a:t>
+            </a:r>
+            <a:r>
+              <a:rPr lang="en-US" altLang="ko-KR" sz="1200" b="0">
+                <a:solidFill>
+                  <a:srgbClr val="657B83"/>
+                </a:solidFill>
+                <a:effectLst/>
+                <a:latin typeface="Consolas" panose="020B0609020204030204" pitchFamily="49" charset="0"/>
+              </a:rPr>
+              <a:t>()-&gt;</a:t>
+            </a:r>
+            <a:r>
+              <a:rPr lang="en-US" altLang="ko-KR" sz="1200" b="0">
+                <a:solidFill>
+                  <a:srgbClr val="268BD2"/>
+                </a:solidFill>
+                <a:effectLst/>
+                <a:latin typeface="Consolas" panose="020B0609020204030204" pitchFamily="49" charset="0"/>
+              </a:rPr>
+              <a:t>getSubprogram</a:t>
+            </a:r>
+            <a:r>
+              <a:rPr lang="en-US" altLang="ko-KR" sz="1200" b="0">
+                <a:solidFill>
+                  <a:srgbClr val="657B83"/>
+                </a:solidFill>
+                <a:effectLst/>
+                <a:latin typeface="Consolas" panose="020B0609020204030204" pitchFamily="49" charset="0"/>
+              </a:rPr>
+              <a:t>();</a:t>
+            </a:r>
+          </a:p>
+          <a:p>
+            <a:pPr>
+              <a:lnSpc>
+                <a:spcPct val="90000"/>
+              </a:lnSpc>
+            </a:pPr>
+            <a:r>
+              <a:rPr lang="en-US" altLang="ko-KR" sz="1200" b="0">
+                <a:solidFill>
+                  <a:srgbClr val="657B83"/>
+                </a:solidFill>
+                <a:effectLst/>
+                <a:latin typeface="Consolas" panose="020B0609020204030204" pitchFamily="49" charset="0"/>
+              </a:rPr>
+              <a:t>    </a:t>
+            </a:r>
+            <a:r>
+              <a:rPr lang="en-US" altLang="ko-KR" sz="1200" b="0">
+                <a:solidFill>
+                  <a:srgbClr val="859900"/>
+                </a:solidFill>
+                <a:effectLst/>
+                <a:latin typeface="Consolas" panose="020B0609020204030204" pitchFamily="49" charset="0"/>
+              </a:rPr>
+              <a:t>if</a:t>
+            </a:r>
+            <a:r>
+              <a:rPr lang="en-US" altLang="ko-KR" sz="1200" b="0">
+                <a:solidFill>
+                  <a:srgbClr val="657B83"/>
+                </a:solidFill>
+                <a:effectLst/>
+                <a:latin typeface="Consolas" panose="020B0609020204030204" pitchFamily="49" charset="0"/>
+              </a:rPr>
+              <a:t> (disubp) { funcname </a:t>
+            </a:r>
+            <a:r>
+              <a:rPr lang="en-US" altLang="ko-KR" sz="1200" b="0">
+                <a:solidFill>
+                  <a:srgbClr val="859900"/>
+                </a:solidFill>
+                <a:effectLst/>
+                <a:latin typeface="Consolas" panose="020B0609020204030204" pitchFamily="49" charset="0"/>
+              </a:rPr>
+              <a:t>=</a:t>
+            </a:r>
+            <a:r>
+              <a:rPr lang="en-US" altLang="ko-KR" sz="1200" b="0">
+                <a:solidFill>
+                  <a:srgbClr val="657B83"/>
+                </a:solidFill>
+                <a:effectLst/>
+                <a:latin typeface="Consolas" panose="020B0609020204030204" pitchFamily="49" charset="0"/>
+              </a:rPr>
+              <a:t> </a:t>
+            </a:r>
+            <a:r>
+              <a:rPr lang="en-US" altLang="ko-KR" sz="1200" b="0">
+                <a:solidFill>
+                  <a:srgbClr val="268BD2"/>
+                </a:solidFill>
+                <a:effectLst/>
+                <a:latin typeface="Consolas" panose="020B0609020204030204" pitchFamily="49" charset="0"/>
+              </a:rPr>
+              <a:t>disubp</a:t>
+            </a:r>
+            <a:r>
+              <a:rPr lang="en-US" altLang="ko-KR" sz="1200" b="0">
+                <a:solidFill>
+                  <a:srgbClr val="657B83"/>
+                </a:solidFill>
+                <a:effectLst/>
+                <a:latin typeface="Consolas" panose="020B0609020204030204" pitchFamily="49" charset="0"/>
+              </a:rPr>
+              <a:t>-&gt;</a:t>
+            </a:r>
+            <a:r>
+              <a:rPr lang="en-US" altLang="ko-KR" sz="1200" b="0">
+                <a:solidFill>
+                  <a:srgbClr val="268BD2"/>
+                </a:solidFill>
+                <a:effectLst/>
+                <a:latin typeface="Consolas" panose="020B0609020204030204" pitchFamily="49" charset="0"/>
+              </a:rPr>
+              <a:t>getName</a:t>
+            </a:r>
+            <a:r>
+              <a:rPr lang="en-US" altLang="ko-KR" sz="1200" b="0">
+                <a:solidFill>
+                  <a:srgbClr val="657B83"/>
+                </a:solidFill>
+                <a:effectLst/>
+                <a:latin typeface="Consolas" panose="020B0609020204030204" pitchFamily="49" charset="0"/>
+              </a:rPr>
+              <a:t>(); }</a:t>
+            </a:r>
+          </a:p>
+          <a:p>
+            <a:pPr>
+              <a:lnSpc>
+                <a:spcPct val="90000"/>
+              </a:lnSpc>
+            </a:pPr>
+            <a:br>
+              <a:rPr lang="en-US" altLang="ko-KR" sz="1200" b="0">
+                <a:solidFill>
+                  <a:srgbClr val="657B83"/>
+                </a:solidFill>
+                <a:effectLst/>
+                <a:latin typeface="Consolas" panose="020B0609020204030204" pitchFamily="49" charset="0"/>
+              </a:rPr>
+            </a:br>
+            <a:br>
+              <a:rPr lang="en-US" altLang="ko-KR" sz="1200" b="0">
+                <a:solidFill>
+                  <a:srgbClr val="657B83"/>
+                </a:solidFill>
+                <a:effectLst/>
+                <a:latin typeface="Consolas" panose="020B0609020204030204" pitchFamily="49" charset="0"/>
+              </a:rPr>
+            </a:br>
+            <a:r>
+              <a:rPr lang="en-US" altLang="ko-KR" sz="1200" b="0">
+                <a:solidFill>
+                  <a:srgbClr val="657B83"/>
+                </a:solidFill>
+                <a:effectLst/>
+                <a:latin typeface="Consolas" panose="020B0609020204030204" pitchFamily="49" charset="0"/>
+              </a:rPr>
+              <a:t>    </a:t>
+            </a:r>
+            <a:r>
+              <a:rPr lang="en-US" altLang="ko-KR" sz="1200" b="0">
+                <a:solidFill>
+                  <a:srgbClr val="859900"/>
+                </a:solidFill>
+                <a:effectLst/>
+                <a:latin typeface="Consolas" panose="020B0609020204030204" pitchFamily="49" charset="0"/>
+              </a:rPr>
+              <a:t>for</a:t>
+            </a:r>
+            <a:r>
+              <a:rPr lang="en-US" altLang="ko-KR" sz="1200" b="0">
+                <a:solidFill>
+                  <a:srgbClr val="657B83"/>
+                </a:solidFill>
+                <a:effectLst/>
+                <a:latin typeface="Consolas" panose="020B0609020204030204" pitchFamily="49" charset="0"/>
+              </a:rPr>
+              <a:t> (</a:t>
+            </a:r>
+            <a:r>
+              <a:rPr lang="en-US" altLang="ko-KR" sz="1200" b="0">
+                <a:solidFill>
+                  <a:srgbClr val="CB4B16"/>
+                </a:solidFill>
+                <a:effectLst/>
+                <a:latin typeface="Consolas" panose="020B0609020204030204" pitchFamily="49" charset="0"/>
+              </a:rPr>
+              <a:t>BasicBlock</a:t>
+            </a:r>
+            <a:r>
+              <a:rPr lang="en-US" altLang="ko-KR" sz="1200" b="0">
+                <a:solidFill>
+                  <a:srgbClr val="657B83"/>
+                </a:solidFill>
+                <a:effectLst/>
+                <a:latin typeface="Consolas" panose="020B0609020204030204" pitchFamily="49" charset="0"/>
+              </a:rPr>
+              <a:t>::iterator i </a:t>
+            </a:r>
+            <a:r>
+              <a:rPr lang="en-US" altLang="ko-KR" sz="1200" b="0">
+                <a:solidFill>
+                  <a:srgbClr val="859900"/>
+                </a:solidFill>
+                <a:effectLst/>
+                <a:latin typeface="Consolas" panose="020B0609020204030204" pitchFamily="49" charset="0"/>
+              </a:rPr>
+              <a:t>=</a:t>
+            </a:r>
+            <a:r>
+              <a:rPr lang="en-US" altLang="ko-KR" sz="1200" b="0">
+                <a:solidFill>
+                  <a:srgbClr val="657B83"/>
+                </a:solidFill>
+                <a:effectLst/>
+                <a:latin typeface="Consolas" panose="020B0609020204030204" pitchFamily="49" charset="0"/>
+              </a:rPr>
+              <a:t> </a:t>
+            </a:r>
+            <a:r>
+              <a:rPr lang="en-US" altLang="ko-KR" sz="1200" b="0">
+                <a:solidFill>
+                  <a:srgbClr val="268BD2"/>
+                </a:solidFill>
+                <a:effectLst/>
+                <a:latin typeface="Consolas" panose="020B0609020204030204" pitchFamily="49" charset="0"/>
+              </a:rPr>
+              <a:t>B</a:t>
+            </a:r>
+            <a:r>
+              <a:rPr lang="en-US" altLang="ko-KR" sz="1200" b="0">
+                <a:solidFill>
+                  <a:srgbClr val="657B83"/>
+                </a:solidFill>
+                <a:effectLst/>
+                <a:latin typeface="Consolas" panose="020B0609020204030204" pitchFamily="49" charset="0"/>
+              </a:rPr>
+              <a:t>.</a:t>
+            </a:r>
+            <a:r>
+              <a:rPr lang="en-US" altLang="ko-KR" sz="1200" b="0">
+                <a:solidFill>
+                  <a:srgbClr val="268BD2"/>
+                </a:solidFill>
+                <a:effectLst/>
+                <a:latin typeface="Consolas" panose="020B0609020204030204" pitchFamily="49" charset="0"/>
+              </a:rPr>
+              <a:t>begin</a:t>
+            </a:r>
+            <a:r>
+              <a:rPr lang="en-US" altLang="ko-KR" sz="1200" b="0">
+                <a:solidFill>
+                  <a:srgbClr val="657B83"/>
+                </a:solidFill>
+                <a:effectLst/>
+                <a:latin typeface="Consolas" panose="020B0609020204030204" pitchFamily="49" charset="0"/>
+              </a:rPr>
+              <a:t>() ; i </a:t>
+            </a:r>
+            <a:r>
+              <a:rPr lang="en-US" altLang="ko-KR" sz="1200" b="0">
+                <a:solidFill>
+                  <a:srgbClr val="859900"/>
+                </a:solidFill>
+                <a:effectLst/>
+                <a:latin typeface="Consolas" panose="020B0609020204030204" pitchFamily="49" charset="0"/>
+              </a:rPr>
+              <a:t>!=</a:t>
+            </a:r>
+            <a:r>
+              <a:rPr lang="en-US" altLang="ko-KR" sz="1200" b="0">
+                <a:solidFill>
+                  <a:srgbClr val="657B83"/>
+                </a:solidFill>
+                <a:effectLst/>
+                <a:latin typeface="Consolas" panose="020B0609020204030204" pitchFamily="49" charset="0"/>
+              </a:rPr>
+              <a:t> </a:t>
+            </a:r>
+            <a:r>
+              <a:rPr lang="en-US" altLang="ko-KR" sz="1200" b="0">
+                <a:solidFill>
+                  <a:srgbClr val="268BD2"/>
+                </a:solidFill>
+                <a:effectLst/>
+                <a:latin typeface="Consolas" panose="020B0609020204030204" pitchFamily="49" charset="0"/>
+              </a:rPr>
+              <a:t>B</a:t>
+            </a:r>
+            <a:r>
+              <a:rPr lang="en-US" altLang="ko-KR" sz="1200" b="0">
+                <a:solidFill>
+                  <a:srgbClr val="657B83"/>
+                </a:solidFill>
+                <a:effectLst/>
+                <a:latin typeface="Consolas" panose="020B0609020204030204" pitchFamily="49" charset="0"/>
+              </a:rPr>
+              <a:t>.</a:t>
+            </a:r>
+            <a:r>
+              <a:rPr lang="en-US" altLang="ko-KR" sz="1200" b="0">
+                <a:solidFill>
+                  <a:srgbClr val="268BD2"/>
+                </a:solidFill>
+                <a:effectLst/>
+                <a:latin typeface="Consolas" panose="020B0609020204030204" pitchFamily="49" charset="0"/>
+              </a:rPr>
+              <a:t>end</a:t>
+            </a:r>
+            <a:r>
+              <a:rPr lang="en-US" altLang="ko-KR" sz="1200" b="0">
+                <a:solidFill>
+                  <a:srgbClr val="657B83"/>
+                </a:solidFill>
+                <a:effectLst/>
+                <a:latin typeface="Consolas" panose="020B0609020204030204" pitchFamily="49" charset="0"/>
+              </a:rPr>
+              <a:t>() ; i</a:t>
+            </a:r>
+            <a:r>
+              <a:rPr lang="en-US" altLang="ko-KR" sz="1200" b="0">
+                <a:solidFill>
+                  <a:srgbClr val="859900"/>
+                </a:solidFill>
+                <a:effectLst/>
+                <a:latin typeface="Consolas" panose="020B0609020204030204" pitchFamily="49" charset="0"/>
+              </a:rPr>
+              <a:t>++</a:t>
+            </a:r>
+            <a:r>
+              <a:rPr lang="en-US" altLang="ko-KR" sz="1200" b="0">
+                <a:solidFill>
+                  <a:srgbClr val="657B83"/>
+                </a:solidFill>
+                <a:effectLst/>
+                <a:latin typeface="Consolas" panose="020B0609020204030204" pitchFamily="49" charset="0"/>
+              </a:rPr>
+              <a:t>) {</a:t>
+            </a:r>
+          </a:p>
+          <a:p>
+            <a:pPr>
+              <a:lnSpc>
+                <a:spcPct val="90000"/>
+              </a:lnSpc>
+            </a:pPr>
+            <a:r>
+              <a:rPr lang="en-US" altLang="ko-KR" sz="1200" b="0" i="1">
+                <a:solidFill>
+                  <a:srgbClr val="93A1A1"/>
+                </a:solidFill>
+                <a:effectLst/>
+                <a:latin typeface="Consolas" panose="020B0609020204030204" pitchFamily="49" charset="0"/>
+              </a:rPr>
+              <a:t>        /* for each instruction of the basic block in order */</a:t>
+            </a:r>
+            <a:endParaRPr lang="en-US" altLang="ko-KR" sz="1200" b="0">
+              <a:solidFill>
+                <a:srgbClr val="657B83"/>
+              </a:solidFill>
+              <a:effectLst/>
+              <a:latin typeface="Consolas" panose="020B0609020204030204" pitchFamily="49" charset="0"/>
+            </a:endParaRPr>
+          </a:p>
+          <a:p>
+            <a:pPr>
+              <a:lnSpc>
+                <a:spcPct val="90000"/>
+              </a:lnSpc>
+            </a:pPr>
+            <a:endParaRPr lang="en-US" altLang="ko-KR" sz="1200" b="0">
+              <a:solidFill>
+                <a:srgbClr val="657B83"/>
+              </a:solidFill>
+              <a:effectLst/>
+              <a:latin typeface="Consolas" panose="020B0609020204030204" pitchFamily="49" charset="0"/>
+            </a:endParaRPr>
+          </a:p>
+          <a:p>
+            <a:pPr>
+              <a:lnSpc>
+                <a:spcPct val="90000"/>
+              </a:lnSpc>
+            </a:pPr>
+            <a:r>
+              <a:rPr lang="en-US" altLang="ko-KR" sz="1200" b="0">
+                <a:solidFill>
+                  <a:srgbClr val="657B83"/>
+                </a:solidFill>
+                <a:effectLst/>
+                <a:latin typeface="Consolas" panose="020B0609020204030204" pitchFamily="49" charset="0"/>
+              </a:rPr>
+              <a:t>        </a:t>
+            </a:r>
+            <a:r>
+              <a:rPr lang="en-US" altLang="ko-KR" sz="1200" b="0">
+                <a:solidFill>
+                  <a:srgbClr val="859900"/>
+                </a:solidFill>
+                <a:effectLst/>
+                <a:latin typeface="Consolas" panose="020B0609020204030204" pitchFamily="49" charset="0"/>
+              </a:rPr>
+              <a:t>if</a:t>
+            </a:r>
+            <a:r>
+              <a:rPr lang="en-US" altLang="ko-KR" sz="1200" b="0">
+                <a:solidFill>
+                  <a:srgbClr val="657B83"/>
+                </a:solidFill>
+                <a:effectLst/>
+                <a:latin typeface="Consolas" panose="020B0609020204030204" pitchFamily="49" charset="0"/>
+              </a:rPr>
+              <a:t> (</a:t>
+            </a:r>
+            <a:r>
+              <a:rPr lang="en-US" altLang="ko-KR" sz="1200" b="0">
+                <a:solidFill>
+                  <a:srgbClr val="268BD2"/>
+                </a:solidFill>
+                <a:effectLst/>
+                <a:latin typeface="Consolas" panose="020B0609020204030204" pitchFamily="49" charset="0"/>
+              </a:rPr>
+              <a:t>i</a:t>
+            </a:r>
+            <a:r>
+              <a:rPr lang="en-US" altLang="ko-KR" sz="1200" b="0">
+                <a:solidFill>
+                  <a:srgbClr val="657B83"/>
+                </a:solidFill>
+                <a:effectLst/>
+                <a:latin typeface="Consolas" panose="020B0609020204030204" pitchFamily="49" charset="0"/>
+              </a:rPr>
+              <a:t>-&gt;</a:t>
+            </a:r>
+            <a:r>
+              <a:rPr lang="en-US" altLang="ko-KR" sz="1200" b="0">
+                <a:solidFill>
+                  <a:srgbClr val="268BD2"/>
+                </a:solidFill>
+                <a:effectLst/>
+                <a:latin typeface="Consolas" panose="020B0609020204030204" pitchFamily="49" charset="0"/>
+              </a:rPr>
+              <a:t>getOpcode</a:t>
+            </a:r>
+            <a:r>
+              <a:rPr lang="en-US" altLang="ko-KR" sz="1200" b="0">
+                <a:solidFill>
+                  <a:srgbClr val="657B83"/>
+                </a:solidFill>
+                <a:effectLst/>
+                <a:latin typeface="Consolas" panose="020B0609020204030204" pitchFamily="49" charset="0"/>
+              </a:rPr>
+              <a:t>() </a:t>
+            </a:r>
+            <a:r>
+              <a:rPr lang="en-US" altLang="ko-KR" sz="1200" b="0">
+                <a:solidFill>
+                  <a:srgbClr val="859900"/>
+                </a:solidFill>
+                <a:effectLst/>
+                <a:latin typeface="Consolas" panose="020B0609020204030204" pitchFamily="49" charset="0"/>
+              </a:rPr>
+              <a:t>==</a:t>
+            </a:r>
+            <a:r>
+              <a:rPr lang="en-US" altLang="ko-KR" sz="1200" b="0">
+                <a:solidFill>
+                  <a:srgbClr val="657B83"/>
+                </a:solidFill>
+                <a:effectLst/>
+                <a:latin typeface="Consolas" panose="020B0609020204030204" pitchFamily="49" charset="0"/>
+              </a:rPr>
+              <a:t> </a:t>
+            </a:r>
+            <a:r>
+              <a:rPr lang="en-US" altLang="ko-KR" sz="1200" b="0">
+                <a:solidFill>
+                  <a:srgbClr val="CB4B16"/>
+                </a:solidFill>
+                <a:effectLst/>
+                <a:latin typeface="Consolas" panose="020B0609020204030204" pitchFamily="49" charset="0"/>
+              </a:rPr>
+              <a:t>Instruction</a:t>
+            </a:r>
+            <a:r>
+              <a:rPr lang="en-US" altLang="ko-KR" sz="1200" b="0">
+                <a:solidFill>
+                  <a:srgbClr val="657B83"/>
+                </a:solidFill>
+                <a:effectLst/>
+                <a:latin typeface="Consolas" panose="020B0609020204030204" pitchFamily="49" charset="0"/>
+              </a:rPr>
+              <a:t>::Store) {</a:t>
+            </a:r>
+          </a:p>
+          <a:p>
+            <a:pPr>
+              <a:lnSpc>
+                <a:spcPct val="90000"/>
+              </a:lnSpc>
+            </a:pPr>
+            <a:r>
+              <a:rPr lang="en-US" altLang="ko-KR" sz="1200" b="0">
+                <a:solidFill>
+                  <a:srgbClr val="657B83"/>
+                </a:solidFill>
+                <a:effectLst/>
+                <a:latin typeface="Consolas" panose="020B0609020204030204" pitchFamily="49" charset="0"/>
+              </a:rPr>
+              <a:t>            </a:t>
+            </a:r>
+            <a:r>
+              <a:rPr lang="en-US" altLang="ko-KR" sz="1200" b="0">
+                <a:solidFill>
+                  <a:srgbClr val="859900"/>
+                </a:solidFill>
+                <a:effectLst/>
+                <a:latin typeface="Consolas" panose="020B0609020204030204" pitchFamily="49" charset="0"/>
+              </a:rPr>
+              <a:t>if</a:t>
+            </a:r>
+            <a:r>
+              <a:rPr lang="en-US" altLang="ko-KR" sz="1200" b="0">
+                <a:solidFill>
+                  <a:srgbClr val="657B83"/>
+                </a:solidFill>
+                <a:effectLst/>
+                <a:latin typeface="Consolas" panose="020B0609020204030204" pitchFamily="49" charset="0"/>
+              </a:rPr>
+              <a:t> (</a:t>
+            </a:r>
+            <a:r>
+              <a:rPr lang="en-US" altLang="ko-KR" sz="1200" b="0">
+                <a:solidFill>
+                  <a:srgbClr val="268BD2"/>
+                </a:solidFill>
+                <a:effectLst/>
+                <a:latin typeface="Consolas" panose="020B0609020204030204" pitchFamily="49" charset="0"/>
+              </a:rPr>
+              <a:t>i</a:t>
+            </a:r>
+            <a:r>
+              <a:rPr lang="en-US" altLang="ko-KR" sz="1200" b="0">
+                <a:solidFill>
+                  <a:srgbClr val="657B83"/>
+                </a:solidFill>
+                <a:effectLst/>
+                <a:latin typeface="Consolas" panose="020B0609020204030204" pitchFamily="49" charset="0"/>
+              </a:rPr>
+              <a:t>-&gt;</a:t>
+            </a:r>
+            <a:r>
+              <a:rPr lang="en-US" altLang="ko-KR" sz="1200" b="0">
+                <a:solidFill>
+                  <a:srgbClr val="268BD2"/>
+                </a:solidFill>
+                <a:effectLst/>
+                <a:latin typeface="Consolas" panose="020B0609020204030204" pitchFamily="49" charset="0"/>
+              </a:rPr>
+              <a:t>getOperand</a:t>
+            </a:r>
+            <a:r>
+              <a:rPr lang="en-US" altLang="ko-KR" sz="1200" b="0">
+                <a:solidFill>
+                  <a:srgbClr val="657B83"/>
+                </a:solidFill>
+                <a:effectLst/>
+                <a:latin typeface="Consolas" panose="020B0609020204030204" pitchFamily="49" charset="0"/>
+              </a:rPr>
+              <a:t>(</a:t>
+            </a:r>
+            <a:r>
+              <a:rPr lang="en-US" altLang="ko-KR" sz="1200" b="0">
+                <a:solidFill>
+                  <a:srgbClr val="D33682"/>
+                </a:solidFill>
+                <a:effectLst/>
+                <a:latin typeface="Consolas" panose="020B0609020204030204" pitchFamily="49" charset="0"/>
+              </a:rPr>
+              <a:t>0</a:t>
+            </a:r>
+            <a:r>
+              <a:rPr lang="en-US" altLang="ko-KR" sz="1200" b="0">
+                <a:solidFill>
+                  <a:srgbClr val="657B83"/>
+                </a:solidFill>
+                <a:effectLst/>
+                <a:latin typeface="Consolas" panose="020B0609020204030204" pitchFamily="49" charset="0"/>
+              </a:rPr>
+              <a:t>)-&gt;</a:t>
+            </a:r>
+            <a:r>
+              <a:rPr lang="en-US" altLang="ko-KR" sz="1200" b="0">
+                <a:solidFill>
+                  <a:srgbClr val="268BD2"/>
+                </a:solidFill>
+                <a:effectLst/>
+                <a:latin typeface="Consolas" panose="020B0609020204030204" pitchFamily="49" charset="0"/>
+              </a:rPr>
+              <a:t>getType</a:t>
+            </a:r>
+            <a:r>
+              <a:rPr lang="en-US" altLang="ko-KR" sz="1200" b="0">
+                <a:solidFill>
+                  <a:srgbClr val="657B83"/>
+                </a:solidFill>
+                <a:effectLst/>
+                <a:latin typeface="Consolas" panose="020B0609020204030204" pitchFamily="49" charset="0"/>
+              </a:rPr>
+              <a:t>() </a:t>
+            </a:r>
+            <a:r>
+              <a:rPr lang="en-US" altLang="ko-KR" sz="1200" b="0">
+                <a:solidFill>
+                  <a:srgbClr val="859900"/>
+                </a:solidFill>
+                <a:effectLst/>
+                <a:latin typeface="Consolas" panose="020B0609020204030204" pitchFamily="49" charset="0"/>
+              </a:rPr>
+              <a:t>==</a:t>
+            </a:r>
+            <a:r>
+              <a:rPr lang="en-US" altLang="ko-KR" sz="1200" b="0">
+                <a:solidFill>
+                  <a:srgbClr val="657B83"/>
+                </a:solidFill>
+                <a:effectLst/>
+                <a:latin typeface="Consolas" panose="020B0609020204030204" pitchFamily="49" charset="0"/>
+              </a:rPr>
+              <a:t> intTy) {</a:t>
+            </a:r>
+          </a:p>
+          <a:p>
+            <a:pPr>
+              <a:lnSpc>
+                <a:spcPct val="90000"/>
+              </a:lnSpc>
+            </a:pPr>
+            <a:r>
+              <a:rPr lang="en-US" altLang="ko-KR" sz="1200" b="0">
+                <a:solidFill>
+                  <a:srgbClr val="657B83"/>
+                </a:solidFill>
+                <a:effectLst/>
+                <a:latin typeface="Consolas" panose="020B0609020204030204" pitchFamily="49" charset="0"/>
+              </a:rPr>
+              <a:t>                StoreInst </a:t>
+            </a:r>
+            <a:r>
+              <a:rPr lang="en-US" altLang="ko-KR" sz="1200" b="0">
+                <a:solidFill>
+                  <a:srgbClr val="859900"/>
+                </a:solidFill>
+                <a:effectLst/>
+                <a:latin typeface="Consolas" panose="020B0609020204030204" pitchFamily="49" charset="0"/>
+              </a:rPr>
+              <a:t>*</a:t>
+            </a:r>
+            <a:r>
+              <a:rPr lang="en-US" altLang="ko-KR" sz="1200" b="0">
+                <a:solidFill>
+                  <a:srgbClr val="657B83"/>
+                </a:solidFill>
+                <a:effectLst/>
+                <a:latin typeface="Consolas" panose="020B0609020204030204" pitchFamily="49" charset="0"/>
+              </a:rPr>
+              <a:t> st </a:t>
+            </a:r>
+            <a:r>
+              <a:rPr lang="en-US" altLang="ko-KR" sz="1200" b="0">
+                <a:solidFill>
+                  <a:srgbClr val="859900"/>
+                </a:solidFill>
+                <a:effectLst/>
+                <a:latin typeface="Consolas" panose="020B0609020204030204" pitchFamily="49" charset="0"/>
+              </a:rPr>
+              <a:t>=</a:t>
+            </a:r>
+            <a:r>
+              <a:rPr lang="en-US" altLang="ko-KR" sz="1200" b="0">
+                <a:solidFill>
+                  <a:srgbClr val="657B83"/>
+                </a:solidFill>
+                <a:effectLst/>
+                <a:latin typeface="Consolas" panose="020B0609020204030204" pitchFamily="49" charset="0"/>
+              </a:rPr>
+              <a:t> </a:t>
+            </a:r>
+            <a:r>
+              <a:rPr lang="en-US" altLang="ko-KR" sz="1200" b="0">
+                <a:solidFill>
+                  <a:srgbClr val="268BD2"/>
+                </a:solidFill>
+                <a:effectLst/>
+                <a:latin typeface="Consolas" panose="020B0609020204030204" pitchFamily="49" charset="0"/>
+              </a:rPr>
+              <a:t>dyn_cast</a:t>
+            </a:r>
+            <a:r>
+              <a:rPr lang="en-US" altLang="ko-KR" sz="1200" b="0">
+                <a:solidFill>
+                  <a:srgbClr val="657B83"/>
+                </a:solidFill>
+                <a:effectLst/>
+                <a:latin typeface="Consolas" panose="020B0609020204030204" pitchFamily="49" charset="0"/>
+              </a:rPr>
+              <a:t>&lt;</a:t>
+            </a:r>
+            <a:r>
+              <a:rPr lang="en-US" altLang="ko-KR" sz="1200" b="0">
+                <a:solidFill>
+                  <a:srgbClr val="CB4B16"/>
+                </a:solidFill>
+                <a:effectLst/>
+                <a:latin typeface="Consolas" panose="020B0609020204030204" pitchFamily="49" charset="0"/>
+              </a:rPr>
+              <a:t>StoreInst</a:t>
+            </a:r>
+            <a:r>
+              <a:rPr lang="en-US" altLang="ko-KR" sz="1200" b="0">
+                <a:solidFill>
+                  <a:srgbClr val="657B83"/>
+                </a:solidFill>
+                <a:effectLst/>
+                <a:latin typeface="Consolas" panose="020B0609020204030204" pitchFamily="49" charset="0"/>
+              </a:rPr>
+              <a:t>&gt;(i) ;</a:t>
+            </a:r>
+          </a:p>
+          <a:p>
+            <a:pPr>
+              <a:lnSpc>
+                <a:spcPct val="90000"/>
+              </a:lnSpc>
+            </a:pPr>
+            <a:br>
+              <a:rPr lang="en-US" altLang="ko-KR" sz="1200" b="0">
+                <a:solidFill>
+                  <a:srgbClr val="657B83"/>
+                </a:solidFill>
+                <a:effectLst/>
+                <a:latin typeface="Consolas" panose="020B0609020204030204" pitchFamily="49" charset="0"/>
+              </a:rPr>
+            </a:br>
+            <a:r>
+              <a:rPr lang="en-US" altLang="ko-KR" sz="1200" b="0" i="1">
+                <a:solidFill>
+                  <a:srgbClr val="93A1A1"/>
+                </a:solidFill>
+                <a:effectLst/>
+                <a:latin typeface="Consolas" panose="020B0609020204030204" pitchFamily="49" charset="0"/>
+              </a:rPr>
+              <a:t>                /* add a function call to _probe_ right before</a:t>
+            </a:r>
+            <a:endParaRPr lang="en-US" altLang="ko-KR" sz="1200" b="0">
+              <a:solidFill>
+                <a:srgbClr val="657B83"/>
+              </a:solidFill>
+              <a:effectLst/>
+              <a:latin typeface="Consolas" panose="020B0609020204030204" pitchFamily="49" charset="0"/>
+            </a:endParaRPr>
+          </a:p>
+          <a:p>
+            <a:pPr>
+              <a:lnSpc>
+                <a:spcPct val="90000"/>
+              </a:lnSpc>
+            </a:pPr>
+            <a:r>
+              <a:rPr lang="en-US" altLang="ko-KR" sz="1200" b="0" i="1">
+                <a:solidFill>
+                  <a:srgbClr val="93A1A1"/>
+                </a:solidFill>
+                <a:effectLst/>
+                <a:latin typeface="Consolas" panose="020B0609020204030204" pitchFamily="49" charset="0"/>
+              </a:rPr>
+              <a:t>                 * a store instruction on an integer variable. */</a:t>
+            </a:r>
+            <a:endParaRPr lang="en-US" altLang="ko-KR" sz="1200" b="0">
+              <a:solidFill>
+                <a:srgbClr val="657B83"/>
+              </a:solidFill>
+              <a:effectLst/>
+              <a:latin typeface="Consolas" panose="020B0609020204030204" pitchFamily="49" charset="0"/>
+            </a:endParaRPr>
+          </a:p>
+          <a:p>
+            <a:pPr>
+              <a:lnSpc>
+                <a:spcPct val="90000"/>
+              </a:lnSpc>
+            </a:pPr>
+            <a:br>
+              <a:rPr lang="en-US" altLang="ko-KR" sz="1200" b="0">
+                <a:solidFill>
+                  <a:srgbClr val="657B83"/>
+                </a:solidFill>
+                <a:effectLst/>
+                <a:latin typeface="Consolas" panose="020B0609020204030204" pitchFamily="49" charset="0"/>
+              </a:rPr>
+            </a:br>
+            <a:r>
+              <a:rPr lang="en-US" altLang="ko-KR" sz="1200" b="0">
+                <a:solidFill>
+                  <a:srgbClr val="657B83"/>
+                </a:solidFill>
+                <a:effectLst/>
+                <a:latin typeface="Consolas" panose="020B0609020204030204" pitchFamily="49" charset="0"/>
+              </a:rPr>
+              <a:t>                </a:t>
+            </a:r>
+            <a:r>
+              <a:rPr lang="en-US" altLang="ko-KR" sz="1200" b="1">
+                <a:solidFill>
+                  <a:srgbClr val="586E75"/>
+                </a:solidFill>
+                <a:effectLst/>
+                <a:latin typeface="Consolas" panose="020B0609020204030204" pitchFamily="49" charset="0"/>
+              </a:rPr>
+              <a:t>const</a:t>
+            </a:r>
+            <a:r>
+              <a:rPr lang="en-US" altLang="ko-KR" sz="1200" b="0">
+                <a:solidFill>
+                  <a:srgbClr val="657B83"/>
+                </a:solidFill>
+                <a:effectLst/>
+                <a:latin typeface="Consolas" panose="020B0609020204030204" pitchFamily="49" charset="0"/>
+              </a:rPr>
+              <a:t> DebugLoc </a:t>
+            </a:r>
+            <a:r>
+              <a:rPr lang="en-US" altLang="ko-KR" sz="1200" b="0">
+                <a:solidFill>
+                  <a:srgbClr val="859900"/>
+                </a:solidFill>
+                <a:effectLst/>
+                <a:latin typeface="Consolas" panose="020B0609020204030204" pitchFamily="49" charset="0"/>
+              </a:rPr>
+              <a:t>&amp;</a:t>
+            </a:r>
+            <a:r>
+              <a:rPr lang="en-US" altLang="ko-KR" sz="1200" b="0">
+                <a:solidFill>
+                  <a:srgbClr val="657B83"/>
+                </a:solidFill>
+                <a:effectLst/>
+                <a:latin typeface="Consolas" panose="020B0609020204030204" pitchFamily="49" charset="0"/>
+              </a:rPr>
+              <a:t>debugloc </a:t>
+            </a:r>
+            <a:r>
+              <a:rPr lang="en-US" altLang="ko-KR" sz="1200" b="0">
+                <a:solidFill>
+                  <a:srgbClr val="859900"/>
+                </a:solidFill>
+                <a:effectLst/>
+                <a:latin typeface="Consolas" panose="020B0609020204030204" pitchFamily="49" charset="0"/>
+              </a:rPr>
+              <a:t>=</a:t>
+            </a:r>
+            <a:r>
+              <a:rPr lang="en-US" altLang="ko-KR" sz="1200" b="0">
+                <a:solidFill>
+                  <a:srgbClr val="657B83"/>
+                </a:solidFill>
+                <a:effectLst/>
+                <a:latin typeface="Consolas" panose="020B0609020204030204" pitchFamily="49" charset="0"/>
+              </a:rPr>
+              <a:t> </a:t>
+            </a:r>
+            <a:r>
+              <a:rPr lang="en-US" altLang="ko-KR" sz="1200" b="0">
+                <a:solidFill>
+                  <a:srgbClr val="268BD2"/>
+                </a:solidFill>
+                <a:effectLst/>
+                <a:latin typeface="Consolas" panose="020B0609020204030204" pitchFamily="49" charset="0"/>
+              </a:rPr>
+              <a:t>st</a:t>
+            </a:r>
+            <a:r>
+              <a:rPr lang="en-US" altLang="ko-KR" sz="1200" b="0">
+                <a:solidFill>
+                  <a:srgbClr val="657B83"/>
+                </a:solidFill>
+                <a:effectLst/>
+                <a:latin typeface="Consolas" panose="020B0609020204030204" pitchFamily="49" charset="0"/>
+              </a:rPr>
+              <a:t>-&gt;</a:t>
+            </a:r>
+            <a:r>
+              <a:rPr lang="en-US" altLang="ko-KR" sz="1200" b="0">
+                <a:solidFill>
+                  <a:srgbClr val="268BD2"/>
+                </a:solidFill>
+                <a:effectLst/>
+                <a:latin typeface="Consolas" panose="020B0609020204030204" pitchFamily="49" charset="0"/>
+              </a:rPr>
+              <a:t>getDebugLoc</a:t>
+            </a:r>
+            <a:r>
+              <a:rPr lang="en-US" altLang="ko-KR" sz="1200" b="0">
+                <a:solidFill>
+                  <a:srgbClr val="657B83"/>
+                </a:solidFill>
+                <a:effectLst/>
+                <a:latin typeface="Consolas" panose="020B0609020204030204" pitchFamily="49" charset="0"/>
+              </a:rPr>
+              <a:t>();</a:t>
+            </a:r>
+          </a:p>
+          <a:p>
+            <a:pPr>
+              <a:lnSpc>
+                <a:spcPct val="90000"/>
+              </a:lnSpc>
+            </a:pPr>
+            <a:br>
+              <a:rPr lang="en-US" altLang="ko-KR" sz="1200" b="0">
+                <a:solidFill>
+                  <a:srgbClr val="657B83"/>
+                </a:solidFill>
+                <a:effectLst/>
+                <a:latin typeface="Consolas" panose="020B0609020204030204" pitchFamily="49" charset="0"/>
+              </a:rPr>
+            </a:br>
+            <a:r>
+              <a:rPr lang="en-US" altLang="ko-KR" sz="1200" b="0">
+                <a:solidFill>
+                  <a:srgbClr val="657B83"/>
+                </a:solidFill>
+                <a:effectLst/>
+                <a:latin typeface="Consolas" panose="020B0609020204030204" pitchFamily="49" charset="0"/>
+              </a:rPr>
+              <a:t>                </a:t>
+            </a:r>
+            <a:r>
+              <a:rPr lang="en-US" altLang="ko-KR" sz="1200" b="1">
+                <a:solidFill>
+                  <a:srgbClr val="586E75"/>
+                </a:solidFill>
+                <a:effectLst/>
+                <a:latin typeface="Consolas" panose="020B0609020204030204" pitchFamily="49" charset="0"/>
+              </a:rPr>
+              <a:t>int</a:t>
+            </a:r>
+            <a:r>
+              <a:rPr lang="en-US" altLang="ko-KR" sz="1200" b="0">
+                <a:solidFill>
+                  <a:srgbClr val="657B83"/>
+                </a:solidFill>
+                <a:effectLst/>
+                <a:latin typeface="Consolas" panose="020B0609020204030204" pitchFamily="49" charset="0"/>
+              </a:rPr>
+              <a:t> loc </a:t>
+            </a:r>
+            <a:r>
+              <a:rPr lang="en-US" altLang="ko-KR" sz="1200" b="0">
+                <a:solidFill>
+                  <a:srgbClr val="859900"/>
+                </a:solidFill>
+                <a:effectLst/>
+                <a:latin typeface="Consolas" panose="020B0609020204030204" pitchFamily="49" charset="0"/>
+              </a:rPr>
+              <a:t>=</a:t>
+            </a:r>
+            <a:r>
+              <a:rPr lang="en-US" altLang="ko-KR" sz="1200" b="0">
+                <a:solidFill>
+                  <a:srgbClr val="657B83"/>
+                </a:solidFill>
+                <a:effectLst/>
+                <a:latin typeface="Consolas" panose="020B0609020204030204" pitchFamily="49" charset="0"/>
+              </a:rPr>
+              <a:t> </a:t>
+            </a:r>
+            <a:r>
+              <a:rPr lang="en-US" altLang="ko-KR" sz="1200" b="0">
+                <a:solidFill>
+                  <a:srgbClr val="859900"/>
+                </a:solidFill>
+                <a:effectLst/>
+                <a:latin typeface="Consolas" panose="020B0609020204030204" pitchFamily="49" charset="0"/>
+              </a:rPr>
+              <a:t>-</a:t>
+            </a:r>
+            <a:r>
+              <a:rPr lang="en-US" altLang="ko-KR" sz="1200" b="0">
+                <a:solidFill>
+                  <a:srgbClr val="D33682"/>
+                </a:solidFill>
+                <a:effectLst/>
+                <a:latin typeface="Consolas" panose="020B0609020204030204" pitchFamily="49" charset="0"/>
+              </a:rPr>
+              <a:t>1</a:t>
+            </a:r>
+            <a:r>
+              <a:rPr lang="en-US" altLang="ko-KR" sz="1200" b="0">
+                <a:solidFill>
+                  <a:srgbClr val="657B83"/>
+                </a:solidFill>
+                <a:effectLst/>
+                <a:latin typeface="Consolas" panose="020B0609020204030204" pitchFamily="49" charset="0"/>
+              </a:rPr>
+              <a:t>;</a:t>
+            </a:r>
+          </a:p>
+          <a:p>
+            <a:pPr>
+              <a:lnSpc>
+                <a:spcPct val="90000"/>
+              </a:lnSpc>
+            </a:pPr>
+            <a:r>
+              <a:rPr lang="en-US" altLang="ko-KR" sz="1200" b="0">
+                <a:solidFill>
+                  <a:srgbClr val="657B83"/>
+                </a:solidFill>
+                <a:effectLst/>
+                <a:latin typeface="Consolas" panose="020B0609020204030204" pitchFamily="49" charset="0"/>
+              </a:rPr>
+              <a:t>                </a:t>
+            </a:r>
+            <a:r>
+              <a:rPr lang="en-US" altLang="ko-KR" sz="1200" b="0">
+                <a:solidFill>
+                  <a:srgbClr val="859900"/>
+                </a:solidFill>
+                <a:effectLst/>
+                <a:latin typeface="Consolas" panose="020B0609020204030204" pitchFamily="49" charset="0"/>
+              </a:rPr>
+              <a:t>if</a:t>
+            </a:r>
+            <a:r>
+              <a:rPr lang="en-US" altLang="ko-KR" sz="1200" b="0">
+                <a:solidFill>
+                  <a:srgbClr val="657B83"/>
+                </a:solidFill>
+                <a:effectLst/>
+                <a:latin typeface="Consolas" panose="020B0609020204030204" pitchFamily="49" charset="0"/>
+              </a:rPr>
+              <a:t> (debugloc) { loc </a:t>
+            </a:r>
+            <a:r>
+              <a:rPr lang="en-US" altLang="ko-KR" sz="1200" b="0">
+                <a:solidFill>
+                  <a:srgbClr val="859900"/>
+                </a:solidFill>
+                <a:effectLst/>
+                <a:latin typeface="Consolas" panose="020B0609020204030204" pitchFamily="49" charset="0"/>
+              </a:rPr>
+              <a:t>=</a:t>
+            </a:r>
+            <a:r>
+              <a:rPr lang="en-US" altLang="ko-KR" sz="1200" b="0">
+                <a:solidFill>
+                  <a:srgbClr val="657B83"/>
+                </a:solidFill>
+                <a:effectLst/>
+                <a:latin typeface="Consolas" panose="020B0609020204030204" pitchFamily="49" charset="0"/>
+              </a:rPr>
+              <a:t> </a:t>
+            </a:r>
+            <a:r>
+              <a:rPr lang="en-US" altLang="ko-KR" sz="1200" b="0">
+                <a:solidFill>
+                  <a:srgbClr val="268BD2"/>
+                </a:solidFill>
+                <a:effectLst/>
+                <a:latin typeface="Consolas" panose="020B0609020204030204" pitchFamily="49" charset="0"/>
+              </a:rPr>
+              <a:t>debugloc</a:t>
+            </a:r>
+            <a:r>
+              <a:rPr lang="en-US" altLang="ko-KR" sz="1200" b="0">
+                <a:solidFill>
+                  <a:srgbClr val="657B83"/>
+                </a:solidFill>
+                <a:effectLst/>
+                <a:latin typeface="Consolas" panose="020B0609020204030204" pitchFamily="49" charset="0"/>
+              </a:rPr>
+              <a:t>.</a:t>
+            </a:r>
+            <a:r>
+              <a:rPr lang="en-US" altLang="ko-KR" sz="1200" b="0">
+                <a:solidFill>
+                  <a:srgbClr val="268BD2"/>
+                </a:solidFill>
+                <a:effectLst/>
+                <a:latin typeface="Consolas" panose="020B0609020204030204" pitchFamily="49" charset="0"/>
+              </a:rPr>
+              <a:t>getLine</a:t>
+            </a:r>
+            <a:r>
+              <a:rPr lang="en-US" altLang="ko-KR" sz="1200" b="0">
+                <a:solidFill>
+                  <a:srgbClr val="657B83"/>
+                </a:solidFill>
+                <a:effectLst/>
+                <a:latin typeface="Consolas" panose="020B0609020204030204" pitchFamily="49" charset="0"/>
+              </a:rPr>
+              <a:t>(); }</a:t>
+            </a:r>
+          </a:p>
+          <a:p>
+            <a:pPr>
+              <a:lnSpc>
+                <a:spcPct val="90000"/>
+              </a:lnSpc>
+            </a:pPr>
+            <a:br>
+              <a:rPr lang="en-US" altLang="ko-KR" sz="1200" b="0">
+                <a:solidFill>
+                  <a:srgbClr val="657B83"/>
+                </a:solidFill>
+                <a:effectLst/>
+                <a:latin typeface="Consolas" panose="020B0609020204030204" pitchFamily="49" charset="0"/>
+              </a:rPr>
+            </a:br>
+            <a:r>
+              <a:rPr lang="en-US" altLang="ko-KR" sz="1200" b="0">
+                <a:solidFill>
+                  <a:srgbClr val="657B83"/>
+                </a:solidFill>
+                <a:effectLst/>
+                <a:latin typeface="Consolas" panose="020B0609020204030204" pitchFamily="49" charset="0"/>
+              </a:rPr>
+              <a:t>                Value </a:t>
+            </a:r>
+            <a:r>
+              <a:rPr lang="en-US" altLang="ko-KR" sz="1200" b="0">
+                <a:solidFill>
+                  <a:srgbClr val="859900"/>
+                </a:solidFill>
+                <a:effectLst/>
+                <a:latin typeface="Consolas" panose="020B0609020204030204" pitchFamily="49" charset="0"/>
+              </a:rPr>
+              <a:t>*</a:t>
+            </a:r>
+            <a:r>
+              <a:rPr lang="en-US" altLang="ko-KR" sz="1200" b="0">
+                <a:solidFill>
+                  <a:srgbClr val="657B83"/>
+                </a:solidFill>
+                <a:effectLst/>
+                <a:latin typeface="Consolas" panose="020B0609020204030204" pitchFamily="49" charset="0"/>
+              </a:rPr>
+              <a:t> val </a:t>
+            </a:r>
+            <a:r>
+              <a:rPr lang="en-US" altLang="ko-KR" sz="1200" b="0">
+                <a:solidFill>
+                  <a:srgbClr val="859900"/>
+                </a:solidFill>
+                <a:effectLst/>
+                <a:latin typeface="Consolas" panose="020B0609020204030204" pitchFamily="49" charset="0"/>
+              </a:rPr>
+              <a:t>=</a:t>
+            </a:r>
+            <a:r>
+              <a:rPr lang="en-US" altLang="ko-KR" sz="1200" b="0">
+                <a:solidFill>
+                  <a:srgbClr val="657B83"/>
+                </a:solidFill>
+                <a:effectLst/>
+                <a:latin typeface="Consolas" panose="020B0609020204030204" pitchFamily="49" charset="0"/>
+              </a:rPr>
+              <a:t> </a:t>
+            </a:r>
+            <a:r>
+              <a:rPr lang="en-US" altLang="ko-KR" sz="1200" b="0">
+                <a:solidFill>
+                  <a:srgbClr val="268BD2"/>
+                </a:solidFill>
+                <a:effectLst/>
+                <a:latin typeface="Consolas" panose="020B0609020204030204" pitchFamily="49" charset="0"/>
+              </a:rPr>
+              <a:t>st</a:t>
+            </a:r>
+            <a:r>
+              <a:rPr lang="en-US" altLang="ko-KR" sz="1200" b="0">
+                <a:solidFill>
+                  <a:srgbClr val="657B83"/>
+                </a:solidFill>
+                <a:effectLst/>
+                <a:latin typeface="Consolas" panose="020B0609020204030204" pitchFamily="49" charset="0"/>
+              </a:rPr>
+              <a:t>-&gt;</a:t>
+            </a:r>
+            <a:r>
+              <a:rPr lang="en-US" altLang="ko-KR" sz="1200" b="0">
+                <a:solidFill>
+                  <a:srgbClr val="268BD2"/>
+                </a:solidFill>
+                <a:effectLst/>
+                <a:latin typeface="Consolas" panose="020B0609020204030204" pitchFamily="49" charset="0"/>
+              </a:rPr>
+              <a:t>getOperand</a:t>
+            </a:r>
+            <a:r>
+              <a:rPr lang="en-US" altLang="ko-KR" sz="1200" b="0">
+                <a:solidFill>
+                  <a:srgbClr val="657B83"/>
+                </a:solidFill>
+                <a:effectLst/>
+                <a:latin typeface="Consolas" panose="020B0609020204030204" pitchFamily="49" charset="0"/>
+              </a:rPr>
+              <a:t>(</a:t>
+            </a:r>
+            <a:r>
+              <a:rPr lang="en-US" altLang="ko-KR" sz="1200" b="0">
+                <a:solidFill>
+                  <a:srgbClr val="D33682"/>
+                </a:solidFill>
+                <a:effectLst/>
+                <a:latin typeface="Consolas" panose="020B0609020204030204" pitchFamily="49" charset="0"/>
+              </a:rPr>
+              <a:t>0</a:t>
+            </a:r>
+            <a:r>
+              <a:rPr lang="en-US" altLang="ko-KR" sz="1200" b="0">
+                <a:solidFill>
+                  <a:srgbClr val="657B83"/>
+                </a:solidFill>
+                <a:effectLst/>
+                <a:latin typeface="Consolas" panose="020B0609020204030204" pitchFamily="49" charset="0"/>
+              </a:rPr>
+              <a:t>) ;</a:t>
+            </a:r>
+            <a:r>
+              <a:rPr lang="en-US" altLang="ko-KR" sz="1200" b="0" i="1">
+                <a:solidFill>
+                  <a:srgbClr val="93A1A1"/>
+                </a:solidFill>
+                <a:effectLst/>
+                <a:latin typeface="Consolas" panose="020B0609020204030204" pitchFamily="49" charset="0"/>
+              </a:rPr>
+              <a:t> // the value to be assigned.</a:t>
+            </a:r>
+            <a:endParaRPr lang="en-US" altLang="ko-KR" sz="1200" b="0">
+              <a:solidFill>
+                <a:srgbClr val="657B83"/>
+              </a:solidFill>
+              <a:effectLst/>
+              <a:latin typeface="Consolas" panose="020B0609020204030204" pitchFamily="49" charset="0"/>
+            </a:endParaRPr>
+          </a:p>
+          <a:p>
+            <a:pPr>
+              <a:lnSpc>
+                <a:spcPct val="90000"/>
+              </a:lnSpc>
+            </a:pPr>
+            <a:br>
+              <a:rPr lang="en-US" altLang="ko-KR" sz="1200" b="0">
+                <a:solidFill>
+                  <a:srgbClr val="657B83"/>
+                </a:solidFill>
+                <a:effectLst/>
+                <a:latin typeface="Consolas" panose="020B0609020204030204" pitchFamily="49" charset="0"/>
+              </a:rPr>
+            </a:br>
+            <a:r>
+              <a:rPr lang="en-US" altLang="ko-KR" sz="1200" b="0">
+                <a:solidFill>
+                  <a:srgbClr val="657B83"/>
+                </a:solidFill>
+                <a:effectLst/>
+                <a:latin typeface="Consolas" panose="020B0609020204030204" pitchFamily="49" charset="0"/>
+              </a:rPr>
+              <a:t>                </a:t>
+            </a:r>
+            <a:r>
+              <a:rPr lang="en-US" altLang="ko-KR" sz="1200" b="0">
+                <a:solidFill>
+                  <a:srgbClr val="268BD2"/>
+                </a:solidFill>
+                <a:effectLst/>
+                <a:latin typeface="Consolas" panose="020B0609020204030204" pitchFamily="49" charset="0"/>
+              </a:rPr>
+              <a:t>IRB</a:t>
+            </a:r>
+            <a:r>
+              <a:rPr lang="en-US" altLang="ko-KR" sz="1200" b="0">
+                <a:solidFill>
+                  <a:srgbClr val="657B83"/>
+                </a:solidFill>
+                <a:effectLst/>
+                <a:latin typeface="Consolas" panose="020B0609020204030204" pitchFamily="49" charset="0"/>
+              </a:rPr>
+              <a:t>-&gt;</a:t>
+            </a:r>
+            <a:r>
+              <a:rPr lang="en-US" altLang="ko-KR" sz="1200" b="0">
+                <a:solidFill>
+                  <a:srgbClr val="268BD2"/>
+                </a:solidFill>
+                <a:effectLst/>
+                <a:latin typeface="Consolas" panose="020B0609020204030204" pitchFamily="49" charset="0"/>
+              </a:rPr>
+              <a:t>SetInsertPoint</a:t>
+            </a:r>
+            <a:r>
+              <a:rPr lang="en-US" altLang="ko-KR" sz="1200" b="0">
+                <a:solidFill>
+                  <a:srgbClr val="657B83"/>
+                </a:solidFill>
+                <a:effectLst/>
+                <a:latin typeface="Consolas" panose="020B0609020204030204" pitchFamily="49" charset="0"/>
+              </a:rPr>
+              <a:t>(</a:t>
+            </a:r>
+            <a:r>
+              <a:rPr lang="en-US" altLang="ko-KR" sz="1200" b="0">
+                <a:solidFill>
+                  <a:srgbClr val="859900"/>
+                </a:solidFill>
+                <a:effectLst/>
+                <a:latin typeface="Consolas" panose="020B0609020204030204" pitchFamily="49" charset="0"/>
+              </a:rPr>
+              <a:t>&amp;</a:t>
+            </a:r>
+            <a:r>
+              <a:rPr lang="en-US" altLang="ko-KR" sz="1200" b="0">
+                <a:solidFill>
+                  <a:srgbClr val="657B83"/>
+                </a:solidFill>
+                <a:effectLst/>
+                <a:latin typeface="Consolas" panose="020B0609020204030204" pitchFamily="49" charset="0"/>
+              </a:rPr>
+              <a:t>(</a:t>
+            </a:r>
+            <a:r>
+              <a:rPr lang="en-US" altLang="ko-KR" sz="1200" b="0">
+                <a:solidFill>
+                  <a:srgbClr val="859900"/>
+                </a:solidFill>
+                <a:effectLst/>
+                <a:latin typeface="Consolas" panose="020B0609020204030204" pitchFamily="49" charset="0"/>
+              </a:rPr>
+              <a:t>*</a:t>
+            </a:r>
+            <a:r>
+              <a:rPr lang="en-US" altLang="ko-KR" sz="1200" b="0">
+                <a:solidFill>
+                  <a:srgbClr val="657B83"/>
+                </a:solidFill>
+                <a:effectLst/>
+                <a:latin typeface="Consolas" panose="020B0609020204030204" pitchFamily="49" charset="0"/>
+              </a:rPr>
+              <a:t>i));</a:t>
+            </a:r>
+          </a:p>
+          <a:p>
+            <a:pPr>
+              <a:lnSpc>
+                <a:spcPct val="90000"/>
+              </a:lnSpc>
+            </a:pPr>
+            <a:br>
+              <a:rPr lang="en-US" altLang="ko-KR" sz="1200" b="0">
+                <a:solidFill>
+                  <a:srgbClr val="657B83"/>
+                </a:solidFill>
+                <a:effectLst/>
+                <a:latin typeface="Consolas" panose="020B0609020204030204" pitchFamily="49" charset="0"/>
+              </a:rPr>
+            </a:br>
+            <a:r>
+              <a:rPr lang="en-US" altLang="ko-KR" sz="1200" b="0">
+                <a:solidFill>
+                  <a:srgbClr val="657B83"/>
+                </a:solidFill>
+                <a:effectLst/>
+                <a:latin typeface="Consolas" panose="020B0609020204030204" pitchFamily="49" charset="0"/>
+              </a:rPr>
+              <a:t>                Value </a:t>
+            </a:r>
+            <a:r>
+              <a:rPr lang="en-US" altLang="ko-KR" sz="1200" b="0">
+                <a:solidFill>
+                  <a:srgbClr val="859900"/>
+                </a:solidFill>
+                <a:effectLst/>
+                <a:latin typeface="Consolas" panose="020B0609020204030204" pitchFamily="49" charset="0"/>
+              </a:rPr>
+              <a:t>*</a:t>
+            </a:r>
+            <a:r>
+              <a:rPr lang="en-US" altLang="ko-KR" sz="1200" b="0">
+                <a:solidFill>
+                  <a:srgbClr val="657B83"/>
+                </a:solidFill>
+                <a:effectLst/>
+                <a:latin typeface="Consolas" panose="020B0609020204030204" pitchFamily="49" charset="0"/>
+              </a:rPr>
+              <a:t> </a:t>
+            </a:r>
+            <a:r>
+              <a:rPr lang="en-US" altLang="ko-KR" sz="1200" b="0">
+                <a:solidFill>
+                  <a:srgbClr val="268BD2"/>
+                </a:solidFill>
+                <a:effectLst/>
+                <a:latin typeface="Consolas" panose="020B0609020204030204" pitchFamily="49" charset="0"/>
+              </a:rPr>
+              <a:t>args</a:t>
+            </a:r>
+            <a:r>
+              <a:rPr lang="en-US" altLang="ko-KR" sz="1200" b="0">
+                <a:solidFill>
+                  <a:srgbClr val="657B83"/>
+                </a:solidFill>
+                <a:effectLst/>
+                <a:latin typeface="Consolas" panose="020B0609020204030204" pitchFamily="49" charset="0"/>
+              </a:rPr>
+              <a:t>[</a:t>
+            </a:r>
+            <a:r>
+              <a:rPr lang="en-US" altLang="ko-KR" sz="1200" b="0">
+                <a:solidFill>
+                  <a:srgbClr val="D33682"/>
+                </a:solidFill>
+                <a:effectLst/>
+                <a:latin typeface="Consolas" panose="020B0609020204030204" pitchFamily="49" charset="0"/>
+              </a:rPr>
+              <a:t>3</a:t>
+            </a:r>
+            <a:r>
+              <a:rPr lang="en-US" altLang="ko-KR" sz="1200" b="0">
+                <a:solidFill>
+                  <a:srgbClr val="657B83"/>
+                </a:solidFill>
+                <a:effectLst/>
+                <a:latin typeface="Consolas" panose="020B0609020204030204" pitchFamily="49" charset="0"/>
+              </a:rPr>
+              <a:t>] ;</a:t>
+            </a:r>
+          </a:p>
+          <a:p>
+            <a:pPr>
+              <a:lnSpc>
+                <a:spcPct val="90000"/>
+              </a:lnSpc>
+            </a:pPr>
+            <a:r>
+              <a:rPr lang="en-US" altLang="ko-KR" sz="1200" b="0">
+                <a:solidFill>
+                  <a:srgbClr val="657B83"/>
+                </a:solidFill>
+                <a:effectLst/>
+                <a:latin typeface="Consolas" panose="020B0609020204030204" pitchFamily="49" charset="0"/>
+              </a:rPr>
+              <a:t>                </a:t>
+            </a:r>
+            <a:r>
+              <a:rPr lang="en-US" altLang="ko-KR" sz="1200" b="0">
+                <a:solidFill>
+                  <a:srgbClr val="268BD2"/>
+                </a:solidFill>
+                <a:effectLst/>
+                <a:latin typeface="Consolas" panose="020B0609020204030204" pitchFamily="49" charset="0"/>
+              </a:rPr>
+              <a:t>args</a:t>
+            </a:r>
+            <a:r>
+              <a:rPr lang="en-US" altLang="ko-KR" sz="1200" b="0">
+                <a:solidFill>
+                  <a:srgbClr val="657B83"/>
+                </a:solidFill>
+                <a:effectLst/>
+                <a:latin typeface="Consolas" panose="020B0609020204030204" pitchFamily="49" charset="0"/>
+              </a:rPr>
+              <a:t>[</a:t>
+            </a:r>
+            <a:r>
+              <a:rPr lang="en-US" altLang="ko-KR" sz="1200" b="0">
+                <a:solidFill>
+                  <a:srgbClr val="D33682"/>
+                </a:solidFill>
+                <a:effectLst/>
+                <a:latin typeface="Consolas" panose="020B0609020204030204" pitchFamily="49" charset="0"/>
+              </a:rPr>
+              <a:t>0</a:t>
+            </a:r>
+            <a:r>
+              <a:rPr lang="en-US" altLang="ko-KR" sz="1200" b="0">
+                <a:solidFill>
+                  <a:srgbClr val="657B83"/>
+                </a:solidFill>
+                <a:effectLst/>
+                <a:latin typeface="Consolas" panose="020B0609020204030204" pitchFamily="49" charset="0"/>
+              </a:rPr>
+              <a:t>] </a:t>
+            </a:r>
+            <a:r>
+              <a:rPr lang="en-US" altLang="ko-KR" sz="1200" b="0">
+                <a:solidFill>
+                  <a:srgbClr val="859900"/>
+                </a:solidFill>
+                <a:effectLst/>
+                <a:latin typeface="Consolas" panose="020B0609020204030204" pitchFamily="49" charset="0"/>
+              </a:rPr>
+              <a:t>=</a:t>
+            </a:r>
+            <a:r>
+              <a:rPr lang="en-US" altLang="ko-KR" sz="1200" b="0">
+                <a:solidFill>
+                  <a:srgbClr val="657B83"/>
+                </a:solidFill>
+                <a:effectLst/>
+                <a:latin typeface="Consolas" panose="020B0609020204030204" pitchFamily="49" charset="0"/>
+              </a:rPr>
+              <a:t> </a:t>
+            </a:r>
+            <a:r>
+              <a:rPr lang="en-US" altLang="ko-KR" sz="1200" b="0">
+                <a:solidFill>
+                  <a:srgbClr val="CB4B16"/>
+                </a:solidFill>
+                <a:effectLst/>
+                <a:latin typeface="Consolas" panose="020B0609020204030204" pitchFamily="49" charset="0"/>
+              </a:rPr>
+              <a:t>ConstantInt</a:t>
+            </a:r>
+            <a:r>
+              <a:rPr lang="en-US" altLang="ko-KR" sz="1200" b="0">
+                <a:solidFill>
+                  <a:srgbClr val="657B83"/>
+                </a:solidFill>
+                <a:effectLst/>
+                <a:latin typeface="Consolas" panose="020B0609020204030204" pitchFamily="49" charset="0"/>
+              </a:rPr>
+              <a:t>::</a:t>
+            </a:r>
+            <a:r>
+              <a:rPr lang="en-US" altLang="ko-KR" sz="1200" b="0">
+                <a:solidFill>
+                  <a:srgbClr val="268BD2"/>
+                </a:solidFill>
+                <a:effectLst/>
+                <a:latin typeface="Consolas" panose="020B0609020204030204" pitchFamily="49" charset="0"/>
+              </a:rPr>
+              <a:t>get</a:t>
+            </a:r>
+            <a:r>
+              <a:rPr lang="en-US" altLang="ko-KR" sz="1200" b="0">
+                <a:solidFill>
+                  <a:srgbClr val="657B83"/>
+                </a:solidFill>
+                <a:effectLst/>
+                <a:latin typeface="Consolas" panose="020B0609020204030204" pitchFamily="49" charset="0"/>
+              </a:rPr>
+              <a:t>(intTy, loc, </a:t>
+            </a:r>
+            <a:r>
+              <a:rPr lang="en-US" altLang="ko-KR" sz="1200" b="0">
+                <a:solidFill>
+                  <a:srgbClr val="B58900"/>
+                </a:solidFill>
+                <a:effectLst/>
+                <a:latin typeface="Consolas" panose="020B0609020204030204" pitchFamily="49" charset="0"/>
+              </a:rPr>
+              <a:t>false</a:t>
+            </a:r>
+            <a:r>
+              <a:rPr lang="en-US" altLang="ko-KR" sz="1200" b="0">
+                <a:solidFill>
+                  <a:srgbClr val="657B83"/>
+                </a:solidFill>
+                <a:effectLst/>
+                <a:latin typeface="Consolas" panose="020B0609020204030204" pitchFamily="49" charset="0"/>
+              </a:rPr>
+              <a:t>) ;</a:t>
+            </a:r>
+            <a:r>
+              <a:rPr lang="en-US" altLang="ko-KR" sz="1200" b="0" i="1">
+                <a:solidFill>
+                  <a:srgbClr val="93A1A1"/>
+                </a:solidFill>
+                <a:effectLst/>
+                <a:latin typeface="Consolas" panose="020B0609020204030204" pitchFamily="49" charset="0"/>
+              </a:rPr>
+              <a:t> // location of store instruction.</a:t>
+            </a:r>
+            <a:endParaRPr lang="en-US" altLang="ko-KR" sz="1200" b="0">
+              <a:solidFill>
+                <a:srgbClr val="657B83"/>
+              </a:solidFill>
+              <a:effectLst/>
+              <a:latin typeface="Consolas" panose="020B0609020204030204" pitchFamily="49" charset="0"/>
+            </a:endParaRPr>
+          </a:p>
+          <a:p>
+            <a:pPr>
+              <a:lnSpc>
+                <a:spcPct val="90000"/>
+              </a:lnSpc>
+            </a:pPr>
+            <a:r>
+              <a:rPr lang="en-US" altLang="ko-KR" sz="1200" b="0" i="1">
+                <a:solidFill>
+                  <a:srgbClr val="93A1A1"/>
+                </a:solidFill>
+                <a:effectLst/>
+                <a:latin typeface="Consolas" panose="020B0609020204030204" pitchFamily="49" charset="0"/>
+              </a:rPr>
+              <a:t>	     // create a new string constant of the </a:t>
+            </a:r>
+            <a:r>
+              <a:rPr lang="en-US" altLang="ko-KR" sz="1200" i="1">
+                <a:solidFill>
+                  <a:srgbClr val="93A1A1"/>
+                </a:solidFill>
+                <a:latin typeface="Consolas" panose="020B0609020204030204" pitchFamily="49" charset="0"/>
+              </a:rPr>
+              <a:t>function</a:t>
+            </a:r>
+            <a:r>
+              <a:rPr lang="ko-KR" altLang="en-US" sz="1200" i="1">
+                <a:solidFill>
+                  <a:srgbClr val="93A1A1"/>
+                </a:solidFill>
+                <a:latin typeface="Consolas" panose="020B0609020204030204" pitchFamily="49" charset="0"/>
+              </a:rPr>
+              <a:t> </a:t>
+            </a:r>
+            <a:r>
+              <a:rPr lang="en-US" altLang="ko-KR" sz="1200" b="0" i="1">
+                <a:solidFill>
+                  <a:srgbClr val="93A1A1"/>
+                </a:solidFill>
+                <a:effectLst/>
+                <a:latin typeface="Consolas" panose="020B0609020204030204" pitchFamily="49" charset="0"/>
+              </a:rPr>
+              <a:t>name, and get the pointer to it.</a:t>
+            </a:r>
+            <a:endParaRPr lang="en-US" altLang="ko-KR" sz="1200" b="0">
+              <a:solidFill>
+                <a:srgbClr val="657B83"/>
+              </a:solidFill>
+              <a:effectLst/>
+              <a:latin typeface="Consolas" panose="020B0609020204030204" pitchFamily="49" charset="0"/>
+            </a:endParaRPr>
+          </a:p>
+          <a:p>
+            <a:pPr>
+              <a:lnSpc>
+                <a:spcPct val="90000"/>
+              </a:lnSpc>
+            </a:pPr>
+            <a:r>
+              <a:rPr lang="en-US" altLang="ko-KR" sz="1200" b="0">
+                <a:solidFill>
+                  <a:srgbClr val="657B83"/>
+                </a:solidFill>
+                <a:effectLst/>
+                <a:latin typeface="Consolas" panose="020B0609020204030204" pitchFamily="49" charset="0"/>
+              </a:rPr>
+              <a:t>                </a:t>
+            </a:r>
+            <a:r>
+              <a:rPr lang="en-US" altLang="ko-KR" sz="1200" b="0">
+                <a:solidFill>
+                  <a:srgbClr val="268BD2"/>
+                </a:solidFill>
+                <a:effectLst/>
+                <a:latin typeface="Consolas" panose="020B0609020204030204" pitchFamily="49" charset="0"/>
+              </a:rPr>
+              <a:t>args</a:t>
+            </a:r>
+            <a:r>
+              <a:rPr lang="en-US" altLang="ko-KR" sz="1200" b="0">
+                <a:solidFill>
+                  <a:srgbClr val="657B83"/>
+                </a:solidFill>
+                <a:effectLst/>
+                <a:latin typeface="Consolas" panose="020B0609020204030204" pitchFamily="49" charset="0"/>
+              </a:rPr>
+              <a:t>[</a:t>
+            </a:r>
+            <a:r>
+              <a:rPr lang="en-US" altLang="ko-KR" sz="1200" b="0">
+                <a:solidFill>
+                  <a:srgbClr val="D33682"/>
+                </a:solidFill>
+                <a:effectLst/>
+                <a:latin typeface="Consolas" panose="020B0609020204030204" pitchFamily="49" charset="0"/>
+              </a:rPr>
+              <a:t>1</a:t>
+            </a:r>
+            <a:r>
+              <a:rPr lang="en-US" altLang="ko-KR" sz="1200" b="0">
+                <a:solidFill>
+                  <a:srgbClr val="657B83"/>
+                </a:solidFill>
+                <a:effectLst/>
+                <a:latin typeface="Consolas" panose="020B0609020204030204" pitchFamily="49" charset="0"/>
+              </a:rPr>
+              <a:t>] </a:t>
+            </a:r>
+            <a:r>
+              <a:rPr lang="en-US" altLang="ko-KR" sz="1200" b="0">
+                <a:solidFill>
+                  <a:srgbClr val="859900"/>
+                </a:solidFill>
+                <a:effectLst/>
+                <a:latin typeface="Consolas" panose="020B0609020204030204" pitchFamily="49" charset="0"/>
+              </a:rPr>
+              <a:t>=</a:t>
+            </a:r>
+            <a:r>
+              <a:rPr lang="en-US" altLang="ko-KR" sz="1200" b="0">
+                <a:solidFill>
+                  <a:srgbClr val="657B83"/>
+                </a:solidFill>
+                <a:effectLst/>
+                <a:latin typeface="Consolas" panose="020B0609020204030204" pitchFamily="49" charset="0"/>
+              </a:rPr>
+              <a:t> </a:t>
+            </a:r>
+            <a:r>
+              <a:rPr lang="en-US" altLang="ko-KR" sz="1200" b="0">
+                <a:solidFill>
+                  <a:srgbClr val="268BD2"/>
+                </a:solidFill>
+                <a:effectLst/>
+                <a:latin typeface="Consolas" panose="020B0609020204030204" pitchFamily="49" charset="0"/>
+              </a:rPr>
+              <a:t>IRB</a:t>
+            </a:r>
+            <a:r>
+              <a:rPr lang="en-US" altLang="ko-KR" sz="1200" b="0">
+                <a:solidFill>
+                  <a:srgbClr val="657B83"/>
+                </a:solidFill>
+                <a:effectLst/>
+                <a:latin typeface="Consolas" panose="020B0609020204030204" pitchFamily="49" charset="0"/>
+              </a:rPr>
+              <a:t>-&gt;</a:t>
+            </a:r>
+            <a:r>
+              <a:rPr lang="en-US" altLang="ko-KR" sz="1200" b="0">
+                <a:solidFill>
+                  <a:srgbClr val="268BD2"/>
+                </a:solidFill>
+                <a:effectLst/>
+                <a:latin typeface="Consolas" panose="020B0609020204030204" pitchFamily="49" charset="0"/>
+              </a:rPr>
+              <a:t>CreateGlobalStringPtr</a:t>
+            </a:r>
+            <a:r>
+              <a:rPr lang="en-US" altLang="ko-KR" sz="1200" b="0">
+                <a:solidFill>
+                  <a:srgbClr val="657B83"/>
+                </a:solidFill>
+                <a:effectLst/>
+                <a:latin typeface="Consolas" panose="020B0609020204030204" pitchFamily="49" charset="0"/>
+              </a:rPr>
+              <a:t>(funcname, </a:t>
+            </a:r>
+            <a:r>
+              <a:rPr lang="en-US" altLang="ko-KR" sz="1200" b="0">
+                <a:solidFill>
+                  <a:srgbClr val="2AA198"/>
+                </a:solidFill>
+                <a:effectLst/>
+                <a:latin typeface="Consolas" panose="020B0609020204030204" pitchFamily="49" charset="0"/>
+              </a:rPr>
+              <a:t>""</a:t>
+            </a:r>
+            <a:r>
+              <a:rPr lang="en-US" altLang="ko-KR" sz="1200" b="0">
+                <a:solidFill>
+                  <a:srgbClr val="657B83"/>
+                </a:solidFill>
+                <a:effectLst/>
+                <a:latin typeface="Consolas" panose="020B0609020204030204" pitchFamily="49" charset="0"/>
+              </a:rPr>
+              <a:t>) ;</a:t>
+            </a:r>
+            <a:r>
+              <a:rPr lang="en-US" altLang="ko-KR" sz="1200" b="0" i="1">
+                <a:solidFill>
+                  <a:srgbClr val="93A1A1"/>
+                </a:solidFill>
+                <a:effectLst/>
+                <a:latin typeface="Consolas" panose="020B0609020204030204" pitchFamily="49" charset="0"/>
+              </a:rPr>
+              <a:t> </a:t>
+            </a:r>
+            <a:endParaRPr lang="en-US" altLang="ko-KR" sz="1200" b="0">
+              <a:solidFill>
+                <a:srgbClr val="657B83"/>
+              </a:solidFill>
+              <a:effectLst/>
+              <a:latin typeface="Consolas" panose="020B0609020204030204" pitchFamily="49" charset="0"/>
+            </a:endParaRPr>
+          </a:p>
+          <a:p>
+            <a:pPr>
+              <a:lnSpc>
+                <a:spcPct val="90000"/>
+              </a:lnSpc>
+            </a:pPr>
+            <a:r>
+              <a:rPr lang="en-US" altLang="ko-KR" sz="1200" b="0">
+                <a:solidFill>
+                  <a:srgbClr val="657B83"/>
+                </a:solidFill>
+                <a:effectLst/>
+                <a:latin typeface="Consolas" panose="020B0609020204030204" pitchFamily="49" charset="0"/>
+              </a:rPr>
+              <a:t>                </a:t>
+            </a:r>
+            <a:r>
+              <a:rPr lang="en-US" altLang="ko-KR" sz="1200" b="0">
+                <a:solidFill>
+                  <a:srgbClr val="268BD2"/>
+                </a:solidFill>
+                <a:effectLst/>
+                <a:latin typeface="Consolas" panose="020B0609020204030204" pitchFamily="49" charset="0"/>
+              </a:rPr>
+              <a:t>args</a:t>
+            </a:r>
+            <a:r>
+              <a:rPr lang="en-US" altLang="ko-KR" sz="1200" b="0">
+                <a:solidFill>
+                  <a:srgbClr val="657B83"/>
+                </a:solidFill>
+                <a:effectLst/>
+                <a:latin typeface="Consolas" panose="020B0609020204030204" pitchFamily="49" charset="0"/>
+              </a:rPr>
+              <a:t>[</a:t>
+            </a:r>
+            <a:r>
+              <a:rPr lang="en-US" altLang="ko-KR" sz="1200" b="0">
+                <a:solidFill>
+                  <a:srgbClr val="D33682"/>
+                </a:solidFill>
+                <a:effectLst/>
+                <a:latin typeface="Consolas" panose="020B0609020204030204" pitchFamily="49" charset="0"/>
+              </a:rPr>
+              <a:t>2</a:t>
+            </a:r>
+            <a:r>
+              <a:rPr lang="en-US" altLang="ko-KR" sz="1200" b="0">
+                <a:solidFill>
+                  <a:srgbClr val="657B83"/>
+                </a:solidFill>
+                <a:effectLst/>
+                <a:latin typeface="Consolas" panose="020B0609020204030204" pitchFamily="49" charset="0"/>
+              </a:rPr>
+              <a:t>] </a:t>
+            </a:r>
+            <a:r>
+              <a:rPr lang="en-US" altLang="ko-KR" sz="1200" b="0">
+                <a:solidFill>
+                  <a:srgbClr val="859900"/>
+                </a:solidFill>
+                <a:effectLst/>
+                <a:latin typeface="Consolas" panose="020B0609020204030204" pitchFamily="49" charset="0"/>
+              </a:rPr>
+              <a:t>=</a:t>
+            </a:r>
+            <a:r>
+              <a:rPr lang="en-US" altLang="ko-KR" sz="1200" b="0">
+                <a:solidFill>
+                  <a:srgbClr val="657B83"/>
+                </a:solidFill>
+                <a:effectLst/>
+                <a:latin typeface="Consolas" panose="020B0609020204030204" pitchFamily="49" charset="0"/>
+              </a:rPr>
+              <a:t> val ;</a:t>
+            </a:r>
+            <a:r>
+              <a:rPr lang="en-US" altLang="ko-KR" sz="1200" b="0" i="1">
+                <a:solidFill>
+                  <a:srgbClr val="93A1A1"/>
+                </a:solidFill>
+                <a:effectLst/>
+                <a:latin typeface="Consolas" panose="020B0609020204030204" pitchFamily="49" charset="0"/>
+              </a:rPr>
+              <a:t> // the value to be assigned to the variable.</a:t>
+            </a:r>
+            <a:endParaRPr lang="en-US" altLang="ko-KR" sz="1200" b="0">
+              <a:solidFill>
+                <a:srgbClr val="657B83"/>
+              </a:solidFill>
+              <a:effectLst/>
+              <a:latin typeface="Consolas" panose="020B0609020204030204" pitchFamily="49" charset="0"/>
+            </a:endParaRPr>
+          </a:p>
+          <a:p>
+            <a:pPr>
+              <a:lnSpc>
+                <a:spcPct val="90000"/>
+              </a:lnSpc>
+            </a:pPr>
+            <a:r>
+              <a:rPr lang="en-US" altLang="ko-KR" sz="1200" b="0">
+                <a:solidFill>
+                  <a:srgbClr val="657B83"/>
+                </a:solidFill>
+                <a:effectLst/>
+                <a:latin typeface="Consolas" panose="020B0609020204030204" pitchFamily="49" charset="0"/>
+              </a:rPr>
+              <a:t>                </a:t>
+            </a:r>
+            <a:r>
+              <a:rPr lang="en-US" altLang="ko-KR" sz="1200" b="0">
+                <a:solidFill>
+                  <a:srgbClr val="268BD2"/>
+                </a:solidFill>
+                <a:effectLst/>
+                <a:latin typeface="Consolas" panose="020B0609020204030204" pitchFamily="49" charset="0"/>
+              </a:rPr>
+              <a:t>IRB</a:t>
+            </a:r>
+            <a:r>
+              <a:rPr lang="en-US" altLang="ko-KR" sz="1200" b="0">
+                <a:solidFill>
+                  <a:srgbClr val="657B83"/>
+                </a:solidFill>
+                <a:effectLst/>
+                <a:latin typeface="Consolas" panose="020B0609020204030204" pitchFamily="49" charset="0"/>
+              </a:rPr>
+              <a:t>-&gt;</a:t>
+            </a:r>
+            <a:r>
+              <a:rPr lang="en-US" altLang="ko-KR" sz="1200" b="0">
+                <a:solidFill>
+                  <a:srgbClr val="268BD2"/>
+                </a:solidFill>
+                <a:effectLst/>
+                <a:latin typeface="Consolas" panose="020B0609020204030204" pitchFamily="49" charset="0"/>
+              </a:rPr>
+              <a:t>CreateCall</a:t>
+            </a:r>
+            <a:r>
+              <a:rPr lang="en-US" altLang="ko-KR" sz="1200" b="0">
+                <a:solidFill>
+                  <a:srgbClr val="657B83"/>
+                </a:solidFill>
+                <a:effectLst/>
+                <a:latin typeface="Consolas" panose="020B0609020204030204" pitchFamily="49" charset="0"/>
+              </a:rPr>
+              <a:t>(p_probe, args, </a:t>
+            </a:r>
+            <a:r>
+              <a:rPr lang="en-US" altLang="ko-KR" sz="1200" b="0">
+                <a:solidFill>
+                  <a:srgbClr val="268BD2"/>
+                </a:solidFill>
+                <a:effectLst/>
+                <a:latin typeface="Consolas" panose="020B0609020204030204" pitchFamily="49" charset="0"/>
+              </a:rPr>
+              <a:t>Twine</a:t>
+            </a:r>
+            <a:r>
+              <a:rPr lang="en-US" altLang="ko-KR" sz="1200" b="0">
+                <a:solidFill>
+                  <a:srgbClr val="657B83"/>
+                </a:solidFill>
+                <a:effectLst/>
+                <a:latin typeface="Consolas" panose="020B0609020204030204" pitchFamily="49" charset="0"/>
+              </a:rPr>
+              <a:t>(</a:t>
+            </a:r>
+            <a:r>
+              <a:rPr lang="en-US" altLang="ko-KR" sz="1200" b="0">
+                <a:solidFill>
+                  <a:srgbClr val="2AA198"/>
+                </a:solidFill>
+                <a:effectLst/>
+                <a:latin typeface="Consolas" panose="020B0609020204030204" pitchFamily="49" charset="0"/>
+              </a:rPr>
+              <a:t>""</a:t>
+            </a:r>
+            <a:r>
+              <a:rPr lang="en-US" altLang="ko-KR" sz="1200" b="0">
+                <a:solidFill>
+                  <a:srgbClr val="657B83"/>
+                </a:solidFill>
+                <a:effectLst/>
+                <a:latin typeface="Consolas" panose="020B0609020204030204" pitchFamily="49" charset="0"/>
+              </a:rPr>
+              <a:t>)) ;</a:t>
+            </a:r>
+          </a:p>
+          <a:p>
+            <a:pPr>
+              <a:lnSpc>
+                <a:spcPct val="90000"/>
+              </a:lnSpc>
+            </a:pPr>
+            <a:r>
+              <a:rPr lang="en-US" altLang="ko-KR" sz="1200" b="0">
+                <a:solidFill>
+                  <a:srgbClr val="657B83"/>
+                </a:solidFill>
+                <a:effectLst/>
+                <a:latin typeface="Consolas" panose="020B0609020204030204" pitchFamily="49" charset="0"/>
+              </a:rPr>
+              <a:t>                </a:t>
+            </a:r>
+            <a:r>
+              <a:rPr lang="en-US" altLang="ko-KR" sz="1200" b="0">
+                <a:solidFill>
+                  <a:srgbClr val="859900"/>
+                </a:solidFill>
+                <a:effectLst/>
+                <a:latin typeface="Consolas" panose="020B0609020204030204" pitchFamily="49" charset="0"/>
+              </a:rPr>
+              <a:t>continue</a:t>
+            </a:r>
+            <a:r>
+              <a:rPr lang="en-US" altLang="ko-KR" sz="1200" b="0">
+                <a:solidFill>
+                  <a:srgbClr val="657B83"/>
+                </a:solidFill>
+                <a:effectLst/>
+                <a:latin typeface="Consolas" panose="020B0609020204030204" pitchFamily="49" charset="0"/>
+              </a:rPr>
+              <a:t> ;</a:t>
+            </a:r>
+          </a:p>
+          <a:p>
+            <a:pPr>
+              <a:lnSpc>
+                <a:spcPct val="90000"/>
+              </a:lnSpc>
+            </a:pPr>
+            <a:r>
+              <a:rPr lang="en-US" altLang="ko-KR" sz="1200" b="0">
+                <a:solidFill>
+                  <a:srgbClr val="657B83"/>
+                </a:solidFill>
+                <a:effectLst/>
+                <a:latin typeface="Consolas" panose="020B0609020204030204" pitchFamily="49" charset="0"/>
+              </a:rPr>
+              <a:t>            }</a:t>
+            </a:r>
+          </a:p>
+          <a:p>
+            <a:pPr>
+              <a:lnSpc>
+                <a:spcPct val="90000"/>
+              </a:lnSpc>
+            </a:pPr>
+            <a:r>
+              <a:rPr lang="en-US" altLang="ko-KR" sz="1200" b="0">
+                <a:solidFill>
+                  <a:srgbClr val="657B83"/>
+                </a:solidFill>
+                <a:effectLst/>
+                <a:latin typeface="Consolas" panose="020B0609020204030204" pitchFamily="49" charset="0"/>
+              </a:rPr>
+              <a:t>        }   </a:t>
+            </a:r>
+          </a:p>
+          <a:p>
+            <a:pPr>
+              <a:lnSpc>
+                <a:spcPct val="90000"/>
+              </a:lnSpc>
+            </a:pPr>
+            <a:r>
+              <a:rPr lang="en-US" altLang="ko-KR" sz="1200" b="0">
+                <a:solidFill>
+                  <a:srgbClr val="657B83"/>
+                </a:solidFill>
+                <a:effectLst/>
+                <a:latin typeface="Consolas" panose="020B0609020204030204" pitchFamily="49" charset="0"/>
+              </a:rPr>
+              <a:t>    }</a:t>
+            </a:r>
+          </a:p>
+          <a:p>
+            <a:pPr>
+              <a:lnSpc>
+                <a:spcPct val="90000"/>
+              </a:lnSpc>
+            </a:pPr>
+            <a:r>
+              <a:rPr lang="en-US" altLang="ko-KR" sz="1200" b="0">
+                <a:solidFill>
+                  <a:srgbClr val="657B83"/>
+                </a:solidFill>
+                <a:effectLst/>
+                <a:latin typeface="Consolas" panose="020B0609020204030204" pitchFamily="49" charset="0"/>
+              </a:rPr>
+              <a:t>    </a:t>
+            </a:r>
+            <a:r>
+              <a:rPr lang="en-US" altLang="ko-KR" sz="1200" b="0">
+                <a:solidFill>
+                  <a:srgbClr val="859900"/>
+                </a:solidFill>
+                <a:effectLst/>
+                <a:latin typeface="Consolas" panose="020B0609020204030204" pitchFamily="49" charset="0"/>
+              </a:rPr>
+              <a:t>return</a:t>
+            </a:r>
+            <a:r>
+              <a:rPr lang="en-US" altLang="ko-KR" sz="1200" b="0">
+                <a:solidFill>
+                  <a:srgbClr val="657B83"/>
+                </a:solidFill>
+                <a:effectLst/>
+                <a:latin typeface="Consolas" panose="020B0609020204030204" pitchFamily="49" charset="0"/>
+              </a:rPr>
+              <a:t> </a:t>
+            </a:r>
+            <a:r>
+              <a:rPr lang="en-US" altLang="ko-KR" sz="1200" b="0">
+                <a:solidFill>
+                  <a:srgbClr val="B58900"/>
+                </a:solidFill>
+                <a:effectLst/>
+                <a:latin typeface="Consolas" panose="020B0609020204030204" pitchFamily="49" charset="0"/>
+              </a:rPr>
+              <a:t>true</a:t>
+            </a:r>
+            <a:r>
+              <a:rPr lang="en-US" altLang="ko-KR" sz="1200" b="0">
+                <a:solidFill>
+                  <a:srgbClr val="657B83"/>
+                </a:solidFill>
+                <a:effectLst/>
+                <a:latin typeface="Consolas" panose="020B0609020204030204" pitchFamily="49" charset="0"/>
+              </a:rPr>
+              <a:t> ;}</a:t>
+            </a:r>
+          </a:p>
+        </p:txBody>
+      </p:sp>
+    </p:spTree>
+    <p:extLst>
+      <p:ext uri="{BB962C8B-B14F-4D97-AF65-F5344CB8AC3E}">
+        <p14:creationId xmlns:p14="http://schemas.microsoft.com/office/powerpoint/2010/main" val="803289756"/>
+      </p:ext>
+    </p:extLst>
+  </p:cSld>
+  <p:clrMapOvr>
+    <a:masterClrMapping/>
+  </p:clrMapOvr>
+</p:sld>
+</file>
+
+<file path=ppt/slides/slide24.xml><?xml version="1.0" encoding="utf-8"?>
+<p:sld xmlns:a="http://schemas.openxmlformats.org/drawingml/2006/main" xmlns:r="http://schemas.openxmlformats.org/officeDocument/2006/relationships" xmlns:p="http://schemas.openxmlformats.org/presentationml/2006/main">
+  <p:cSld>
+    <p:spTree>
+      <p:nvGrpSpPr>
+        <p:cNvPr id="1" name=""/>
+        <p:cNvGrpSpPr/>
+        <p:nvPr/>
+      </p:nvGrpSpPr>
+      <p:grpSpPr>
+        <a:xfrm>
+          <a:off x="0" y="0"/>
+          <a:ext cx="0" cy="0"/>
+          <a:chOff x="0" y="0"/>
+          <a:chExt cx="0" cy="0"/>
+        </a:xfrm>
+      </p:grpSpPr>
+      <p:sp>
+        <p:nvSpPr>
           <p:cNvPr id="2" name="제목 1"/>
           <p:cNvSpPr>
             <a:spLocks noGrp="1"/>
@@ -18064,7 +23473,7 @@
           <a:p>
             <a:fld id="{BEE6AC68-1C69-421E-B036-4DAA2329A567}" type="slidenum">
               <a:rPr lang="ko-KR" altLang="en-US" smtClean="0"/>
-              <a:t>22</a:t>
+              <a:t>24</a:t>
             </a:fld>
             <a:endParaRPr lang="ko-KR" altLang="en-US"/>
           </a:p>
